--- a/Apresentação Pré-projeto-BCC.pptx
+++ b/Apresentação Pré-projeto-BCC.pptx
@@ -5,7 +5,7 @@
     <p:sldMasterId id="2147483648" r:id="rId1"/>
   </p:sldMasterIdLst>
   <p:notesMasterIdLst>
-    <p:notesMasterId r:id="rId24"/>
+    <p:notesMasterId r:id="rId27"/>
   </p:notesMasterIdLst>
   <p:sldIdLst>
     <p:sldId id="256" r:id="rId2"/>
@@ -25,11 +25,14 @@
     <p:sldId id="359" r:id="rId16"/>
     <p:sldId id="323" r:id="rId17"/>
     <p:sldId id="336" r:id="rId18"/>
-    <p:sldId id="264" r:id="rId19"/>
-    <p:sldId id="353" r:id="rId20"/>
-    <p:sldId id="263" r:id="rId21"/>
-    <p:sldId id="352" r:id="rId22"/>
-    <p:sldId id="357" r:id="rId23"/>
+    <p:sldId id="362" r:id="rId19"/>
+    <p:sldId id="264" r:id="rId20"/>
+    <p:sldId id="353" r:id="rId21"/>
+    <p:sldId id="263" r:id="rId22"/>
+    <p:sldId id="352" r:id="rId23"/>
+    <p:sldId id="364" r:id="rId24"/>
+    <p:sldId id="365" r:id="rId25"/>
+    <p:sldId id="363" r:id="rId26"/>
   </p:sldIdLst>
   <p:sldSz cx="9144000" cy="6858000" type="screen4x3"/>
   <p:notesSz cx="6858000" cy="9144000"/>
@@ -4144,7 +4147,7 @@
               <a:pPr>
                 <a:defRPr/>
               </a:pPr>
-              <a:t>13/10/2024</a:t>
+              <a:t>20/10/2024</a:t>
             </a:fld>
             <a:endParaRPr lang="pt-BR"/>
           </a:p>
@@ -4839,66 +4842,6 @@
           </a:bodyPr>
           <a:lstStyle/>
           <a:p>
-            <a:endParaRPr lang="pt-BR" altLang="en-US" dirty="0">
-              <a:latin typeface="Times New Roman" panose="02020603050405020304" pitchFamily="18" charset="0"/>
-              <a:cs typeface="Times New Roman" panose="02020603050405020304" pitchFamily="18" charset="0"/>
-            </a:endParaRPr>
-          </a:p>
-          <a:p>
-            <a:r>
-              <a:rPr lang="pt-BR" sz="1800" b="0" i="0" u="none" strike="noStrike" baseline="0" dirty="0">
-                <a:solidFill>
-                  <a:srgbClr val="000000"/>
-                </a:solidFill>
-                <a:latin typeface="Times New Roman" panose="02020603050405020304" pitchFamily="18" charset="0"/>
-              </a:rPr>
-              <a:t> assemelha-se com o objetivo proposto neste trabalho, pois permite que os usuários façam a gestão da sua academia de artes marciais. Por meio do cadastro de alunos, controle de mensalidades, controle da periodicidade dos </a:t>
-            </a:r>
-            <a:r>
-              <a:rPr lang="pt-BR" sz="1800" b="0" i="0" u="none" strike="noStrike" baseline="0" dirty="0" err="1">
-                <a:solidFill>
-                  <a:srgbClr val="000000"/>
-                </a:solidFill>
-                <a:latin typeface="Times New Roman" panose="02020603050405020304" pitchFamily="18" charset="0"/>
-              </a:rPr>
-              <a:t>exmaes</a:t>
-            </a:r>
-            <a:r>
-              <a:rPr lang="pt-BR" sz="1800" b="0" i="0" u="none" strike="noStrike" baseline="0" dirty="0">
-                <a:solidFill>
-                  <a:srgbClr val="000000"/>
-                </a:solidFill>
-                <a:latin typeface="Times New Roman" panose="02020603050405020304" pitchFamily="18" charset="0"/>
-              </a:rPr>
-              <a:t> </a:t>
-            </a:r>
-            <a:r>
-              <a:rPr lang="pt-BR" sz="1800" b="0" i="0" u="none" strike="noStrike" baseline="0">
-                <a:solidFill>
-                  <a:srgbClr val="000000"/>
-                </a:solidFill>
-                <a:latin typeface="Times New Roman" panose="02020603050405020304" pitchFamily="18" charset="0"/>
-              </a:rPr>
-              <a:t>de graduação </a:t>
-            </a:r>
-            <a:r>
-              <a:rPr lang="pt-BR" sz="1800" b="0" i="0" u="none" strike="noStrike" baseline="0" dirty="0">
-                <a:solidFill>
-                  <a:srgbClr val="000000"/>
-                </a:solidFill>
-                <a:latin typeface="Times New Roman" panose="02020603050405020304" pitchFamily="18" charset="0"/>
-              </a:rPr>
-              <a:t>e emissão de relatórios, visa facilitar e acelerar a gestão, aumentando assim, os lucros e diminuindo o tempo gasto na gestão administrativa </a:t>
-            </a:r>
-            <a:br>
-              <a:rPr lang="pt-BR" altLang="en-US" dirty="0">
-                <a:latin typeface="Times New Roman" panose="02020603050405020304" pitchFamily="18" charset="0"/>
-                <a:cs typeface="Times New Roman" panose="02020603050405020304" pitchFamily="18" charset="0"/>
-              </a:rPr>
-            </a:br>
-            <a:endParaRPr lang="en-US" altLang="en-US" dirty="0"/>
-          </a:p>
-          <a:p>
             <a:endParaRPr lang="pt-BR" altLang="pt-BR" dirty="0"/>
           </a:p>
         </p:txBody>
@@ -7016,6 +6959,275 @@
       </p:grpSpPr>
       <p:sp>
         <p:nvSpPr>
+          <p:cNvPr id="139266" name="Espaço Reservado para Imagem de Slide 1">
+            <a:extLst>
+              <a:ext uri="{FF2B5EF4-FFF2-40B4-BE49-F238E27FC236}">
+                <a16:creationId xmlns:a16="http://schemas.microsoft.com/office/drawing/2014/main" id="{3FCBC03D-508B-ECD8-3BB8-C3A0B5809DCB}"/>
+              </a:ext>
+            </a:extLst>
+          </p:cNvPr>
+          <p:cNvSpPr>
+            <a:spLocks noGrp="1" noRot="1" noChangeAspect="1" noChangeArrowheads="1" noTextEdit="1"/>
+          </p:cNvSpPr>
+          <p:nvPr>
+            <p:ph type="sldImg"/>
+          </p:nvPr>
+        </p:nvSpPr>
+        <p:spPr bwMode="auto">
+          <a:noFill/>
+          <a:ln>
+            <a:solidFill>
+              <a:srgbClr val="000000"/>
+            </a:solidFill>
+            <a:miter lim="800000"/>
+            <a:headEnd/>
+            <a:tailEnd/>
+          </a:ln>
+          <a:extLst>
+            <a:ext uri="{909E8E84-426E-40DD-AFC4-6F175D3DCCD1}">
+              <a14:hiddenFill xmlns:a14="http://schemas.microsoft.com/office/drawing/2010/main">
+                <a:solidFill>
+                  <a:srgbClr val="FFFFFF"/>
+                </a:solidFill>
+              </a14:hiddenFill>
+            </a:ext>
+          </a:extLst>
+        </p:spPr>
+      </p:sp>
+      <p:sp>
+        <p:nvSpPr>
+          <p:cNvPr id="139267" name="Espaço Reservado para Anotações 2">
+            <a:extLst>
+              <a:ext uri="{FF2B5EF4-FFF2-40B4-BE49-F238E27FC236}">
+                <a16:creationId xmlns:a16="http://schemas.microsoft.com/office/drawing/2014/main" id="{221F2B48-66A9-B8BC-A15C-A16EFFC4F8BB}"/>
+              </a:ext>
+            </a:extLst>
+          </p:cNvPr>
+          <p:cNvSpPr>
+            <a:spLocks noGrp="1" noChangeArrowheads="1"/>
+          </p:cNvSpPr>
+          <p:nvPr>
+            <p:ph type="body" idx="1"/>
+          </p:nvPr>
+        </p:nvSpPr>
+        <p:spPr bwMode="auto">
+          <a:noFill/>
+          <a:extLst>
+            <a:ext uri="{909E8E84-426E-40DD-AFC4-6F175D3DCCD1}">
+              <a14:hiddenFill xmlns:a14="http://schemas.microsoft.com/office/drawing/2010/main">
+                <a:solidFill>
+                  <a:srgbClr val="FFFFFF"/>
+                </a:solidFill>
+              </a14:hiddenFill>
+            </a:ext>
+            <a:ext uri="{91240B29-F687-4F45-9708-019B960494DF}">
+              <a14:hiddenLine xmlns:a14="http://schemas.microsoft.com/office/drawing/2010/main" w="9525">
+                <a:solidFill>
+                  <a:srgbClr val="000000"/>
+                </a:solidFill>
+                <a:miter lim="800000"/>
+                <a:headEnd/>
+                <a:tailEnd/>
+              </a14:hiddenLine>
+            </a:ext>
+          </a:extLst>
+        </p:spPr>
+        <p:txBody>
+          <a:bodyPr wrap="square" numCol="1" anchor="t" anchorCtr="0" compatLnSpc="1">
+            <a:prstTxWarp prst="textNoShape">
+              <a:avLst/>
+            </a:prstTxWarp>
+          </a:bodyPr>
+          <a:lstStyle/>
+          <a:p>
+            <a:endParaRPr lang="pt-BR" altLang="pt-BR" dirty="0"/>
+          </a:p>
+        </p:txBody>
+      </p:sp>
+      <p:sp>
+        <p:nvSpPr>
+          <p:cNvPr id="139268" name="Espaço Reservado para Número de Slide 3">
+            <a:extLst>
+              <a:ext uri="{FF2B5EF4-FFF2-40B4-BE49-F238E27FC236}">
+                <a16:creationId xmlns:a16="http://schemas.microsoft.com/office/drawing/2014/main" id="{BBB9430B-43BB-E50D-081C-559C58D019AA}"/>
+              </a:ext>
+            </a:extLst>
+          </p:cNvPr>
+          <p:cNvSpPr>
+            <a:spLocks noGrp="1" noChangeArrowheads="1"/>
+          </p:cNvSpPr>
+          <p:nvPr>
+            <p:ph type="sldNum" sz="quarter" idx="5"/>
+          </p:nvPr>
+        </p:nvSpPr>
+        <p:spPr bwMode="auto">
+          <a:noFill/>
+          <a:extLst>
+            <a:ext uri="{909E8E84-426E-40DD-AFC4-6F175D3DCCD1}">
+              <a14:hiddenFill xmlns:a14="http://schemas.microsoft.com/office/drawing/2010/main">
+                <a:solidFill>
+                  <a:srgbClr val="FFFFFF"/>
+                </a:solidFill>
+              </a14:hiddenFill>
+            </a:ext>
+            <a:ext uri="{91240B29-F687-4F45-9708-019B960494DF}">
+              <a14:hiddenLine xmlns:a14="http://schemas.microsoft.com/office/drawing/2010/main" w="9525">
+                <a:solidFill>
+                  <a:srgbClr val="000000"/>
+                </a:solidFill>
+                <a:miter lim="800000"/>
+                <a:headEnd/>
+                <a:tailEnd/>
+              </a14:hiddenLine>
+            </a:ext>
+          </a:extLst>
+        </p:spPr>
+        <p:txBody>
+          <a:bodyPr wrap="square" numCol="1" anchorCtr="0" compatLnSpc="1">
+            <a:prstTxWarp prst="textNoShape">
+              <a:avLst/>
+            </a:prstTxWarp>
+          </a:bodyPr>
+          <a:lstStyle>
+            <a:lvl1pPr>
+              <a:defRPr>
+                <a:solidFill>
+                  <a:schemeClr val="tx1"/>
+                </a:solidFill>
+                <a:latin typeface="Arial" panose="020B0604020202020204" pitchFamily="34" charset="0"/>
+              </a:defRPr>
+            </a:lvl1pPr>
+            <a:lvl2pPr marL="742950" indent="-285750">
+              <a:defRPr>
+                <a:solidFill>
+                  <a:schemeClr val="tx1"/>
+                </a:solidFill>
+                <a:latin typeface="Arial" panose="020B0604020202020204" pitchFamily="34" charset="0"/>
+              </a:defRPr>
+            </a:lvl2pPr>
+            <a:lvl3pPr marL="1143000" indent="-228600">
+              <a:defRPr>
+                <a:solidFill>
+                  <a:schemeClr val="tx1"/>
+                </a:solidFill>
+                <a:latin typeface="Arial" panose="020B0604020202020204" pitchFamily="34" charset="0"/>
+              </a:defRPr>
+            </a:lvl3pPr>
+            <a:lvl4pPr marL="1600200" indent="-228600">
+              <a:defRPr>
+                <a:solidFill>
+                  <a:schemeClr val="tx1"/>
+                </a:solidFill>
+                <a:latin typeface="Arial" panose="020B0604020202020204" pitchFamily="34" charset="0"/>
+              </a:defRPr>
+            </a:lvl4pPr>
+            <a:lvl5pPr marL="2057400" indent="-228600">
+              <a:defRPr>
+                <a:solidFill>
+                  <a:schemeClr val="tx1"/>
+                </a:solidFill>
+                <a:latin typeface="Arial" panose="020B0604020202020204" pitchFamily="34" charset="0"/>
+              </a:defRPr>
+            </a:lvl5pPr>
+            <a:lvl6pPr marL="2514600" indent="-228600" eaLnBrk="0" fontAlgn="base" hangingPunct="0">
+              <a:spcBef>
+                <a:spcPct val="0"/>
+              </a:spcBef>
+              <a:spcAft>
+                <a:spcPct val="0"/>
+              </a:spcAft>
+              <a:defRPr>
+                <a:solidFill>
+                  <a:schemeClr val="tx1"/>
+                </a:solidFill>
+                <a:latin typeface="Arial" panose="020B0604020202020204" pitchFamily="34" charset="0"/>
+              </a:defRPr>
+            </a:lvl6pPr>
+            <a:lvl7pPr marL="2971800" indent="-228600" eaLnBrk="0" fontAlgn="base" hangingPunct="0">
+              <a:spcBef>
+                <a:spcPct val="0"/>
+              </a:spcBef>
+              <a:spcAft>
+                <a:spcPct val="0"/>
+              </a:spcAft>
+              <a:defRPr>
+                <a:solidFill>
+                  <a:schemeClr val="tx1"/>
+                </a:solidFill>
+                <a:latin typeface="Arial" panose="020B0604020202020204" pitchFamily="34" charset="0"/>
+              </a:defRPr>
+            </a:lvl7pPr>
+            <a:lvl8pPr marL="3429000" indent="-228600" eaLnBrk="0" fontAlgn="base" hangingPunct="0">
+              <a:spcBef>
+                <a:spcPct val="0"/>
+              </a:spcBef>
+              <a:spcAft>
+                <a:spcPct val="0"/>
+              </a:spcAft>
+              <a:defRPr>
+                <a:solidFill>
+                  <a:schemeClr val="tx1"/>
+                </a:solidFill>
+                <a:latin typeface="Arial" panose="020B0604020202020204" pitchFamily="34" charset="0"/>
+              </a:defRPr>
+            </a:lvl8pPr>
+            <a:lvl9pPr marL="3886200" indent="-228600" eaLnBrk="0" fontAlgn="base" hangingPunct="0">
+              <a:spcBef>
+                <a:spcPct val="0"/>
+              </a:spcBef>
+              <a:spcAft>
+                <a:spcPct val="0"/>
+              </a:spcAft>
+              <a:defRPr>
+                <a:solidFill>
+                  <a:schemeClr val="tx1"/>
+                </a:solidFill>
+                <a:latin typeface="Arial" panose="020B0604020202020204" pitchFamily="34" charset="0"/>
+              </a:defRPr>
+            </a:lvl9pPr>
+          </a:lstStyle>
+          <a:p>
+            <a:fld id="{ADE1965A-94A4-4E82-890B-EDFCC7F938EC}" type="slidenum">
+              <a:rPr lang="pt-BR" altLang="pt-BR" smtClean="0"/>
+              <a:pPr/>
+              <a:t>18</a:t>
+            </a:fld>
+            <a:endParaRPr lang="pt-BR" altLang="pt-BR"/>
+          </a:p>
+        </p:txBody>
+      </p:sp>
+    </p:spTree>
+    <p:extLst>
+      <p:ext uri="{BB962C8B-B14F-4D97-AF65-F5344CB8AC3E}">
+        <p14:creationId xmlns:p14="http://schemas.microsoft.com/office/powerpoint/2010/main" val="206655742"/>
+      </p:ext>
+    </p:extLst>
+  </p:cSld>
+  <p:clrMapOvr>
+    <a:masterClrMapping/>
+  </p:clrMapOvr>
+</p:notes>
+</file>
+
+<file path=ppt/notesSlides/notesSlide19.xml><?xml version="1.0" encoding="utf-8"?>
+<p:notes xmlns:a="http://schemas.openxmlformats.org/drawingml/2006/main" xmlns:r="http://schemas.openxmlformats.org/officeDocument/2006/relationships" xmlns:p="http://schemas.openxmlformats.org/presentationml/2006/main">
+  <p:cSld>
+    <p:spTree>
+      <p:nvGrpSpPr>
+        <p:cNvPr id="1" name=""/>
+        <p:cNvGrpSpPr/>
+        <p:nvPr/>
+      </p:nvGrpSpPr>
+      <p:grpSpPr>
+        <a:xfrm>
+          <a:off x="0" y="0"/>
+          <a:ext cx="0" cy="0"/>
+          <a:chOff x="0" y="0"/>
+          <a:chExt cx="0" cy="0"/>
+        </a:xfrm>
+      </p:grpSpPr>
+      <p:sp>
+        <p:nvSpPr>
           <p:cNvPr id="20482" name="Espaço Reservado para Imagem de Slide 1">
             <a:extLst>
               <a:ext uri="{FF2B5EF4-FFF2-40B4-BE49-F238E27FC236}">
@@ -7248,283 +7460,13 @@
             <a:fld id="{5A2F7E48-7C2F-4A88-8836-EF812DA75E1C}" type="slidenum">
               <a:rPr lang="pt-BR" altLang="pt-BR" smtClean="0"/>
               <a:pPr/>
-              <a:t>18</a:t>
+              <a:t>19</a:t>
             </a:fld>
             <a:endParaRPr lang="pt-BR" altLang="pt-BR"/>
           </a:p>
         </p:txBody>
       </p:sp>
     </p:spTree>
-  </p:cSld>
-  <p:clrMapOvr>
-    <a:masterClrMapping/>
-  </p:clrMapOvr>
-</p:notes>
-</file>
-
-<file path=ppt/notesSlides/notesSlide19.xml><?xml version="1.0" encoding="utf-8"?>
-<p:notes xmlns:a="http://schemas.openxmlformats.org/drawingml/2006/main" xmlns:r="http://schemas.openxmlformats.org/officeDocument/2006/relationships" xmlns:p="http://schemas.openxmlformats.org/presentationml/2006/main">
-  <p:cSld>
-    <p:spTree>
-      <p:nvGrpSpPr>
-        <p:cNvPr id="1" name=""/>
-        <p:cNvGrpSpPr/>
-        <p:nvPr/>
-      </p:nvGrpSpPr>
-      <p:grpSpPr>
-        <a:xfrm>
-          <a:off x="0" y="0"/>
-          <a:ext cx="0" cy="0"/>
-          <a:chOff x="0" y="0"/>
-          <a:chExt cx="0" cy="0"/>
-        </a:xfrm>
-      </p:grpSpPr>
-      <p:sp>
-        <p:nvSpPr>
-          <p:cNvPr id="22530" name="Espaço Reservado para Imagem de Slide 1">
-            <a:extLst>
-              <a:ext uri="{FF2B5EF4-FFF2-40B4-BE49-F238E27FC236}">
-                <a16:creationId xmlns:a16="http://schemas.microsoft.com/office/drawing/2014/main" id="{E8710FB5-29A8-1AEB-1B02-A422B1ED2C62}"/>
-              </a:ext>
-            </a:extLst>
-          </p:cNvPr>
-          <p:cNvSpPr>
-            <a:spLocks noGrp="1" noRot="1" noChangeAspect="1" noChangeArrowheads="1" noTextEdit="1"/>
-          </p:cNvSpPr>
-          <p:nvPr>
-            <p:ph type="sldImg"/>
-          </p:nvPr>
-        </p:nvSpPr>
-        <p:spPr bwMode="auto">
-          <a:noFill/>
-          <a:ln>
-            <a:solidFill>
-              <a:srgbClr val="000000"/>
-            </a:solidFill>
-            <a:miter lim="800000"/>
-            <a:headEnd/>
-            <a:tailEnd/>
-          </a:ln>
-          <a:extLst>
-            <a:ext uri="{909E8E84-426E-40DD-AFC4-6F175D3DCCD1}">
-              <a14:hiddenFill xmlns:a14="http://schemas.microsoft.com/office/drawing/2010/main">
-                <a:solidFill>
-                  <a:srgbClr val="FFFFFF"/>
-                </a:solidFill>
-              </a14:hiddenFill>
-            </a:ext>
-          </a:extLst>
-        </p:spPr>
-      </p:sp>
-      <p:sp>
-        <p:nvSpPr>
-          <p:cNvPr id="22531" name="Espaço Reservado para Anotações 2">
-            <a:extLst>
-              <a:ext uri="{FF2B5EF4-FFF2-40B4-BE49-F238E27FC236}">
-                <a16:creationId xmlns:a16="http://schemas.microsoft.com/office/drawing/2014/main" id="{B753A340-2756-4FE8-FBFD-50D517E70D6E}"/>
-              </a:ext>
-            </a:extLst>
-          </p:cNvPr>
-          <p:cNvSpPr>
-            <a:spLocks noGrp="1" noChangeArrowheads="1"/>
-          </p:cNvSpPr>
-          <p:nvPr>
-            <p:ph type="body" idx="1"/>
-          </p:nvPr>
-        </p:nvSpPr>
-        <p:spPr bwMode="auto">
-          <a:noFill/>
-          <a:extLst>
-            <a:ext uri="{909E8E84-426E-40DD-AFC4-6F175D3DCCD1}">
-              <a14:hiddenFill xmlns:a14="http://schemas.microsoft.com/office/drawing/2010/main">
-                <a:solidFill>
-                  <a:srgbClr val="FFFFFF"/>
-                </a:solidFill>
-              </a14:hiddenFill>
-            </a:ext>
-            <a:ext uri="{91240B29-F687-4F45-9708-019B960494DF}">
-              <a14:hiddenLine xmlns:a14="http://schemas.microsoft.com/office/drawing/2010/main" w="9525">
-                <a:solidFill>
-                  <a:srgbClr val="000000"/>
-                </a:solidFill>
-                <a:miter lim="800000"/>
-                <a:headEnd/>
-                <a:tailEnd/>
-              </a14:hiddenLine>
-            </a:ext>
-          </a:extLst>
-        </p:spPr>
-        <p:txBody>
-          <a:bodyPr wrap="square" numCol="1" anchor="t" anchorCtr="0" compatLnSpc="1">
-            <a:prstTxWarp prst="textNoShape">
-              <a:avLst/>
-            </a:prstTxWarp>
-          </a:bodyPr>
-          <a:lstStyle/>
-          <a:p>
-            <a:pPr eaLnBrk="1" hangingPunct="1"/>
-            <a:endParaRPr lang="pt-BR" altLang="en-US" dirty="0"/>
-          </a:p>
-        </p:txBody>
-      </p:sp>
-      <p:sp>
-        <p:nvSpPr>
-          <p:cNvPr id="22532" name="Espaço Reservado para Número de Slide 3">
-            <a:extLst>
-              <a:ext uri="{FF2B5EF4-FFF2-40B4-BE49-F238E27FC236}">
-                <a16:creationId xmlns:a16="http://schemas.microsoft.com/office/drawing/2014/main" id="{AD787002-750B-4A6C-D898-A6A525FB8089}"/>
-              </a:ext>
-            </a:extLst>
-          </p:cNvPr>
-          <p:cNvSpPr>
-            <a:spLocks noGrp="1" noChangeArrowheads="1"/>
-          </p:cNvSpPr>
-          <p:nvPr>
-            <p:ph type="sldNum" sz="quarter" idx="5"/>
-          </p:nvPr>
-        </p:nvSpPr>
-        <p:spPr bwMode="auto">
-          <a:noFill/>
-          <a:extLst>
-            <a:ext uri="{909E8E84-426E-40DD-AFC4-6F175D3DCCD1}">
-              <a14:hiddenFill xmlns:a14="http://schemas.microsoft.com/office/drawing/2010/main">
-                <a:solidFill>
-                  <a:srgbClr val="FFFFFF"/>
-                </a:solidFill>
-              </a14:hiddenFill>
-            </a:ext>
-            <a:ext uri="{91240B29-F687-4F45-9708-019B960494DF}">
-              <a14:hiddenLine xmlns:a14="http://schemas.microsoft.com/office/drawing/2010/main" w="9525">
-                <a:solidFill>
-                  <a:srgbClr val="000000"/>
-                </a:solidFill>
-                <a:miter lim="800000"/>
-                <a:headEnd/>
-                <a:tailEnd/>
-              </a14:hiddenLine>
-            </a:ext>
-          </a:extLst>
-        </p:spPr>
-        <p:txBody>
-          <a:bodyPr wrap="square" numCol="1" anchorCtr="0" compatLnSpc="1">
-            <a:prstTxWarp prst="textNoShape">
-              <a:avLst/>
-            </a:prstTxWarp>
-          </a:bodyPr>
-          <a:lstStyle>
-            <a:lvl1pPr>
-              <a:defRPr>
-                <a:solidFill>
-                  <a:schemeClr val="tx1"/>
-                </a:solidFill>
-                <a:latin typeface="Arial" panose="020B0604020202020204" pitchFamily="34" charset="0"/>
-              </a:defRPr>
-            </a:lvl1pPr>
-            <a:lvl2pPr marL="742950" indent="-285750">
-              <a:defRPr>
-                <a:solidFill>
-                  <a:schemeClr val="tx1"/>
-                </a:solidFill>
-                <a:latin typeface="Arial" panose="020B0604020202020204" pitchFamily="34" charset="0"/>
-              </a:defRPr>
-            </a:lvl2pPr>
-            <a:lvl3pPr marL="1143000" indent="-228600">
-              <a:defRPr>
-                <a:solidFill>
-                  <a:schemeClr val="tx1"/>
-                </a:solidFill>
-                <a:latin typeface="Arial" panose="020B0604020202020204" pitchFamily="34" charset="0"/>
-              </a:defRPr>
-            </a:lvl3pPr>
-            <a:lvl4pPr marL="1600200" indent="-228600">
-              <a:defRPr>
-                <a:solidFill>
-                  <a:schemeClr val="tx1"/>
-                </a:solidFill>
-                <a:latin typeface="Arial" panose="020B0604020202020204" pitchFamily="34" charset="0"/>
-              </a:defRPr>
-            </a:lvl4pPr>
-            <a:lvl5pPr marL="2057400" indent="-228600">
-              <a:defRPr>
-                <a:solidFill>
-                  <a:schemeClr val="tx1"/>
-                </a:solidFill>
-                <a:latin typeface="Arial" panose="020B0604020202020204" pitchFamily="34" charset="0"/>
-              </a:defRPr>
-            </a:lvl5pPr>
-            <a:lvl6pPr marL="2514600" indent="-228600" eaLnBrk="0" fontAlgn="base" hangingPunct="0">
-              <a:spcBef>
-                <a:spcPct val="0"/>
-              </a:spcBef>
-              <a:spcAft>
-                <a:spcPct val="0"/>
-              </a:spcAft>
-              <a:defRPr>
-                <a:solidFill>
-                  <a:schemeClr val="tx1"/>
-                </a:solidFill>
-                <a:latin typeface="Arial" panose="020B0604020202020204" pitchFamily="34" charset="0"/>
-              </a:defRPr>
-            </a:lvl6pPr>
-            <a:lvl7pPr marL="2971800" indent="-228600" eaLnBrk="0" fontAlgn="base" hangingPunct="0">
-              <a:spcBef>
-                <a:spcPct val="0"/>
-              </a:spcBef>
-              <a:spcAft>
-                <a:spcPct val="0"/>
-              </a:spcAft>
-              <a:defRPr>
-                <a:solidFill>
-                  <a:schemeClr val="tx1"/>
-                </a:solidFill>
-                <a:latin typeface="Arial" panose="020B0604020202020204" pitchFamily="34" charset="0"/>
-              </a:defRPr>
-            </a:lvl7pPr>
-            <a:lvl8pPr marL="3429000" indent="-228600" eaLnBrk="0" fontAlgn="base" hangingPunct="0">
-              <a:spcBef>
-                <a:spcPct val="0"/>
-              </a:spcBef>
-              <a:spcAft>
-                <a:spcPct val="0"/>
-              </a:spcAft>
-              <a:defRPr>
-                <a:solidFill>
-                  <a:schemeClr val="tx1"/>
-                </a:solidFill>
-                <a:latin typeface="Arial" panose="020B0604020202020204" pitchFamily="34" charset="0"/>
-              </a:defRPr>
-            </a:lvl8pPr>
-            <a:lvl9pPr marL="3886200" indent="-228600" eaLnBrk="0" fontAlgn="base" hangingPunct="0">
-              <a:spcBef>
-                <a:spcPct val="0"/>
-              </a:spcBef>
-              <a:spcAft>
-                <a:spcPct val="0"/>
-              </a:spcAft>
-              <a:defRPr>
-                <a:solidFill>
-                  <a:schemeClr val="tx1"/>
-                </a:solidFill>
-                <a:latin typeface="Arial" panose="020B0604020202020204" pitchFamily="34" charset="0"/>
-              </a:defRPr>
-            </a:lvl9pPr>
-          </a:lstStyle>
-          <a:p>
-            <a:fld id="{D15CC717-6104-4399-8EAD-823F38CBC9DC}" type="slidenum">
-              <a:rPr lang="pt-BR" altLang="pt-BR" smtClean="0"/>
-              <a:pPr/>
-              <a:t>19</a:t>
-            </a:fld>
-            <a:endParaRPr lang="pt-BR" altLang="pt-BR"/>
-          </a:p>
-        </p:txBody>
-      </p:sp>
-    </p:spTree>
-    <p:extLst>
-      <p:ext uri="{BB962C8B-B14F-4D97-AF65-F5344CB8AC3E}">
-        <p14:creationId xmlns:p14="http://schemas.microsoft.com/office/powerpoint/2010/main" val="708266056"/>
-      </p:ext>
-    </p:extLst>
   </p:cSld>
   <p:clrMapOvr>
     <a:masterClrMapping/>
@@ -7905,15 +7847,6 @@
           <a:lstStyle/>
           <a:p>
             <a:pPr eaLnBrk="1" hangingPunct="1"/>
-            <a:r>
-              <a:rPr lang="pt-BR" sz="1800" b="0" i="0" u="none" strike="noStrike" baseline="0">
-                <a:solidFill>
-                  <a:srgbClr val="000000"/>
-                </a:solidFill>
-                <a:latin typeface="Times New Roman" panose="02020603050405020304" pitchFamily="18" charset="0"/>
-              </a:rPr>
-              <a:t>refere-se ao conjunto de métodos, estratégias e técnicas utilizados para organizar e direcionar ações com o objetivo de alcançar metas de forma eficaz </a:t>
-            </a:r>
             <a:endParaRPr lang="pt-BR" altLang="en-US" dirty="0"/>
           </a:p>
         </p:txBody>
@@ -8071,6 +8004,11 @@
         </p:txBody>
       </p:sp>
     </p:spTree>
+    <p:extLst>
+      <p:ext uri="{BB962C8B-B14F-4D97-AF65-F5344CB8AC3E}">
+        <p14:creationId xmlns:p14="http://schemas.microsoft.com/office/powerpoint/2010/main" val="708266056"/>
+      </p:ext>
+    </p:extLst>
   </p:cSld>
   <p:clrMapOvr>
     <a:masterClrMapping/>
@@ -8179,168 +8117,6 @@
           <a:lstStyle/>
           <a:p>
             <a:pPr eaLnBrk="1" hangingPunct="1"/>
-            <a:r>
-              <a:rPr lang="pt-BR" sz="1800" b="0" i="0" u="none" strike="noStrike" baseline="0" dirty="0">
-                <a:solidFill>
-                  <a:srgbClr val="000000"/>
-                </a:solidFill>
-                <a:latin typeface="Times New Roman" panose="02020603050405020304" pitchFamily="18" charset="0"/>
-              </a:rPr>
-              <a:t>os </a:t>
-            </a:r>
-            <a:r>
-              <a:rPr lang="pt-BR" sz="1800" b="0" i="1" u="none" strike="noStrike" baseline="0" dirty="0" err="1">
-                <a:solidFill>
-                  <a:srgbClr val="000000"/>
-                </a:solidFill>
-                <a:latin typeface="Times New Roman" panose="02020603050405020304" pitchFamily="18" charset="0"/>
-              </a:rPr>
-              <a:t>chatbots</a:t>
-            </a:r>
-            <a:r>
-              <a:rPr lang="pt-BR" sz="1800" b="0" i="1" u="none" strike="noStrike" baseline="0" dirty="0">
-                <a:solidFill>
-                  <a:srgbClr val="000000"/>
-                </a:solidFill>
-                <a:latin typeface="Times New Roman" panose="02020603050405020304" pitchFamily="18" charset="0"/>
-              </a:rPr>
-              <a:t> </a:t>
-            </a:r>
-            <a:r>
-              <a:rPr lang="pt-BR" sz="1800" b="0" i="0" u="none" strike="noStrike" baseline="0" dirty="0">
-                <a:solidFill>
-                  <a:srgbClr val="000000"/>
-                </a:solidFill>
-                <a:latin typeface="Times New Roman" panose="02020603050405020304" pitchFamily="18" charset="0"/>
-              </a:rPr>
-              <a:t>são programas de computador desenvolvidos para simular conversas humanas, usando Processamento de Linguagem Natural (PLN) e Inteligência Artificial (IA) para interagir com usuários de maneira automatizada </a:t>
-            </a:r>
-          </a:p>
-          <a:p>
-            <a:pPr eaLnBrk="1" hangingPunct="1"/>
-            <a:endParaRPr lang="pt-BR" altLang="en-US" sz="1800" b="0" i="0" u="none" strike="noStrike" baseline="0" dirty="0">
-              <a:solidFill>
-                <a:srgbClr val="000000"/>
-              </a:solidFill>
-              <a:latin typeface="Times New Roman" panose="02020603050405020304" pitchFamily="18" charset="0"/>
-            </a:endParaRPr>
-          </a:p>
-          <a:p>
-            <a:pPr eaLnBrk="1" hangingPunct="1"/>
-            <a:r>
-              <a:rPr lang="pt-BR" sz="1800" b="0" i="1" u="none" strike="noStrike" baseline="0" dirty="0" err="1">
-                <a:solidFill>
-                  <a:srgbClr val="000000"/>
-                </a:solidFill>
-                <a:latin typeface="Times New Roman" panose="02020603050405020304" pitchFamily="18" charset="0"/>
-              </a:rPr>
-              <a:t>chatbot</a:t>
-            </a:r>
-            <a:r>
-              <a:rPr lang="pt-BR" sz="1800" b="0" i="1" u="none" strike="noStrike" baseline="0" dirty="0">
-                <a:solidFill>
-                  <a:srgbClr val="000000"/>
-                </a:solidFill>
-                <a:latin typeface="Times New Roman" panose="02020603050405020304" pitchFamily="18" charset="0"/>
-              </a:rPr>
-              <a:t> </a:t>
-            </a:r>
-            <a:r>
-              <a:rPr lang="pt-BR" sz="1800" b="0" i="0" u="none" strike="noStrike" baseline="0" dirty="0">
-                <a:solidFill>
-                  <a:srgbClr val="000000"/>
-                </a:solidFill>
-                <a:latin typeface="Times New Roman" panose="02020603050405020304" pitchFamily="18" charset="0"/>
-              </a:rPr>
-              <a:t>visa simular a resolução de problemas humanos, identificando o contexto do usuário para fornecer respostas específicas que atendam os questionamentos feitos. Para isso, usadas técnicas de PLN que envolvem análise probabilística, resolução de ambiguidades e técnicas de extração de </a:t>
-            </a:r>
-            <a:r>
-              <a:rPr lang="pt-BR" sz="1800" b="0" i="0" u="none" strike="noStrike" baseline="0" dirty="0" err="1">
-                <a:solidFill>
-                  <a:srgbClr val="000000"/>
-                </a:solidFill>
-                <a:latin typeface="Times New Roman" panose="02020603050405020304" pitchFamily="18" charset="0"/>
-              </a:rPr>
-              <a:t>informaçõe</a:t>
-            </a:r>
-            <a:r>
-              <a:rPr lang="pt-BR" sz="1800" b="0" i="0" u="none" strike="noStrike" baseline="0" dirty="0">
-                <a:solidFill>
-                  <a:srgbClr val="000000"/>
-                </a:solidFill>
-                <a:latin typeface="Times New Roman" panose="02020603050405020304" pitchFamily="18" charset="0"/>
-              </a:rPr>
-              <a:t> </a:t>
-            </a:r>
-          </a:p>
-          <a:p>
-            <a:pPr eaLnBrk="1" hangingPunct="1"/>
-            <a:endParaRPr lang="pt-BR" altLang="en-US" sz="1800" b="0" i="0" u="none" strike="noStrike" baseline="0" dirty="0">
-              <a:solidFill>
-                <a:srgbClr val="000000"/>
-              </a:solidFill>
-              <a:latin typeface="Times New Roman" panose="02020603050405020304" pitchFamily="18" charset="0"/>
-            </a:endParaRPr>
-          </a:p>
-          <a:p>
-            <a:pPr eaLnBrk="1" hangingPunct="1"/>
-            <a:r>
-              <a:rPr lang="pt-BR" sz="1800" b="0" i="0" u="none" strike="noStrike" baseline="0" dirty="0">
-                <a:solidFill>
-                  <a:srgbClr val="000000"/>
-                </a:solidFill>
-                <a:latin typeface="Times New Roman" panose="02020603050405020304" pitchFamily="18" charset="0"/>
-              </a:rPr>
-              <a:t>IA, que agrupa estudos de engenharia, matemática e estatística para gerar conhecimento, reconhecer padrões, tomar decisões e entender linguagem natural </a:t>
-            </a:r>
-          </a:p>
-          <a:p>
-            <a:pPr eaLnBrk="1" hangingPunct="1"/>
-            <a:endParaRPr lang="pt-BR" altLang="en-US" sz="1800" b="0" i="0" u="none" strike="noStrike" baseline="0" dirty="0">
-              <a:solidFill>
-                <a:srgbClr val="000000"/>
-              </a:solidFill>
-              <a:latin typeface="Times New Roman" panose="02020603050405020304" pitchFamily="18" charset="0"/>
-            </a:endParaRPr>
-          </a:p>
-          <a:p>
-            <a:pPr eaLnBrk="1" hangingPunct="1"/>
-            <a:r>
-              <a:rPr lang="pt-BR" sz="1800" b="0" i="0" u="none" strike="noStrike" baseline="0" dirty="0">
-                <a:solidFill>
-                  <a:srgbClr val="000000"/>
-                </a:solidFill>
-                <a:latin typeface="Times New Roman" panose="02020603050405020304" pitchFamily="18" charset="0"/>
-              </a:rPr>
-              <a:t>Portanto, o </a:t>
-            </a:r>
-            <a:r>
-              <a:rPr lang="pt-BR" sz="1800" b="0" i="1" u="none" strike="noStrike" baseline="0" dirty="0" err="1">
-                <a:solidFill>
-                  <a:srgbClr val="000000"/>
-                </a:solidFill>
-                <a:latin typeface="Times New Roman" panose="02020603050405020304" pitchFamily="18" charset="0"/>
-              </a:rPr>
-              <a:t>chatbot</a:t>
-            </a:r>
-            <a:r>
-              <a:rPr lang="pt-BR" sz="1800" b="0" i="1" u="none" strike="noStrike" baseline="0" dirty="0">
-                <a:solidFill>
-                  <a:srgbClr val="000000"/>
-                </a:solidFill>
-                <a:latin typeface="Times New Roman" panose="02020603050405020304" pitchFamily="18" charset="0"/>
-              </a:rPr>
-              <a:t> </a:t>
-            </a:r>
-            <a:r>
-              <a:rPr lang="pt-BR" sz="1800" b="0" i="0" u="none" strike="noStrike" baseline="0" dirty="0">
-                <a:solidFill>
-                  <a:srgbClr val="000000"/>
-                </a:solidFill>
-                <a:latin typeface="Times New Roman" panose="02020603050405020304" pitchFamily="18" charset="0"/>
-              </a:rPr>
-              <a:t>utiliza técnicas de IA, AM e PLN para adaptar a conversa às preferências do usuário com base em seu histórico de interações, além de melhorar a compreensão do contexto e captar de maneira mais precisa as necessidades do usuário, oferecendo respostas mais específicas e satisfatórias. </a:t>
-            </a:r>
             <a:endParaRPr lang="pt-BR" altLang="en-US" dirty="0"/>
           </a:p>
         </p:txBody>
@@ -8498,6 +8274,271 @@
         </p:txBody>
       </p:sp>
     </p:spTree>
+  </p:cSld>
+  <p:clrMapOvr>
+    <a:masterClrMapping/>
+  </p:clrMapOvr>
+</p:notes>
+</file>
+
+<file path=ppt/notesSlides/notesSlide22.xml><?xml version="1.0" encoding="utf-8"?>
+<p:notes xmlns:a="http://schemas.openxmlformats.org/drawingml/2006/main" xmlns:r="http://schemas.openxmlformats.org/officeDocument/2006/relationships" xmlns:p="http://schemas.openxmlformats.org/presentationml/2006/main">
+  <p:cSld>
+    <p:spTree>
+      <p:nvGrpSpPr>
+        <p:cNvPr id="1" name=""/>
+        <p:cNvGrpSpPr/>
+        <p:nvPr/>
+      </p:nvGrpSpPr>
+      <p:grpSpPr>
+        <a:xfrm>
+          <a:off x="0" y="0"/>
+          <a:ext cx="0" cy="0"/>
+          <a:chOff x="0" y="0"/>
+          <a:chExt cx="0" cy="0"/>
+        </a:xfrm>
+      </p:grpSpPr>
+      <p:sp>
+        <p:nvSpPr>
+          <p:cNvPr id="22530" name="Espaço Reservado para Imagem de Slide 1">
+            <a:extLst>
+              <a:ext uri="{FF2B5EF4-FFF2-40B4-BE49-F238E27FC236}">
+                <a16:creationId xmlns:a16="http://schemas.microsoft.com/office/drawing/2014/main" id="{E8710FB5-29A8-1AEB-1B02-A422B1ED2C62}"/>
+              </a:ext>
+            </a:extLst>
+          </p:cNvPr>
+          <p:cNvSpPr>
+            <a:spLocks noGrp="1" noRot="1" noChangeAspect="1" noChangeArrowheads="1" noTextEdit="1"/>
+          </p:cNvSpPr>
+          <p:nvPr>
+            <p:ph type="sldImg"/>
+          </p:nvPr>
+        </p:nvSpPr>
+        <p:spPr bwMode="auto">
+          <a:noFill/>
+          <a:ln>
+            <a:solidFill>
+              <a:srgbClr val="000000"/>
+            </a:solidFill>
+            <a:miter lim="800000"/>
+            <a:headEnd/>
+            <a:tailEnd/>
+          </a:ln>
+          <a:extLst>
+            <a:ext uri="{909E8E84-426E-40DD-AFC4-6F175D3DCCD1}">
+              <a14:hiddenFill xmlns:a14="http://schemas.microsoft.com/office/drawing/2010/main">
+                <a:solidFill>
+                  <a:srgbClr val="FFFFFF"/>
+                </a:solidFill>
+              </a14:hiddenFill>
+            </a:ext>
+          </a:extLst>
+        </p:spPr>
+      </p:sp>
+      <p:sp>
+        <p:nvSpPr>
+          <p:cNvPr id="22531" name="Espaço Reservado para Anotações 2">
+            <a:extLst>
+              <a:ext uri="{FF2B5EF4-FFF2-40B4-BE49-F238E27FC236}">
+                <a16:creationId xmlns:a16="http://schemas.microsoft.com/office/drawing/2014/main" id="{B753A340-2756-4FE8-FBFD-50D517E70D6E}"/>
+              </a:ext>
+            </a:extLst>
+          </p:cNvPr>
+          <p:cNvSpPr>
+            <a:spLocks noGrp="1" noChangeArrowheads="1"/>
+          </p:cNvSpPr>
+          <p:nvPr>
+            <p:ph type="body" idx="1"/>
+          </p:nvPr>
+        </p:nvSpPr>
+        <p:spPr bwMode="auto">
+          <a:noFill/>
+          <a:extLst>
+            <a:ext uri="{909E8E84-426E-40DD-AFC4-6F175D3DCCD1}">
+              <a14:hiddenFill xmlns:a14="http://schemas.microsoft.com/office/drawing/2010/main">
+                <a:solidFill>
+                  <a:srgbClr val="FFFFFF"/>
+                </a:solidFill>
+              </a14:hiddenFill>
+            </a:ext>
+            <a:ext uri="{91240B29-F687-4F45-9708-019B960494DF}">
+              <a14:hiddenLine xmlns:a14="http://schemas.microsoft.com/office/drawing/2010/main" w="9525">
+                <a:solidFill>
+                  <a:srgbClr val="000000"/>
+                </a:solidFill>
+                <a:miter lim="800000"/>
+                <a:headEnd/>
+                <a:tailEnd/>
+              </a14:hiddenLine>
+            </a:ext>
+          </a:extLst>
+        </p:spPr>
+        <p:txBody>
+          <a:bodyPr wrap="square" numCol="1" anchor="t" anchorCtr="0" compatLnSpc="1">
+            <a:prstTxWarp prst="textNoShape">
+              <a:avLst/>
+            </a:prstTxWarp>
+          </a:bodyPr>
+          <a:lstStyle/>
+          <a:p>
+            <a:pPr eaLnBrk="1" hangingPunct="1"/>
+            <a:endParaRPr lang="pt-BR" altLang="en-US" dirty="0"/>
+          </a:p>
+        </p:txBody>
+      </p:sp>
+      <p:sp>
+        <p:nvSpPr>
+          <p:cNvPr id="22532" name="Espaço Reservado para Número de Slide 3">
+            <a:extLst>
+              <a:ext uri="{FF2B5EF4-FFF2-40B4-BE49-F238E27FC236}">
+                <a16:creationId xmlns:a16="http://schemas.microsoft.com/office/drawing/2014/main" id="{AD787002-750B-4A6C-D898-A6A525FB8089}"/>
+              </a:ext>
+            </a:extLst>
+          </p:cNvPr>
+          <p:cNvSpPr>
+            <a:spLocks noGrp="1" noChangeArrowheads="1"/>
+          </p:cNvSpPr>
+          <p:nvPr>
+            <p:ph type="sldNum" sz="quarter" idx="5"/>
+          </p:nvPr>
+        </p:nvSpPr>
+        <p:spPr bwMode="auto">
+          <a:noFill/>
+          <a:extLst>
+            <a:ext uri="{909E8E84-426E-40DD-AFC4-6F175D3DCCD1}">
+              <a14:hiddenFill xmlns:a14="http://schemas.microsoft.com/office/drawing/2010/main">
+                <a:solidFill>
+                  <a:srgbClr val="FFFFFF"/>
+                </a:solidFill>
+              </a14:hiddenFill>
+            </a:ext>
+            <a:ext uri="{91240B29-F687-4F45-9708-019B960494DF}">
+              <a14:hiddenLine xmlns:a14="http://schemas.microsoft.com/office/drawing/2010/main" w="9525">
+                <a:solidFill>
+                  <a:srgbClr val="000000"/>
+                </a:solidFill>
+                <a:miter lim="800000"/>
+                <a:headEnd/>
+                <a:tailEnd/>
+              </a14:hiddenLine>
+            </a:ext>
+          </a:extLst>
+        </p:spPr>
+        <p:txBody>
+          <a:bodyPr wrap="square" numCol="1" anchorCtr="0" compatLnSpc="1">
+            <a:prstTxWarp prst="textNoShape">
+              <a:avLst/>
+            </a:prstTxWarp>
+          </a:bodyPr>
+          <a:lstStyle>
+            <a:lvl1pPr>
+              <a:defRPr>
+                <a:solidFill>
+                  <a:schemeClr val="tx1"/>
+                </a:solidFill>
+                <a:latin typeface="Arial" panose="020B0604020202020204" pitchFamily="34" charset="0"/>
+              </a:defRPr>
+            </a:lvl1pPr>
+            <a:lvl2pPr marL="742950" indent="-285750">
+              <a:defRPr>
+                <a:solidFill>
+                  <a:schemeClr val="tx1"/>
+                </a:solidFill>
+                <a:latin typeface="Arial" panose="020B0604020202020204" pitchFamily="34" charset="0"/>
+              </a:defRPr>
+            </a:lvl2pPr>
+            <a:lvl3pPr marL="1143000" indent="-228600">
+              <a:defRPr>
+                <a:solidFill>
+                  <a:schemeClr val="tx1"/>
+                </a:solidFill>
+                <a:latin typeface="Arial" panose="020B0604020202020204" pitchFamily="34" charset="0"/>
+              </a:defRPr>
+            </a:lvl3pPr>
+            <a:lvl4pPr marL="1600200" indent="-228600">
+              <a:defRPr>
+                <a:solidFill>
+                  <a:schemeClr val="tx1"/>
+                </a:solidFill>
+                <a:latin typeface="Arial" panose="020B0604020202020204" pitchFamily="34" charset="0"/>
+              </a:defRPr>
+            </a:lvl4pPr>
+            <a:lvl5pPr marL="2057400" indent="-228600">
+              <a:defRPr>
+                <a:solidFill>
+                  <a:schemeClr val="tx1"/>
+                </a:solidFill>
+                <a:latin typeface="Arial" panose="020B0604020202020204" pitchFamily="34" charset="0"/>
+              </a:defRPr>
+            </a:lvl5pPr>
+            <a:lvl6pPr marL="2514600" indent="-228600" eaLnBrk="0" fontAlgn="base" hangingPunct="0">
+              <a:spcBef>
+                <a:spcPct val="0"/>
+              </a:spcBef>
+              <a:spcAft>
+                <a:spcPct val="0"/>
+              </a:spcAft>
+              <a:defRPr>
+                <a:solidFill>
+                  <a:schemeClr val="tx1"/>
+                </a:solidFill>
+                <a:latin typeface="Arial" panose="020B0604020202020204" pitchFamily="34" charset="0"/>
+              </a:defRPr>
+            </a:lvl6pPr>
+            <a:lvl7pPr marL="2971800" indent="-228600" eaLnBrk="0" fontAlgn="base" hangingPunct="0">
+              <a:spcBef>
+                <a:spcPct val="0"/>
+              </a:spcBef>
+              <a:spcAft>
+                <a:spcPct val="0"/>
+              </a:spcAft>
+              <a:defRPr>
+                <a:solidFill>
+                  <a:schemeClr val="tx1"/>
+                </a:solidFill>
+                <a:latin typeface="Arial" panose="020B0604020202020204" pitchFamily="34" charset="0"/>
+              </a:defRPr>
+            </a:lvl7pPr>
+            <a:lvl8pPr marL="3429000" indent="-228600" eaLnBrk="0" fontAlgn="base" hangingPunct="0">
+              <a:spcBef>
+                <a:spcPct val="0"/>
+              </a:spcBef>
+              <a:spcAft>
+                <a:spcPct val="0"/>
+              </a:spcAft>
+              <a:defRPr>
+                <a:solidFill>
+                  <a:schemeClr val="tx1"/>
+                </a:solidFill>
+                <a:latin typeface="Arial" panose="020B0604020202020204" pitchFamily="34" charset="0"/>
+              </a:defRPr>
+            </a:lvl8pPr>
+            <a:lvl9pPr marL="3886200" indent="-228600" eaLnBrk="0" fontAlgn="base" hangingPunct="0">
+              <a:spcBef>
+                <a:spcPct val="0"/>
+              </a:spcBef>
+              <a:spcAft>
+                <a:spcPct val="0"/>
+              </a:spcAft>
+              <a:defRPr>
+                <a:solidFill>
+                  <a:schemeClr val="tx1"/>
+                </a:solidFill>
+                <a:latin typeface="Arial" panose="020B0604020202020204" pitchFamily="34" charset="0"/>
+              </a:defRPr>
+            </a:lvl9pPr>
+          </a:lstStyle>
+          <a:p>
+            <a:fld id="{D15CC717-6104-4399-8EAD-823F38CBC9DC}" type="slidenum">
+              <a:rPr lang="pt-BR" altLang="pt-BR" smtClean="0"/>
+              <a:pPr/>
+              <a:t>22</a:t>
+            </a:fld>
+            <a:endParaRPr lang="pt-BR" altLang="pt-BR"/>
+          </a:p>
+        </p:txBody>
+      </p:sp>
+    </p:spTree>
     <p:extLst>
       <p:ext uri="{BB962C8B-B14F-4D97-AF65-F5344CB8AC3E}">
         <p14:creationId xmlns:p14="http://schemas.microsoft.com/office/powerpoint/2010/main" val="869273296"/>
@@ -8510,7 +8551,547 @@
 </p:notes>
 </file>
 
-<file path=ppt/notesSlides/notesSlide22.xml><?xml version="1.0" encoding="utf-8"?>
+<file path=ppt/notesSlides/notesSlide23.xml><?xml version="1.0" encoding="utf-8"?>
+<p:notes xmlns:a="http://schemas.openxmlformats.org/drawingml/2006/main" xmlns:r="http://schemas.openxmlformats.org/officeDocument/2006/relationships" xmlns:p="http://schemas.openxmlformats.org/presentationml/2006/main">
+  <p:cSld>
+    <p:spTree>
+      <p:nvGrpSpPr>
+        <p:cNvPr id="1" name=""/>
+        <p:cNvGrpSpPr/>
+        <p:nvPr/>
+      </p:nvGrpSpPr>
+      <p:grpSpPr>
+        <a:xfrm>
+          <a:off x="0" y="0"/>
+          <a:ext cx="0" cy="0"/>
+          <a:chOff x="0" y="0"/>
+          <a:chExt cx="0" cy="0"/>
+        </a:xfrm>
+      </p:grpSpPr>
+      <p:sp>
+        <p:nvSpPr>
+          <p:cNvPr id="22530" name="Espaço Reservado para Imagem de Slide 1">
+            <a:extLst>
+              <a:ext uri="{FF2B5EF4-FFF2-40B4-BE49-F238E27FC236}">
+                <a16:creationId xmlns:a16="http://schemas.microsoft.com/office/drawing/2014/main" id="{E8710FB5-29A8-1AEB-1B02-A422B1ED2C62}"/>
+              </a:ext>
+            </a:extLst>
+          </p:cNvPr>
+          <p:cNvSpPr>
+            <a:spLocks noGrp="1" noRot="1" noChangeAspect="1" noChangeArrowheads="1" noTextEdit="1"/>
+          </p:cNvSpPr>
+          <p:nvPr>
+            <p:ph type="sldImg"/>
+          </p:nvPr>
+        </p:nvSpPr>
+        <p:spPr bwMode="auto">
+          <a:noFill/>
+          <a:ln>
+            <a:solidFill>
+              <a:srgbClr val="000000"/>
+            </a:solidFill>
+            <a:miter lim="800000"/>
+            <a:headEnd/>
+            <a:tailEnd/>
+          </a:ln>
+          <a:extLst>
+            <a:ext uri="{909E8E84-426E-40DD-AFC4-6F175D3DCCD1}">
+              <a14:hiddenFill xmlns:a14="http://schemas.microsoft.com/office/drawing/2010/main">
+                <a:solidFill>
+                  <a:srgbClr val="FFFFFF"/>
+                </a:solidFill>
+              </a14:hiddenFill>
+            </a:ext>
+          </a:extLst>
+        </p:spPr>
+      </p:sp>
+      <p:sp>
+        <p:nvSpPr>
+          <p:cNvPr id="22531" name="Espaço Reservado para Anotações 2">
+            <a:extLst>
+              <a:ext uri="{FF2B5EF4-FFF2-40B4-BE49-F238E27FC236}">
+                <a16:creationId xmlns:a16="http://schemas.microsoft.com/office/drawing/2014/main" id="{B753A340-2756-4FE8-FBFD-50D517E70D6E}"/>
+              </a:ext>
+            </a:extLst>
+          </p:cNvPr>
+          <p:cNvSpPr>
+            <a:spLocks noGrp="1" noChangeArrowheads="1"/>
+          </p:cNvSpPr>
+          <p:nvPr>
+            <p:ph type="body" idx="1"/>
+          </p:nvPr>
+        </p:nvSpPr>
+        <p:spPr bwMode="auto">
+          <a:noFill/>
+          <a:extLst>
+            <a:ext uri="{909E8E84-426E-40DD-AFC4-6F175D3DCCD1}">
+              <a14:hiddenFill xmlns:a14="http://schemas.microsoft.com/office/drawing/2010/main">
+                <a:solidFill>
+                  <a:srgbClr val="FFFFFF"/>
+                </a:solidFill>
+              </a14:hiddenFill>
+            </a:ext>
+            <a:ext uri="{91240B29-F687-4F45-9708-019B960494DF}">
+              <a14:hiddenLine xmlns:a14="http://schemas.microsoft.com/office/drawing/2010/main" w="9525">
+                <a:solidFill>
+                  <a:srgbClr val="000000"/>
+                </a:solidFill>
+                <a:miter lim="800000"/>
+                <a:headEnd/>
+                <a:tailEnd/>
+              </a14:hiddenLine>
+            </a:ext>
+          </a:extLst>
+        </p:spPr>
+        <p:txBody>
+          <a:bodyPr wrap="square" numCol="1" anchor="t" anchorCtr="0" compatLnSpc="1">
+            <a:prstTxWarp prst="textNoShape">
+              <a:avLst/>
+            </a:prstTxWarp>
+          </a:bodyPr>
+          <a:lstStyle/>
+          <a:p>
+            <a:pPr eaLnBrk="1" hangingPunct="1"/>
+            <a:endParaRPr lang="pt-BR" altLang="en-US" dirty="0"/>
+          </a:p>
+        </p:txBody>
+      </p:sp>
+      <p:sp>
+        <p:nvSpPr>
+          <p:cNvPr id="22532" name="Espaço Reservado para Número de Slide 3">
+            <a:extLst>
+              <a:ext uri="{FF2B5EF4-FFF2-40B4-BE49-F238E27FC236}">
+                <a16:creationId xmlns:a16="http://schemas.microsoft.com/office/drawing/2014/main" id="{AD787002-750B-4A6C-D898-A6A525FB8089}"/>
+              </a:ext>
+            </a:extLst>
+          </p:cNvPr>
+          <p:cNvSpPr>
+            <a:spLocks noGrp="1" noChangeArrowheads="1"/>
+          </p:cNvSpPr>
+          <p:nvPr>
+            <p:ph type="sldNum" sz="quarter" idx="5"/>
+          </p:nvPr>
+        </p:nvSpPr>
+        <p:spPr bwMode="auto">
+          <a:noFill/>
+          <a:extLst>
+            <a:ext uri="{909E8E84-426E-40DD-AFC4-6F175D3DCCD1}">
+              <a14:hiddenFill xmlns:a14="http://schemas.microsoft.com/office/drawing/2010/main">
+                <a:solidFill>
+                  <a:srgbClr val="FFFFFF"/>
+                </a:solidFill>
+              </a14:hiddenFill>
+            </a:ext>
+            <a:ext uri="{91240B29-F687-4F45-9708-019B960494DF}">
+              <a14:hiddenLine xmlns:a14="http://schemas.microsoft.com/office/drawing/2010/main" w="9525">
+                <a:solidFill>
+                  <a:srgbClr val="000000"/>
+                </a:solidFill>
+                <a:miter lim="800000"/>
+                <a:headEnd/>
+                <a:tailEnd/>
+              </a14:hiddenLine>
+            </a:ext>
+          </a:extLst>
+        </p:spPr>
+        <p:txBody>
+          <a:bodyPr wrap="square" numCol="1" anchorCtr="0" compatLnSpc="1">
+            <a:prstTxWarp prst="textNoShape">
+              <a:avLst/>
+            </a:prstTxWarp>
+          </a:bodyPr>
+          <a:lstStyle>
+            <a:lvl1pPr>
+              <a:defRPr>
+                <a:solidFill>
+                  <a:schemeClr val="tx1"/>
+                </a:solidFill>
+                <a:latin typeface="Arial" panose="020B0604020202020204" pitchFamily="34" charset="0"/>
+              </a:defRPr>
+            </a:lvl1pPr>
+            <a:lvl2pPr marL="742950" indent="-285750">
+              <a:defRPr>
+                <a:solidFill>
+                  <a:schemeClr val="tx1"/>
+                </a:solidFill>
+                <a:latin typeface="Arial" panose="020B0604020202020204" pitchFamily="34" charset="0"/>
+              </a:defRPr>
+            </a:lvl2pPr>
+            <a:lvl3pPr marL="1143000" indent="-228600">
+              <a:defRPr>
+                <a:solidFill>
+                  <a:schemeClr val="tx1"/>
+                </a:solidFill>
+                <a:latin typeface="Arial" panose="020B0604020202020204" pitchFamily="34" charset="0"/>
+              </a:defRPr>
+            </a:lvl3pPr>
+            <a:lvl4pPr marL="1600200" indent="-228600">
+              <a:defRPr>
+                <a:solidFill>
+                  <a:schemeClr val="tx1"/>
+                </a:solidFill>
+                <a:latin typeface="Arial" panose="020B0604020202020204" pitchFamily="34" charset="0"/>
+              </a:defRPr>
+            </a:lvl4pPr>
+            <a:lvl5pPr marL="2057400" indent="-228600">
+              <a:defRPr>
+                <a:solidFill>
+                  <a:schemeClr val="tx1"/>
+                </a:solidFill>
+                <a:latin typeface="Arial" panose="020B0604020202020204" pitchFamily="34" charset="0"/>
+              </a:defRPr>
+            </a:lvl5pPr>
+            <a:lvl6pPr marL="2514600" indent="-228600" eaLnBrk="0" fontAlgn="base" hangingPunct="0">
+              <a:spcBef>
+                <a:spcPct val="0"/>
+              </a:spcBef>
+              <a:spcAft>
+                <a:spcPct val="0"/>
+              </a:spcAft>
+              <a:defRPr>
+                <a:solidFill>
+                  <a:schemeClr val="tx1"/>
+                </a:solidFill>
+                <a:latin typeface="Arial" panose="020B0604020202020204" pitchFamily="34" charset="0"/>
+              </a:defRPr>
+            </a:lvl6pPr>
+            <a:lvl7pPr marL="2971800" indent="-228600" eaLnBrk="0" fontAlgn="base" hangingPunct="0">
+              <a:spcBef>
+                <a:spcPct val="0"/>
+              </a:spcBef>
+              <a:spcAft>
+                <a:spcPct val="0"/>
+              </a:spcAft>
+              <a:defRPr>
+                <a:solidFill>
+                  <a:schemeClr val="tx1"/>
+                </a:solidFill>
+                <a:latin typeface="Arial" panose="020B0604020202020204" pitchFamily="34" charset="0"/>
+              </a:defRPr>
+            </a:lvl7pPr>
+            <a:lvl8pPr marL="3429000" indent="-228600" eaLnBrk="0" fontAlgn="base" hangingPunct="0">
+              <a:spcBef>
+                <a:spcPct val="0"/>
+              </a:spcBef>
+              <a:spcAft>
+                <a:spcPct val="0"/>
+              </a:spcAft>
+              <a:defRPr>
+                <a:solidFill>
+                  <a:schemeClr val="tx1"/>
+                </a:solidFill>
+                <a:latin typeface="Arial" panose="020B0604020202020204" pitchFamily="34" charset="0"/>
+              </a:defRPr>
+            </a:lvl8pPr>
+            <a:lvl9pPr marL="3886200" indent="-228600" eaLnBrk="0" fontAlgn="base" hangingPunct="0">
+              <a:spcBef>
+                <a:spcPct val="0"/>
+              </a:spcBef>
+              <a:spcAft>
+                <a:spcPct val="0"/>
+              </a:spcAft>
+              <a:defRPr>
+                <a:solidFill>
+                  <a:schemeClr val="tx1"/>
+                </a:solidFill>
+                <a:latin typeface="Arial" panose="020B0604020202020204" pitchFamily="34" charset="0"/>
+              </a:defRPr>
+            </a:lvl9pPr>
+          </a:lstStyle>
+          <a:p>
+            <a:fld id="{D15CC717-6104-4399-8EAD-823F38CBC9DC}" type="slidenum">
+              <a:rPr lang="pt-BR" altLang="pt-BR" smtClean="0"/>
+              <a:pPr/>
+              <a:t>23</a:t>
+            </a:fld>
+            <a:endParaRPr lang="pt-BR" altLang="pt-BR"/>
+          </a:p>
+        </p:txBody>
+      </p:sp>
+    </p:spTree>
+    <p:extLst>
+      <p:ext uri="{BB962C8B-B14F-4D97-AF65-F5344CB8AC3E}">
+        <p14:creationId xmlns:p14="http://schemas.microsoft.com/office/powerpoint/2010/main" val="3331761927"/>
+      </p:ext>
+    </p:extLst>
+  </p:cSld>
+  <p:clrMapOvr>
+    <a:masterClrMapping/>
+  </p:clrMapOvr>
+</p:notes>
+</file>
+
+<file path=ppt/notesSlides/notesSlide24.xml><?xml version="1.0" encoding="utf-8"?>
+<p:notes xmlns:a="http://schemas.openxmlformats.org/drawingml/2006/main" xmlns:r="http://schemas.openxmlformats.org/officeDocument/2006/relationships" xmlns:p="http://schemas.openxmlformats.org/presentationml/2006/main">
+  <p:cSld>
+    <p:spTree>
+      <p:nvGrpSpPr>
+        <p:cNvPr id="1" name=""/>
+        <p:cNvGrpSpPr/>
+        <p:nvPr/>
+      </p:nvGrpSpPr>
+      <p:grpSpPr>
+        <a:xfrm>
+          <a:off x="0" y="0"/>
+          <a:ext cx="0" cy="0"/>
+          <a:chOff x="0" y="0"/>
+          <a:chExt cx="0" cy="0"/>
+        </a:xfrm>
+      </p:grpSpPr>
+      <p:sp>
+        <p:nvSpPr>
+          <p:cNvPr id="22530" name="Espaço Reservado para Imagem de Slide 1">
+            <a:extLst>
+              <a:ext uri="{FF2B5EF4-FFF2-40B4-BE49-F238E27FC236}">
+                <a16:creationId xmlns:a16="http://schemas.microsoft.com/office/drawing/2014/main" id="{E8710FB5-29A8-1AEB-1B02-A422B1ED2C62}"/>
+              </a:ext>
+            </a:extLst>
+          </p:cNvPr>
+          <p:cNvSpPr>
+            <a:spLocks noGrp="1" noRot="1" noChangeAspect="1" noChangeArrowheads="1" noTextEdit="1"/>
+          </p:cNvSpPr>
+          <p:nvPr>
+            <p:ph type="sldImg"/>
+          </p:nvPr>
+        </p:nvSpPr>
+        <p:spPr bwMode="auto">
+          <a:noFill/>
+          <a:ln>
+            <a:solidFill>
+              <a:srgbClr val="000000"/>
+            </a:solidFill>
+            <a:miter lim="800000"/>
+            <a:headEnd/>
+            <a:tailEnd/>
+          </a:ln>
+          <a:extLst>
+            <a:ext uri="{909E8E84-426E-40DD-AFC4-6F175D3DCCD1}">
+              <a14:hiddenFill xmlns:a14="http://schemas.microsoft.com/office/drawing/2010/main">
+                <a:solidFill>
+                  <a:srgbClr val="FFFFFF"/>
+                </a:solidFill>
+              </a14:hiddenFill>
+            </a:ext>
+          </a:extLst>
+        </p:spPr>
+      </p:sp>
+      <p:sp>
+        <p:nvSpPr>
+          <p:cNvPr id="22531" name="Espaço Reservado para Anotações 2">
+            <a:extLst>
+              <a:ext uri="{FF2B5EF4-FFF2-40B4-BE49-F238E27FC236}">
+                <a16:creationId xmlns:a16="http://schemas.microsoft.com/office/drawing/2014/main" id="{B753A340-2756-4FE8-FBFD-50D517E70D6E}"/>
+              </a:ext>
+            </a:extLst>
+          </p:cNvPr>
+          <p:cNvSpPr>
+            <a:spLocks noGrp="1" noChangeArrowheads="1"/>
+          </p:cNvSpPr>
+          <p:nvPr>
+            <p:ph type="body" idx="1"/>
+          </p:nvPr>
+        </p:nvSpPr>
+        <p:spPr bwMode="auto">
+          <a:noFill/>
+          <a:extLst>
+            <a:ext uri="{909E8E84-426E-40DD-AFC4-6F175D3DCCD1}">
+              <a14:hiddenFill xmlns:a14="http://schemas.microsoft.com/office/drawing/2010/main">
+                <a:solidFill>
+                  <a:srgbClr val="FFFFFF"/>
+                </a:solidFill>
+              </a14:hiddenFill>
+            </a:ext>
+            <a:ext uri="{91240B29-F687-4F45-9708-019B960494DF}">
+              <a14:hiddenLine xmlns:a14="http://schemas.microsoft.com/office/drawing/2010/main" w="9525">
+                <a:solidFill>
+                  <a:srgbClr val="000000"/>
+                </a:solidFill>
+                <a:miter lim="800000"/>
+                <a:headEnd/>
+                <a:tailEnd/>
+              </a14:hiddenLine>
+            </a:ext>
+          </a:extLst>
+        </p:spPr>
+        <p:txBody>
+          <a:bodyPr wrap="square" numCol="1" anchor="t" anchorCtr="0" compatLnSpc="1">
+            <a:prstTxWarp prst="textNoShape">
+              <a:avLst/>
+            </a:prstTxWarp>
+          </a:bodyPr>
+          <a:lstStyle/>
+          <a:p>
+            <a:pPr eaLnBrk="1" hangingPunct="1"/>
+            <a:endParaRPr lang="pt-BR" altLang="en-US" dirty="0"/>
+          </a:p>
+        </p:txBody>
+      </p:sp>
+      <p:sp>
+        <p:nvSpPr>
+          <p:cNvPr id="22532" name="Espaço Reservado para Número de Slide 3">
+            <a:extLst>
+              <a:ext uri="{FF2B5EF4-FFF2-40B4-BE49-F238E27FC236}">
+                <a16:creationId xmlns:a16="http://schemas.microsoft.com/office/drawing/2014/main" id="{AD787002-750B-4A6C-D898-A6A525FB8089}"/>
+              </a:ext>
+            </a:extLst>
+          </p:cNvPr>
+          <p:cNvSpPr>
+            <a:spLocks noGrp="1" noChangeArrowheads="1"/>
+          </p:cNvSpPr>
+          <p:nvPr>
+            <p:ph type="sldNum" sz="quarter" idx="5"/>
+          </p:nvPr>
+        </p:nvSpPr>
+        <p:spPr bwMode="auto">
+          <a:noFill/>
+          <a:extLst>
+            <a:ext uri="{909E8E84-426E-40DD-AFC4-6F175D3DCCD1}">
+              <a14:hiddenFill xmlns:a14="http://schemas.microsoft.com/office/drawing/2010/main">
+                <a:solidFill>
+                  <a:srgbClr val="FFFFFF"/>
+                </a:solidFill>
+              </a14:hiddenFill>
+            </a:ext>
+            <a:ext uri="{91240B29-F687-4F45-9708-019B960494DF}">
+              <a14:hiddenLine xmlns:a14="http://schemas.microsoft.com/office/drawing/2010/main" w="9525">
+                <a:solidFill>
+                  <a:srgbClr val="000000"/>
+                </a:solidFill>
+                <a:miter lim="800000"/>
+                <a:headEnd/>
+                <a:tailEnd/>
+              </a14:hiddenLine>
+            </a:ext>
+          </a:extLst>
+        </p:spPr>
+        <p:txBody>
+          <a:bodyPr wrap="square" numCol="1" anchorCtr="0" compatLnSpc="1">
+            <a:prstTxWarp prst="textNoShape">
+              <a:avLst/>
+            </a:prstTxWarp>
+          </a:bodyPr>
+          <a:lstStyle>
+            <a:lvl1pPr>
+              <a:defRPr>
+                <a:solidFill>
+                  <a:schemeClr val="tx1"/>
+                </a:solidFill>
+                <a:latin typeface="Arial" panose="020B0604020202020204" pitchFamily="34" charset="0"/>
+              </a:defRPr>
+            </a:lvl1pPr>
+            <a:lvl2pPr marL="742950" indent="-285750">
+              <a:defRPr>
+                <a:solidFill>
+                  <a:schemeClr val="tx1"/>
+                </a:solidFill>
+                <a:latin typeface="Arial" panose="020B0604020202020204" pitchFamily="34" charset="0"/>
+              </a:defRPr>
+            </a:lvl2pPr>
+            <a:lvl3pPr marL="1143000" indent="-228600">
+              <a:defRPr>
+                <a:solidFill>
+                  <a:schemeClr val="tx1"/>
+                </a:solidFill>
+                <a:latin typeface="Arial" panose="020B0604020202020204" pitchFamily="34" charset="0"/>
+              </a:defRPr>
+            </a:lvl3pPr>
+            <a:lvl4pPr marL="1600200" indent="-228600">
+              <a:defRPr>
+                <a:solidFill>
+                  <a:schemeClr val="tx1"/>
+                </a:solidFill>
+                <a:latin typeface="Arial" panose="020B0604020202020204" pitchFamily="34" charset="0"/>
+              </a:defRPr>
+            </a:lvl4pPr>
+            <a:lvl5pPr marL="2057400" indent="-228600">
+              <a:defRPr>
+                <a:solidFill>
+                  <a:schemeClr val="tx1"/>
+                </a:solidFill>
+                <a:latin typeface="Arial" panose="020B0604020202020204" pitchFamily="34" charset="0"/>
+              </a:defRPr>
+            </a:lvl5pPr>
+            <a:lvl6pPr marL="2514600" indent="-228600" eaLnBrk="0" fontAlgn="base" hangingPunct="0">
+              <a:spcBef>
+                <a:spcPct val="0"/>
+              </a:spcBef>
+              <a:spcAft>
+                <a:spcPct val="0"/>
+              </a:spcAft>
+              <a:defRPr>
+                <a:solidFill>
+                  <a:schemeClr val="tx1"/>
+                </a:solidFill>
+                <a:latin typeface="Arial" panose="020B0604020202020204" pitchFamily="34" charset="0"/>
+              </a:defRPr>
+            </a:lvl6pPr>
+            <a:lvl7pPr marL="2971800" indent="-228600" eaLnBrk="0" fontAlgn="base" hangingPunct="0">
+              <a:spcBef>
+                <a:spcPct val="0"/>
+              </a:spcBef>
+              <a:spcAft>
+                <a:spcPct val="0"/>
+              </a:spcAft>
+              <a:defRPr>
+                <a:solidFill>
+                  <a:schemeClr val="tx1"/>
+                </a:solidFill>
+                <a:latin typeface="Arial" panose="020B0604020202020204" pitchFamily="34" charset="0"/>
+              </a:defRPr>
+            </a:lvl7pPr>
+            <a:lvl8pPr marL="3429000" indent="-228600" eaLnBrk="0" fontAlgn="base" hangingPunct="0">
+              <a:spcBef>
+                <a:spcPct val="0"/>
+              </a:spcBef>
+              <a:spcAft>
+                <a:spcPct val="0"/>
+              </a:spcAft>
+              <a:defRPr>
+                <a:solidFill>
+                  <a:schemeClr val="tx1"/>
+                </a:solidFill>
+                <a:latin typeface="Arial" panose="020B0604020202020204" pitchFamily="34" charset="0"/>
+              </a:defRPr>
+            </a:lvl8pPr>
+            <a:lvl9pPr marL="3886200" indent="-228600" eaLnBrk="0" fontAlgn="base" hangingPunct="0">
+              <a:spcBef>
+                <a:spcPct val="0"/>
+              </a:spcBef>
+              <a:spcAft>
+                <a:spcPct val="0"/>
+              </a:spcAft>
+              <a:defRPr>
+                <a:solidFill>
+                  <a:schemeClr val="tx1"/>
+                </a:solidFill>
+                <a:latin typeface="Arial" panose="020B0604020202020204" pitchFamily="34" charset="0"/>
+              </a:defRPr>
+            </a:lvl9pPr>
+          </a:lstStyle>
+          <a:p>
+            <a:fld id="{D15CC717-6104-4399-8EAD-823F38CBC9DC}" type="slidenum">
+              <a:rPr lang="pt-BR" altLang="pt-BR" smtClean="0"/>
+              <a:pPr/>
+              <a:t>24</a:t>
+            </a:fld>
+            <a:endParaRPr lang="pt-BR" altLang="pt-BR"/>
+          </a:p>
+        </p:txBody>
+      </p:sp>
+    </p:spTree>
+    <p:extLst>
+      <p:ext uri="{BB962C8B-B14F-4D97-AF65-F5344CB8AC3E}">
+        <p14:creationId xmlns:p14="http://schemas.microsoft.com/office/powerpoint/2010/main" val="2575039439"/>
+      </p:ext>
+    </p:extLst>
+  </p:cSld>
+  <p:clrMapOvr>
+    <a:masterClrMapping/>
+  </p:clrMapOvr>
+</p:notes>
+</file>
+
+<file path=ppt/notesSlides/notesSlide25.xml><?xml version="1.0" encoding="utf-8"?>
 <p:notes xmlns:a="http://schemas.openxmlformats.org/drawingml/2006/main" xmlns:r="http://schemas.openxmlformats.org/officeDocument/2006/relationships" xmlns:p="http://schemas.openxmlformats.org/presentationml/2006/main">
   <p:cSld>
     <p:spTree>
@@ -8765,7 +9346,7 @@
             <a:fld id="{E51DDEA4-420C-4939-81AD-655BF0BFFD69}" type="slidenum">
               <a:rPr lang="pt-BR" altLang="pt-BR" smtClean="0"/>
               <a:pPr/>
-              <a:t>22</a:t>
+              <a:t>25</a:t>
             </a:fld>
             <a:endParaRPr lang="pt-BR" altLang="pt-BR"/>
           </a:p>
@@ -8774,7 +9355,7 @@
     </p:spTree>
     <p:extLst>
       <p:ext uri="{BB962C8B-B14F-4D97-AF65-F5344CB8AC3E}">
-        <p14:creationId xmlns:p14="http://schemas.microsoft.com/office/powerpoint/2010/main" val="3343183881"/>
+        <p14:creationId xmlns:p14="http://schemas.microsoft.com/office/powerpoint/2010/main" val="1473112899"/>
       </p:ext>
     </p:extLst>
   </p:cSld>
@@ -10227,81 +10808,6 @@
               <a:cs typeface="Times New Roman"/>
             </a:endParaRPr>
           </a:p>
-          <a:p>
-            <a:r>
-              <a:rPr lang="pt-BR" sz="1800" b="0" i="0" u="none" strike="noStrike" baseline="0" dirty="0">
-                <a:solidFill>
-                  <a:srgbClr val="000000"/>
-                </a:solidFill>
-                <a:latin typeface="Times New Roman" panose="02020603050405020304" pitchFamily="18" charset="0"/>
-              </a:rPr>
-              <a:t>Essa pesquisa se fundamentou nos procedimentos indicados por Santos, Ferreira e Prates (2012 </a:t>
-            </a:r>
-            <a:r>
-              <a:rPr lang="pt-BR" sz="1800" b="0" i="1" u="none" strike="noStrike" baseline="0" dirty="0">
-                <a:solidFill>
-                  <a:srgbClr val="000000"/>
-                </a:solidFill>
-                <a:latin typeface="Times New Roman" panose="02020603050405020304" pitchFamily="18" charset="0"/>
-              </a:rPr>
-              <a:t>apud </a:t>
-            </a:r>
-            <a:r>
-              <a:rPr lang="pt-BR" sz="1800" b="0" i="0" u="none" strike="noStrike" baseline="0" dirty="0">
-                <a:solidFill>
-                  <a:srgbClr val="000000"/>
-                </a:solidFill>
-                <a:latin typeface="Times New Roman" panose="02020603050405020304" pitchFamily="18" charset="0"/>
-              </a:rPr>
-              <a:t>Costa </a:t>
-            </a:r>
-            <a:r>
-              <a:rPr lang="pt-BR" sz="1800" b="0" i="1" u="none" strike="noStrike" baseline="0" dirty="0">
-                <a:solidFill>
-                  <a:srgbClr val="000000"/>
-                </a:solidFill>
-                <a:latin typeface="Times New Roman" panose="02020603050405020304" pitchFamily="18" charset="0"/>
-              </a:rPr>
-              <a:t>et al</a:t>
-            </a:r>
-            <a:r>
-              <a:rPr lang="pt-BR" sz="1800" b="0" i="0" u="none" strike="noStrike" baseline="0" dirty="0">
-                <a:solidFill>
-                  <a:srgbClr val="000000"/>
-                </a:solidFill>
-                <a:latin typeface="Times New Roman" panose="02020603050405020304" pitchFamily="18" charset="0"/>
-              </a:rPr>
-              <a:t>., 2016), que diz respeito a seleção um período de busca, escolher bibliotecas digitais, especificar uma </a:t>
-            </a:r>
-            <a:r>
-              <a:rPr lang="pt-BR" sz="1800" b="0" i="1" u="none" strike="noStrike" baseline="0" dirty="0" err="1">
-                <a:solidFill>
-                  <a:srgbClr val="000000"/>
-                </a:solidFill>
-                <a:latin typeface="Times New Roman" panose="02020603050405020304" pitchFamily="18" charset="0"/>
-              </a:rPr>
-              <a:t>string</a:t>
-            </a:r>
-            <a:r>
-              <a:rPr lang="pt-BR" sz="1800" b="0" i="1" u="none" strike="noStrike" baseline="0" dirty="0">
-                <a:solidFill>
-                  <a:srgbClr val="000000"/>
-                </a:solidFill>
-                <a:latin typeface="Times New Roman" panose="02020603050405020304" pitchFamily="18" charset="0"/>
-              </a:rPr>
-              <a:t> </a:t>
-            </a:r>
-            <a:r>
-              <a:rPr lang="pt-BR" sz="1800" b="0" i="0" u="none" strike="noStrike" baseline="0" dirty="0">
-                <a:solidFill>
-                  <a:srgbClr val="000000"/>
-                </a:solidFill>
-                <a:latin typeface="Times New Roman" panose="02020603050405020304" pitchFamily="18" charset="0"/>
-              </a:rPr>
-              <a:t>de busca, bem como indicar Critérios de Exclusão (CE) e Critérios de Inclusão (CI). O </a:t>
-            </a:r>
-            <a:endParaRPr lang="pt-BR" altLang="pt-BR" dirty="0"/>
-          </a:p>
         </p:txBody>
       </p:sp>
       <p:sp>
@@ -10564,22 +11070,10 @@
           </a:bodyPr>
           <a:lstStyle/>
           <a:p>
-            <a:r>
-              <a:rPr lang="pt-BR" sz="1800" b="0" i="0" u="none" strike="noStrike" baseline="0" dirty="0">
-                <a:solidFill>
-                  <a:srgbClr val="000000"/>
-                </a:solidFill>
-                <a:latin typeface="Times New Roman" panose="02020603050405020304" pitchFamily="18" charset="0"/>
-              </a:rPr>
-              <a:t>Com o intuito de encontrar soluções recentes que possam contribuir para o desenvolvimento deste projeto, foi realizada uma pesquisa na literatura e assim identificar estudos com características semelhantes aos objetivos aqui propostos. </a:t>
-            </a:r>
             <a:endParaRPr lang="pt-BR" altLang="en-US" dirty="0">
               <a:latin typeface="Times New Roman"/>
               <a:cs typeface="Times New Roman"/>
             </a:endParaRPr>
-          </a:p>
-          <a:p>
-            <a:endParaRPr lang="pt-BR" altLang="pt-BR" dirty="0"/>
           </a:p>
         </p:txBody>
       </p:sp>
@@ -15564,7 +16058,7 @@
               <a:rPr lang="pt-BR" altLang="pt-BR" sz="2600" dirty="0">
                 <a:cs typeface="Arial"/>
               </a:rPr>
-              <a:t>Otimização do controle administrativo e financeiro de academias de karatê.</a:t>
+              <a:t>Otimização do controle administrativo e financeiro de academias de karatê</a:t>
             </a:r>
           </a:p>
           <a:p>
@@ -15581,11 +16075,17 @@
               </a:rPr>
               <a:t>chatbot</a:t>
             </a:r>
+            <a:endParaRPr lang="pt-BR" altLang="pt-BR" sz="2600" dirty="0">
+              <a:cs typeface="Arial"/>
+            </a:endParaRPr>
+          </a:p>
+          <a:p>
+            <a:pPr lvl="1"/>
             <a:r>
               <a:rPr lang="pt-BR" altLang="pt-BR" sz="2600" dirty="0">
                 <a:cs typeface="Arial"/>
               </a:rPr>
-              <a:t>.</a:t>
+              <a:t>Motivação do aluno, ao efetuar acompanhamento da periodicidade dos exames de graduação</a:t>
             </a:r>
           </a:p>
           <a:p>
@@ -15594,16 +16094,7 @@
               <a:rPr lang="pt-BR" altLang="pt-BR" sz="2600" dirty="0">
                 <a:cs typeface="Arial"/>
               </a:rPr>
-              <a:t>Motivação do aluno, ao efetuar acompanhamento da periodicidade dos exames de graduação.</a:t>
-            </a:r>
-          </a:p>
-          <a:p>
-            <a:pPr lvl="1"/>
-            <a:r>
-              <a:rPr lang="pt-BR" altLang="pt-BR" sz="2600" dirty="0">
-                <a:cs typeface="Arial"/>
-              </a:rPr>
-              <a:t>Transmissão de imagem de seriedade e organização para a Associação de Karatê. </a:t>
+              <a:t>Transmissão de imagem de seriedade e organização para a Associação de Karatê</a:t>
             </a:r>
           </a:p>
         </p:txBody>
@@ -15920,12 +16411,9 @@
               </a:rPr>
               <a:t>chatbot</a:t>
             </a:r>
-            <a:r>
-              <a:rPr lang="pt-BR" sz="2600" dirty="0">
-                <a:cs typeface="Arial"/>
-              </a:rPr>
-              <a:t>.</a:t>
-            </a:r>
+            <a:endParaRPr lang="pt-BR" sz="2600" dirty="0">
+              <a:cs typeface="Arial"/>
+            </a:endParaRPr>
           </a:p>
         </p:txBody>
       </p:sp>
@@ -16358,7 +16846,7 @@
             <a:pPr lvl="1"/>
             <a:r>
               <a:rPr lang="pt-BR" altLang="pt-BR" sz="2600" dirty="0"/>
-              <a:t>Desenvolvimento de um sistema responsivo utilizando ferramentas como Java e Angular.</a:t>
+              <a:t>Desenvolvimento de um sistema responsivo utilizando ferramentas como Java e Angular</a:t>
             </a:r>
           </a:p>
           <a:p>
@@ -16367,7 +16855,7 @@
               <a:rPr lang="pt-BR" altLang="pt-BR" sz="2600" dirty="0">
                 <a:cs typeface="Arial"/>
               </a:rPr>
-              <a:t>Criação de uma API para garantir integração entre os módulos.</a:t>
+              <a:t>Criação de uma API para garantir integração entre os módulos</a:t>
             </a:r>
           </a:p>
           <a:p>
@@ -16388,7 +16876,7 @@
               <a:rPr lang="pt-BR" altLang="pt-BR" sz="2600" dirty="0">
                 <a:cs typeface="Arial"/>
               </a:rPr>
-              <a:t> para aumentar a interação entre academia e clientes.</a:t>
+              <a:t> para aumentar a interação entre academia e clientes</a:t>
             </a:r>
           </a:p>
         </p:txBody>
@@ -16407,6 +16895,402 @@
 </file>
 
 <file path=ppt/slides/slide18.xml><?xml version="1.0" encoding="utf-8"?>
+<p:sld xmlns:a="http://schemas.openxmlformats.org/drawingml/2006/main" xmlns:r="http://schemas.openxmlformats.org/officeDocument/2006/relationships" xmlns:p="http://schemas.openxmlformats.org/presentationml/2006/main">
+  <p:cSld>
+    <p:spTree>
+      <p:nvGrpSpPr>
+        <p:cNvPr id="1" name=""/>
+        <p:cNvGrpSpPr/>
+        <p:nvPr/>
+      </p:nvGrpSpPr>
+      <p:grpSpPr>
+        <a:xfrm>
+          <a:off x="0" y="0"/>
+          <a:ext cx="0" cy="0"/>
+          <a:chOff x="0" y="0"/>
+          <a:chExt cx="0" cy="0"/>
+        </a:xfrm>
+      </p:grpSpPr>
+      <p:sp>
+        <p:nvSpPr>
+          <p:cNvPr id="71682" name="Título 1">
+            <a:extLst>
+              <a:ext uri="{FF2B5EF4-FFF2-40B4-BE49-F238E27FC236}">
+                <a16:creationId xmlns:a16="http://schemas.microsoft.com/office/drawing/2014/main" id="{3315D6CB-DD1B-CC71-CC12-C937C5636CC9}"/>
+              </a:ext>
+            </a:extLst>
+          </p:cNvPr>
+          <p:cNvSpPr>
+            <a:spLocks noGrp="1" noChangeArrowheads="1"/>
+          </p:cNvSpPr>
+          <p:nvPr>
+            <p:ph type="title"/>
+          </p:nvPr>
+        </p:nvSpPr>
+        <p:spPr/>
+        <p:txBody>
+          <a:bodyPr/>
+          <a:lstStyle/>
+          <a:p>
+            <a:pPr>
+              <a:defRPr/>
+            </a:pPr>
+            <a:r>
+              <a:rPr lang="pt-BR" altLang="pt-BR" b="1" dirty="0">
+                <a:effectLst>
+                  <a:outerShdw blurRad="38100" dist="38100" dir="2700000" algn="tl">
+                    <a:srgbClr val="000000">
+                      <a:alpha val="43137"/>
+                    </a:srgbClr>
+                  </a:outerShdw>
+                </a:effectLst>
+              </a:rPr>
+              <a:t>Metodologia</a:t>
+            </a:r>
+          </a:p>
+        </p:txBody>
+      </p:sp>
+      <p:sp>
+        <p:nvSpPr>
+          <p:cNvPr id="138243" name="Espaço Reservado para Conteúdo 2">
+            <a:extLst>
+              <a:ext uri="{FF2B5EF4-FFF2-40B4-BE49-F238E27FC236}">
+                <a16:creationId xmlns:a16="http://schemas.microsoft.com/office/drawing/2014/main" id="{C0038701-AD94-23F9-2BCC-7BE993EA81B3}"/>
+              </a:ext>
+            </a:extLst>
+          </p:cNvPr>
+          <p:cNvSpPr>
+            <a:spLocks noGrp="1" noChangeArrowheads="1"/>
+          </p:cNvSpPr>
+          <p:nvPr>
+            <p:ph idx="1"/>
+          </p:nvPr>
+        </p:nvSpPr>
+        <p:spPr>
+          <a:xfrm>
+            <a:off x="457200" y="1292225"/>
+            <a:ext cx="8507413" cy="7137399"/>
+          </a:xfrm>
+        </p:spPr>
+        <p:txBody>
+          <a:bodyPr/>
+          <a:lstStyle/>
+          <a:p>
+            <a:r>
+              <a:rPr lang="pt-BR" sz="2600" dirty="0">
+                <a:cs typeface="Arial"/>
+              </a:rPr>
+              <a:t>O trabalho será desenvolvido observando as seguintes etapas:</a:t>
+            </a:r>
+          </a:p>
+          <a:p>
+            <a:pPr marL="0" indent="0">
+              <a:buNone/>
+            </a:pPr>
+            <a:r>
+              <a:rPr lang="pt-BR" sz="2600" dirty="0">
+                <a:cs typeface="Arial"/>
+              </a:rPr>
+              <a:t>a)  revisão bibliográfica</a:t>
+            </a:r>
+          </a:p>
+          <a:p>
+            <a:pPr marL="514350" indent="-514350">
+              <a:buAutoNum type="alphaLcParenR" startAt="2"/>
+            </a:pPr>
+            <a:r>
+              <a:rPr lang="pt-BR" sz="2600" dirty="0">
+                <a:cs typeface="Arial"/>
+              </a:rPr>
+              <a:t>identificação das personas</a:t>
+            </a:r>
+          </a:p>
+          <a:p>
+            <a:pPr marL="514350" indent="-514350">
+              <a:buAutoNum type="alphaLcParenR" startAt="2"/>
+            </a:pPr>
+            <a:r>
+              <a:rPr lang="pt-BR" sz="2600" dirty="0">
+                <a:cs typeface="Arial"/>
+              </a:rPr>
+              <a:t>criação de protótipos de alta fidelidade</a:t>
+            </a:r>
+          </a:p>
+          <a:p>
+            <a:pPr marL="514350" indent="-514350">
+              <a:buAutoNum type="alphaLcParenR" startAt="2"/>
+            </a:pPr>
+            <a:r>
+              <a:rPr lang="pt-BR" sz="2600" dirty="0">
+                <a:cs typeface="Arial"/>
+              </a:rPr>
+              <a:t>análise e definição de requisitos</a:t>
+            </a:r>
+          </a:p>
+          <a:p>
+            <a:pPr marL="514350" indent="-514350">
+              <a:buAutoNum type="alphaLcParenR" startAt="2"/>
+            </a:pPr>
+            <a:r>
+              <a:rPr lang="pt-BR" sz="2600" dirty="0">
+                <a:cs typeface="Arial"/>
+              </a:rPr>
+              <a:t>especificação e análise técnica</a:t>
+            </a:r>
+          </a:p>
+          <a:p>
+            <a:pPr marL="514350" indent="-514350">
+              <a:buAutoNum type="alphaLcParenR" startAt="2"/>
+            </a:pPr>
+            <a:r>
+              <a:rPr lang="pt-BR" sz="2600" dirty="0">
+                <a:cs typeface="Arial"/>
+              </a:rPr>
+              <a:t>implementação do sistema</a:t>
+            </a:r>
+          </a:p>
+          <a:p>
+            <a:pPr marL="514350" indent="-514350">
+              <a:buAutoNum type="alphaLcParenR" startAt="2"/>
+            </a:pPr>
+            <a:r>
+              <a:rPr lang="pt-BR" sz="2600" dirty="0">
+                <a:cs typeface="Arial"/>
+              </a:rPr>
+              <a:t>implementação do </a:t>
+            </a:r>
+            <a:r>
+              <a:rPr lang="pt-BR" sz="2600" dirty="0" err="1">
+                <a:cs typeface="Arial"/>
+              </a:rPr>
+              <a:t>chatbot</a:t>
+            </a:r>
+            <a:endParaRPr lang="pt-BR" sz="2600" dirty="0">
+              <a:cs typeface="Arial"/>
+            </a:endParaRPr>
+          </a:p>
+          <a:p>
+            <a:pPr marL="514350" indent="-514350">
+              <a:buAutoNum type="alphaLcParenR" startAt="2"/>
+            </a:pPr>
+            <a:r>
+              <a:rPr lang="pt-BR" sz="2600" dirty="0">
+                <a:cs typeface="Arial"/>
+              </a:rPr>
+              <a:t>testes e validação</a:t>
+            </a:r>
+          </a:p>
+        </p:txBody>
+      </p:sp>
+      <p:sp>
+        <p:nvSpPr>
+          <p:cNvPr id="138244" name="CaixaDeTexto 3">
+            <a:extLst>
+              <a:ext uri="{FF2B5EF4-FFF2-40B4-BE49-F238E27FC236}">
+                <a16:creationId xmlns:a16="http://schemas.microsoft.com/office/drawing/2014/main" id="{A1EC07F2-A723-98BD-6C79-0714665AA9C5}"/>
+              </a:ext>
+            </a:extLst>
+          </p:cNvPr>
+          <p:cNvSpPr txBox="1">
+            <a:spLocks noChangeArrowheads="1"/>
+          </p:cNvSpPr>
+          <p:nvPr/>
+        </p:nvSpPr>
+        <p:spPr bwMode="auto">
+          <a:xfrm>
+            <a:off x="8243888" y="52388"/>
+            <a:ext cx="841375" cy="307975"/>
+          </a:xfrm>
+          <a:prstGeom prst="rect">
+            <a:avLst/>
+          </a:prstGeom>
+          <a:noFill/>
+          <a:ln>
+            <a:noFill/>
+          </a:ln>
+          <a:extLst>
+            <a:ext uri="{909E8E84-426E-40DD-AFC4-6F175D3DCCD1}">
+              <a14:hiddenFill xmlns:a14="http://schemas.microsoft.com/office/drawing/2010/main">
+                <a:solidFill>
+                  <a:srgbClr val="FFFFFF"/>
+                </a:solidFill>
+              </a14:hiddenFill>
+            </a:ext>
+            <a:ext uri="{91240B29-F687-4F45-9708-019B960494DF}">
+              <a14:hiddenLine xmlns:a14="http://schemas.microsoft.com/office/drawing/2010/main" w="9525">
+                <a:solidFill>
+                  <a:srgbClr val="000000"/>
+                </a:solidFill>
+                <a:miter lim="800000"/>
+                <a:headEnd/>
+                <a:tailEnd/>
+              </a14:hiddenLine>
+            </a:ext>
+          </a:extLst>
+        </p:spPr>
+        <p:txBody>
+          <a:bodyPr>
+            <a:spAutoFit/>
+          </a:bodyPr>
+          <a:lstStyle>
+            <a:lvl1pPr>
+              <a:spcBef>
+                <a:spcPct val="20000"/>
+              </a:spcBef>
+              <a:buChar char="•"/>
+              <a:defRPr sz="3200">
+                <a:solidFill>
+                  <a:schemeClr val="tx1"/>
+                </a:solidFill>
+                <a:latin typeface="Arial" panose="020B0604020202020204" pitchFamily="34" charset="0"/>
+              </a:defRPr>
+            </a:lvl1pPr>
+            <a:lvl2pPr marL="742950" indent="-285750">
+              <a:spcBef>
+                <a:spcPct val="20000"/>
+              </a:spcBef>
+              <a:buChar char="–"/>
+              <a:defRPr sz="2800">
+                <a:solidFill>
+                  <a:schemeClr val="tx1"/>
+                </a:solidFill>
+                <a:latin typeface="Arial" panose="020B0604020202020204" pitchFamily="34" charset="0"/>
+              </a:defRPr>
+            </a:lvl2pPr>
+            <a:lvl3pPr marL="1143000" indent="-228600">
+              <a:spcBef>
+                <a:spcPct val="20000"/>
+              </a:spcBef>
+              <a:buChar char="•"/>
+              <a:defRPr sz="2400">
+                <a:solidFill>
+                  <a:schemeClr val="tx1"/>
+                </a:solidFill>
+                <a:latin typeface="Arial" panose="020B0604020202020204" pitchFamily="34" charset="0"/>
+              </a:defRPr>
+            </a:lvl3pPr>
+            <a:lvl4pPr marL="1600200" indent="-228600">
+              <a:spcBef>
+                <a:spcPct val="20000"/>
+              </a:spcBef>
+              <a:buChar char="–"/>
+              <a:defRPr sz="2000">
+                <a:solidFill>
+                  <a:schemeClr val="tx1"/>
+                </a:solidFill>
+                <a:latin typeface="Arial" panose="020B0604020202020204" pitchFamily="34" charset="0"/>
+              </a:defRPr>
+            </a:lvl4pPr>
+            <a:lvl5pPr marL="2057400" indent="-228600">
+              <a:spcBef>
+                <a:spcPct val="20000"/>
+              </a:spcBef>
+              <a:buChar char="»"/>
+              <a:defRPr sz="2000">
+                <a:solidFill>
+                  <a:schemeClr val="tx1"/>
+                </a:solidFill>
+                <a:latin typeface="Arial" panose="020B0604020202020204" pitchFamily="34" charset="0"/>
+              </a:defRPr>
+            </a:lvl5pPr>
+            <a:lvl6pPr marL="2514600" indent="-228600" eaLnBrk="0" fontAlgn="base" hangingPunct="0">
+              <a:spcBef>
+                <a:spcPct val="20000"/>
+              </a:spcBef>
+              <a:spcAft>
+                <a:spcPct val="0"/>
+              </a:spcAft>
+              <a:buChar char="»"/>
+              <a:defRPr sz="2000">
+                <a:solidFill>
+                  <a:schemeClr val="tx1"/>
+                </a:solidFill>
+                <a:latin typeface="Arial" panose="020B0604020202020204" pitchFamily="34" charset="0"/>
+              </a:defRPr>
+            </a:lvl6pPr>
+            <a:lvl7pPr marL="2971800" indent="-228600" eaLnBrk="0" fontAlgn="base" hangingPunct="0">
+              <a:spcBef>
+                <a:spcPct val="20000"/>
+              </a:spcBef>
+              <a:spcAft>
+                <a:spcPct val="0"/>
+              </a:spcAft>
+              <a:buChar char="»"/>
+              <a:defRPr sz="2000">
+                <a:solidFill>
+                  <a:schemeClr val="tx1"/>
+                </a:solidFill>
+                <a:latin typeface="Arial" panose="020B0604020202020204" pitchFamily="34" charset="0"/>
+              </a:defRPr>
+            </a:lvl7pPr>
+            <a:lvl8pPr marL="3429000" indent="-228600" eaLnBrk="0" fontAlgn="base" hangingPunct="0">
+              <a:spcBef>
+                <a:spcPct val="20000"/>
+              </a:spcBef>
+              <a:spcAft>
+                <a:spcPct val="0"/>
+              </a:spcAft>
+              <a:buChar char="»"/>
+              <a:defRPr sz="2000">
+                <a:solidFill>
+                  <a:schemeClr val="tx1"/>
+                </a:solidFill>
+                <a:latin typeface="Arial" panose="020B0604020202020204" pitchFamily="34" charset="0"/>
+              </a:defRPr>
+            </a:lvl8pPr>
+            <a:lvl9pPr marL="3886200" indent="-228600" eaLnBrk="0" fontAlgn="base" hangingPunct="0">
+              <a:spcBef>
+                <a:spcPct val="20000"/>
+              </a:spcBef>
+              <a:spcAft>
+                <a:spcPct val="0"/>
+              </a:spcAft>
+              <a:buChar char="»"/>
+              <a:defRPr sz="2000">
+                <a:solidFill>
+                  <a:schemeClr val="tx1"/>
+                </a:solidFill>
+                <a:latin typeface="Arial" panose="020B0604020202020204" pitchFamily="34" charset="0"/>
+              </a:defRPr>
+            </a:lvl9pPr>
+          </a:lstStyle>
+          <a:p>
+            <a:pPr algn="r" eaLnBrk="1" hangingPunct="1">
+              <a:spcBef>
+                <a:spcPct val="0"/>
+              </a:spcBef>
+              <a:buFontTx/>
+              <a:buNone/>
+            </a:pPr>
+            <a:fld id="{C5EF3198-145F-4B94-8CFD-57852559B627}" type="slidenum">
+              <a:rPr lang="pt-BR" altLang="pt-BR" sz="1400"/>
+              <a:pPr algn="r" eaLnBrk="1" hangingPunct="1">
+                <a:spcBef>
+                  <a:spcPct val="0"/>
+                </a:spcBef>
+                <a:buFontTx/>
+                <a:buNone/>
+              </a:pPr>
+              <a:t>18</a:t>
+            </a:fld>
+            <a:endParaRPr lang="pt-BR" altLang="pt-BR" sz="1400"/>
+          </a:p>
+        </p:txBody>
+      </p:sp>
+    </p:spTree>
+    <p:extLst>
+      <p:ext uri="{BB962C8B-B14F-4D97-AF65-F5344CB8AC3E}">
+        <p14:creationId xmlns:p14="http://schemas.microsoft.com/office/powerpoint/2010/main" val="3731035655"/>
+      </p:ext>
+    </p:extLst>
+  </p:cSld>
+  <p:clrMapOvr>
+    <a:masterClrMapping/>
+  </p:clrMapOvr>
+</p:sld>
+</file>
+
+<file path=ppt/slides/slide19.xml><?xml version="1.0" encoding="utf-8"?>
 <p:sld xmlns:a="http://schemas.openxmlformats.org/drawingml/2006/main" xmlns:r="http://schemas.openxmlformats.org/officeDocument/2006/relationships" xmlns:p="http://schemas.openxmlformats.org/presentationml/2006/main">
   <p:cSld>
     <p:spTree>
@@ -16656,677 +17540,13 @@
                 <a:buFontTx/>
                 <a:buNone/>
               </a:pPr>
-              <a:t>18</a:t>
+              <a:t>19</a:t>
             </a:fld>
             <a:endParaRPr lang="pt-BR" altLang="pt-BR" sz="1400"/>
           </a:p>
         </p:txBody>
       </p:sp>
     </p:spTree>
-  </p:cSld>
-  <p:clrMapOvr>
-    <a:masterClrMapping/>
-  </p:clrMapOvr>
-</p:sld>
-</file>
-
-<file path=ppt/slides/slide19.xml><?xml version="1.0" encoding="utf-8"?>
-<p:sld xmlns:a="http://schemas.openxmlformats.org/drawingml/2006/main" xmlns:r="http://schemas.openxmlformats.org/officeDocument/2006/relationships" xmlns:p="http://schemas.openxmlformats.org/presentationml/2006/main">
-  <p:cSld>
-    <p:spTree>
-      <p:nvGrpSpPr>
-        <p:cNvPr id="1" name=""/>
-        <p:cNvGrpSpPr/>
-        <p:nvPr/>
-      </p:nvGrpSpPr>
-      <p:grpSpPr>
-        <a:xfrm>
-          <a:off x="0" y="0"/>
-          <a:ext cx="0" cy="0"/>
-          <a:chOff x="0" y="0"/>
-          <a:chExt cx="0" cy="0"/>
-        </a:xfrm>
-      </p:grpSpPr>
-      <p:sp>
-        <p:nvSpPr>
-          <p:cNvPr id="12290" name="Título 1">
-            <a:extLst>
-              <a:ext uri="{FF2B5EF4-FFF2-40B4-BE49-F238E27FC236}">
-                <a16:creationId xmlns:a16="http://schemas.microsoft.com/office/drawing/2014/main" id="{47867EA9-F2B2-45C1-5E6C-781E956980E1}"/>
-              </a:ext>
-            </a:extLst>
-          </p:cNvPr>
-          <p:cNvSpPr>
-            <a:spLocks noGrp="1" noChangeArrowheads="1"/>
-          </p:cNvSpPr>
-          <p:nvPr>
-            <p:ph type="title"/>
-          </p:nvPr>
-        </p:nvSpPr>
-        <p:spPr>
-          <a:xfrm>
-            <a:off x="296517" y="206375"/>
-            <a:ext cx="8550965" cy="1143000"/>
-          </a:xfrm>
-        </p:spPr>
-        <p:txBody>
-          <a:bodyPr/>
-          <a:lstStyle/>
-          <a:p>
-            <a:pPr eaLnBrk="1" hangingPunct="1">
-              <a:defRPr/>
-            </a:pPr>
-            <a:r>
-              <a:rPr lang="pt-BR" altLang="pt-BR" b="1" dirty="0">
-                <a:effectLst>
-                  <a:outerShdw blurRad="38100" dist="38100" dir="2700000" algn="tl">
-                    <a:srgbClr val="000000">
-                      <a:alpha val="43137"/>
-                    </a:srgbClr>
-                  </a:outerShdw>
-                </a:effectLst>
-              </a:rPr>
-              <a:t>Karatê e exames de graduação</a:t>
-            </a:r>
-          </a:p>
-        </p:txBody>
-      </p:sp>
-      <p:sp>
-        <p:nvSpPr>
-          <p:cNvPr id="21508" name="CaixaDeTexto 3">
-            <a:extLst>
-              <a:ext uri="{FF2B5EF4-FFF2-40B4-BE49-F238E27FC236}">
-                <a16:creationId xmlns:a16="http://schemas.microsoft.com/office/drawing/2014/main" id="{DBF65859-7F65-7A0C-5703-67C7078A80A1}"/>
-              </a:ext>
-            </a:extLst>
-          </p:cNvPr>
-          <p:cNvSpPr txBox="1">
-            <a:spLocks noChangeArrowheads="1"/>
-          </p:cNvSpPr>
-          <p:nvPr/>
-        </p:nvSpPr>
-        <p:spPr bwMode="auto">
-          <a:xfrm>
-            <a:off x="8243888" y="52388"/>
-            <a:ext cx="841375" cy="307975"/>
-          </a:xfrm>
-          <a:prstGeom prst="rect">
-            <a:avLst/>
-          </a:prstGeom>
-          <a:noFill/>
-          <a:ln>
-            <a:noFill/>
-          </a:ln>
-          <a:extLst>
-            <a:ext uri="{909E8E84-426E-40DD-AFC4-6F175D3DCCD1}">
-              <a14:hiddenFill xmlns:a14="http://schemas.microsoft.com/office/drawing/2010/main">
-                <a:solidFill>
-                  <a:srgbClr val="FFFFFF"/>
-                </a:solidFill>
-              </a14:hiddenFill>
-            </a:ext>
-            <a:ext uri="{91240B29-F687-4F45-9708-019B960494DF}">
-              <a14:hiddenLine xmlns:a14="http://schemas.microsoft.com/office/drawing/2010/main" w="9525">
-                <a:solidFill>
-                  <a:srgbClr val="000000"/>
-                </a:solidFill>
-                <a:miter lim="800000"/>
-                <a:headEnd/>
-                <a:tailEnd/>
-              </a14:hiddenLine>
-            </a:ext>
-          </a:extLst>
-        </p:spPr>
-        <p:txBody>
-          <a:bodyPr>
-            <a:spAutoFit/>
-          </a:bodyPr>
-          <a:lstStyle>
-            <a:lvl1pPr>
-              <a:spcBef>
-                <a:spcPct val="20000"/>
-              </a:spcBef>
-              <a:buChar char="•"/>
-              <a:defRPr sz="3200">
-                <a:solidFill>
-                  <a:schemeClr val="tx1"/>
-                </a:solidFill>
-                <a:latin typeface="Arial" panose="020B0604020202020204" pitchFamily="34" charset="0"/>
-              </a:defRPr>
-            </a:lvl1pPr>
-            <a:lvl2pPr marL="742950" indent="-285750">
-              <a:spcBef>
-                <a:spcPct val="20000"/>
-              </a:spcBef>
-              <a:buChar char="–"/>
-              <a:defRPr sz="2800">
-                <a:solidFill>
-                  <a:schemeClr val="tx1"/>
-                </a:solidFill>
-                <a:latin typeface="Arial" panose="020B0604020202020204" pitchFamily="34" charset="0"/>
-              </a:defRPr>
-            </a:lvl2pPr>
-            <a:lvl3pPr marL="1143000" indent="-228600">
-              <a:spcBef>
-                <a:spcPct val="20000"/>
-              </a:spcBef>
-              <a:buChar char="•"/>
-              <a:defRPr sz="2400">
-                <a:solidFill>
-                  <a:schemeClr val="tx1"/>
-                </a:solidFill>
-                <a:latin typeface="Arial" panose="020B0604020202020204" pitchFamily="34" charset="0"/>
-              </a:defRPr>
-            </a:lvl3pPr>
-            <a:lvl4pPr marL="1600200" indent="-228600">
-              <a:spcBef>
-                <a:spcPct val="20000"/>
-              </a:spcBef>
-              <a:buChar char="–"/>
-              <a:defRPr sz="2000">
-                <a:solidFill>
-                  <a:schemeClr val="tx1"/>
-                </a:solidFill>
-                <a:latin typeface="Arial" panose="020B0604020202020204" pitchFamily="34" charset="0"/>
-              </a:defRPr>
-            </a:lvl4pPr>
-            <a:lvl5pPr marL="2057400" indent="-228600">
-              <a:spcBef>
-                <a:spcPct val="20000"/>
-              </a:spcBef>
-              <a:buChar char="»"/>
-              <a:defRPr sz="2000">
-                <a:solidFill>
-                  <a:schemeClr val="tx1"/>
-                </a:solidFill>
-                <a:latin typeface="Arial" panose="020B0604020202020204" pitchFamily="34" charset="0"/>
-              </a:defRPr>
-            </a:lvl5pPr>
-            <a:lvl6pPr marL="2514600" indent="-228600" eaLnBrk="0" fontAlgn="base" hangingPunct="0">
-              <a:spcBef>
-                <a:spcPct val="20000"/>
-              </a:spcBef>
-              <a:spcAft>
-                <a:spcPct val="0"/>
-              </a:spcAft>
-              <a:buChar char="»"/>
-              <a:defRPr sz="2000">
-                <a:solidFill>
-                  <a:schemeClr val="tx1"/>
-                </a:solidFill>
-                <a:latin typeface="Arial" panose="020B0604020202020204" pitchFamily="34" charset="0"/>
-              </a:defRPr>
-            </a:lvl6pPr>
-            <a:lvl7pPr marL="2971800" indent="-228600" eaLnBrk="0" fontAlgn="base" hangingPunct="0">
-              <a:spcBef>
-                <a:spcPct val="20000"/>
-              </a:spcBef>
-              <a:spcAft>
-                <a:spcPct val="0"/>
-              </a:spcAft>
-              <a:buChar char="»"/>
-              <a:defRPr sz="2000">
-                <a:solidFill>
-                  <a:schemeClr val="tx1"/>
-                </a:solidFill>
-                <a:latin typeface="Arial" panose="020B0604020202020204" pitchFamily="34" charset="0"/>
-              </a:defRPr>
-            </a:lvl7pPr>
-            <a:lvl8pPr marL="3429000" indent="-228600" eaLnBrk="0" fontAlgn="base" hangingPunct="0">
-              <a:spcBef>
-                <a:spcPct val="20000"/>
-              </a:spcBef>
-              <a:spcAft>
-                <a:spcPct val="0"/>
-              </a:spcAft>
-              <a:buChar char="»"/>
-              <a:defRPr sz="2000">
-                <a:solidFill>
-                  <a:schemeClr val="tx1"/>
-                </a:solidFill>
-                <a:latin typeface="Arial" panose="020B0604020202020204" pitchFamily="34" charset="0"/>
-              </a:defRPr>
-            </a:lvl8pPr>
-            <a:lvl9pPr marL="3886200" indent="-228600" eaLnBrk="0" fontAlgn="base" hangingPunct="0">
-              <a:spcBef>
-                <a:spcPct val="20000"/>
-              </a:spcBef>
-              <a:spcAft>
-                <a:spcPct val="0"/>
-              </a:spcAft>
-              <a:buChar char="»"/>
-              <a:defRPr sz="2000">
-                <a:solidFill>
-                  <a:schemeClr val="tx1"/>
-                </a:solidFill>
-                <a:latin typeface="Arial" panose="020B0604020202020204" pitchFamily="34" charset="0"/>
-              </a:defRPr>
-            </a:lvl9pPr>
-          </a:lstStyle>
-          <a:p>
-            <a:pPr algn="r" eaLnBrk="1" hangingPunct="1">
-              <a:spcBef>
-                <a:spcPct val="0"/>
-              </a:spcBef>
-              <a:buFontTx/>
-              <a:buNone/>
-            </a:pPr>
-            <a:fld id="{1DEA3737-3EE6-45B0-9E6D-D1119BBA5BD5}" type="slidenum">
-              <a:rPr lang="pt-BR" altLang="pt-BR" sz="1400"/>
-              <a:pPr algn="r" eaLnBrk="1" hangingPunct="1">
-                <a:spcBef>
-                  <a:spcPct val="0"/>
-                </a:spcBef>
-                <a:buFontTx/>
-                <a:buNone/>
-              </a:pPr>
-              <a:t>19</a:t>
-            </a:fld>
-            <a:endParaRPr lang="pt-BR" altLang="pt-BR" sz="1400"/>
-          </a:p>
-        </p:txBody>
-      </p:sp>
-      <p:sp>
-        <p:nvSpPr>
-          <p:cNvPr id="3" name="Content Placeholder 2">
-            <a:extLst>
-              <a:ext uri="{FF2B5EF4-FFF2-40B4-BE49-F238E27FC236}">
-                <a16:creationId xmlns:a16="http://schemas.microsoft.com/office/drawing/2014/main" id="{215DEF78-F17C-92B4-ED57-4A83168BD7D5}"/>
-              </a:ext>
-            </a:extLst>
-          </p:cNvPr>
-          <p:cNvSpPr txBox="1">
-            <a:spLocks/>
-          </p:cNvSpPr>
-          <p:nvPr/>
-        </p:nvSpPr>
-        <p:spPr bwMode="auto">
-          <a:xfrm>
-            <a:off x="609600" y="1752600"/>
-            <a:ext cx="8229600" cy="4525963"/>
-          </a:xfrm>
-          <a:prstGeom prst="rect">
-            <a:avLst/>
-          </a:prstGeom>
-          <a:noFill/>
-          <a:ln>
-            <a:noFill/>
-          </a:ln>
-          <a:effectLst/>
-          <a:extLst>
-            <a:ext uri="{909E8E84-426E-40DD-AFC4-6F175D3DCCD1}">
-              <a14:hiddenFill xmlns:a14="http://schemas.microsoft.com/office/drawing/2010/main">
-                <a:solidFill>
-                  <a:schemeClr val="accent1"/>
-                </a:solidFill>
-              </a14:hiddenFill>
-            </a:ext>
-            <a:ext uri="{91240B29-F687-4F45-9708-019B960494DF}">
-              <a14:hiddenLine xmlns:a14="http://schemas.microsoft.com/office/drawing/2010/main" w="9525">
-                <a:solidFill>
-                  <a:schemeClr val="tx1"/>
-                </a:solidFill>
-                <a:miter lim="800000"/>
-                <a:headEnd/>
-                <a:tailEnd/>
-              </a14:hiddenLine>
-            </a:ext>
-            <a:ext uri="{AF507438-7753-43E0-B8FC-AC1667EBCBE1}">
-              <a14:hiddenEffects xmlns:a14="http://schemas.microsoft.com/office/drawing/2010/main">
-                <a:effectLst>
-                  <a:outerShdw dist="35921" dir="2700000" algn="ctr" rotWithShape="0">
-                    <a:schemeClr val="bg2"/>
-                  </a:outerShdw>
-                </a:effectLst>
-              </a14:hiddenEffects>
-            </a:ext>
-          </a:extLst>
-        </p:spPr>
-        <p:txBody>
-          <a:bodyPr vert="horz" wrap="square" lIns="91440" tIns="45720" rIns="91440" bIns="45720" numCol="1" anchor="t" anchorCtr="0" compatLnSpc="1">
-            <a:prstTxWarp prst="textNoShape">
-              <a:avLst/>
-            </a:prstTxWarp>
-          </a:bodyPr>
-          <a:lstStyle>
-            <a:lvl1pPr marL="342900" indent="-342900" algn="l" rtl="0" eaLnBrk="0" fontAlgn="base" hangingPunct="0">
-              <a:spcBef>
-                <a:spcPct val="20000"/>
-              </a:spcBef>
-              <a:spcAft>
-                <a:spcPct val="0"/>
-              </a:spcAft>
-              <a:buChar char="•"/>
-              <a:defRPr sz="3200" kern="1200">
-                <a:solidFill>
-                  <a:schemeClr val="tx1"/>
-                </a:solidFill>
-                <a:latin typeface="+mn-lt"/>
-                <a:ea typeface="+mn-ea"/>
-                <a:cs typeface="+mn-cs"/>
-              </a:defRPr>
-            </a:lvl1pPr>
-            <a:lvl2pPr marL="742950" indent="-285750" algn="l" rtl="0" eaLnBrk="0" fontAlgn="base" hangingPunct="0">
-              <a:spcBef>
-                <a:spcPct val="20000"/>
-              </a:spcBef>
-              <a:spcAft>
-                <a:spcPct val="0"/>
-              </a:spcAft>
-              <a:buChar char="–"/>
-              <a:defRPr sz="2800" kern="1200">
-                <a:solidFill>
-                  <a:schemeClr val="tx1"/>
-                </a:solidFill>
-                <a:latin typeface="+mn-lt"/>
-                <a:ea typeface="+mn-ea"/>
-                <a:cs typeface="+mn-cs"/>
-              </a:defRPr>
-            </a:lvl2pPr>
-            <a:lvl3pPr marL="1143000" indent="-228600" algn="l" rtl="0" eaLnBrk="0" fontAlgn="base" hangingPunct="0">
-              <a:spcBef>
-                <a:spcPct val="20000"/>
-              </a:spcBef>
-              <a:spcAft>
-                <a:spcPct val="0"/>
-              </a:spcAft>
-              <a:buChar char="•"/>
-              <a:defRPr sz="2400" kern="1200">
-                <a:solidFill>
-                  <a:schemeClr val="tx1"/>
-                </a:solidFill>
-                <a:latin typeface="+mn-lt"/>
-                <a:ea typeface="+mn-ea"/>
-                <a:cs typeface="+mn-cs"/>
-              </a:defRPr>
-            </a:lvl3pPr>
-            <a:lvl4pPr marL="1600200" indent="-228600" algn="l" rtl="0" eaLnBrk="0" fontAlgn="base" hangingPunct="0">
-              <a:spcBef>
-                <a:spcPct val="20000"/>
-              </a:spcBef>
-              <a:spcAft>
-                <a:spcPct val="0"/>
-              </a:spcAft>
-              <a:buChar char="–"/>
-              <a:defRPr sz="2000" kern="1200">
-                <a:solidFill>
-                  <a:schemeClr val="tx1"/>
-                </a:solidFill>
-                <a:latin typeface="+mn-lt"/>
-                <a:ea typeface="+mn-ea"/>
-                <a:cs typeface="+mn-cs"/>
-              </a:defRPr>
-            </a:lvl4pPr>
-            <a:lvl5pPr marL="2057400" indent="-228600" algn="l" rtl="0" eaLnBrk="0" fontAlgn="base" hangingPunct="0">
-              <a:spcBef>
-                <a:spcPct val="20000"/>
-              </a:spcBef>
-              <a:spcAft>
-                <a:spcPct val="0"/>
-              </a:spcAft>
-              <a:buChar char="»"/>
-              <a:defRPr sz="2000" kern="1200">
-                <a:solidFill>
-                  <a:schemeClr val="tx1"/>
-                </a:solidFill>
-                <a:latin typeface="+mn-lt"/>
-                <a:ea typeface="+mn-ea"/>
-                <a:cs typeface="+mn-cs"/>
-              </a:defRPr>
-            </a:lvl5pPr>
-            <a:lvl6pPr marL="2514600" indent="-228600" algn="l" defTabSz="914400" rtl="0" eaLnBrk="1" latinLnBrk="0" hangingPunct="1">
-              <a:lnSpc>
-                <a:spcPct val="90000"/>
-              </a:lnSpc>
-              <a:spcBef>
-                <a:spcPts val="500"/>
-              </a:spcBef>
-              <a:buFont typeface="Arial" panose="020B0604020202020204" pitchFamily="34" charset="0"/>
-              <a:buChar char="•"/>
-              <a:defRPr sz="1800" kern="1200">
-                <a:solidFill>
-                  <a:schemeClr val="tx1"/>
-                </a:solidFill>
-                <a:latin typeface="+mn-lt"/>
-                <a:ea typeface="+mn-ea"/>
-                <a:cs typeface="+mn-cs"/>
-              </a:defRPr>
-            </a:lvl6pPr>
-            <a:lvl7pPr marL="2971800" indent="-228600" algn="l" defTabSz="914400" rtl="0" eaLnBrk="1" latinLnBrk="0" hangingPunct="1">
-              <a:lnSpc>
-                <a:spcPct val="90000"/>
-              </a:lnSpc>
-              <a:spcBef>
-                <a:spcPts val="500"/>
-              </a:spcBef>
-              <a:buFont typeface="Arial" panose="020B0604020202020204" pitchFamily="34" charset="0"/>
-              <a:buChar char="•"/>
-              <a:defRPr sz="1800" kern="1200">
-                <a:solidFill>
-                  <a:schemeClr val="tx1"/>
-                </a:solidFill>
-                <a:latin typeface="+mn-lt"/>
-                <a:ea typeface="+mn-ea"/>
-                <a:cs typeface="+mn-cs"/>
-              </a:defRPr>
-            </a:lvl7pPr>
-            <a:lvl8pPr marL="3429000" indent="-228600" algn="l" defTabSz="914400" rtl="0" eaLnBrk="1" latinLnBrk="0" hangingPunct="1">
-              <a:lnSpc>
-                <a:spcPct val="90000"/>
-              </a:lnSpc>
-              <a:spcBef>
-                <a:spcPts val="500"/>
-              </a:spcBef>
-              <a:buFont typeface="Arial" panose="020B0604020202020204" pitchFamily="34" charset="0"/>
-              <a:buChar char="•"/>
-              <a:defRPr sz="1800" kern="1200">
-                <a:solidFill>
-                  <a:schemeClr val="tx1"/>
-                </a:solidFill>
-                <a:latin typeface="+mn-lt"/>
-                <a:ea typeface="+mn-ea"/>
-                <a:cs typeface="+mn-cs"/>
-              </a:defRPr>
-            </a:lvl8pPr>
-            <a:lvl9pPr marL="3886200" indent="-228600" algn="l" defTabSz="914400" rtl="0" eaLnBrk="1" latinLnBrk="0" hangingPunct="1">
-              <a:lnSpc>
-                <a:spcPct val="90000"/>
-              </a:lnSpc>
-              <a:spcBef>
-                <a:spcPts val="500"/>
-              </a:spcBef>
-              <a:buFont typeface="Arial" panose="020B0604020202020204" pitchFamily="34" charset="0"/>
-              <a:buChar char="•"/>
-              <a:defRPr sz="1800" kern="1200">
-                <a:solidFill>
-                  <a:schemeClr val="tx1"/>
-                </a:solidFill>
-                <a:latin typeface="+mn-lt"/>
-                <a:ea typeface="+mn-ea"/>
-                <a:cs typeface="+mn-cs"/>
-              </a:defRPr>
-            </a:lvl9pPr>
-          </a:lstStyle>
-          <a:p>
-            <a:endParaRPr lang="pt-BR"/>
-          </a:p>
-        </p:txBody>
-      </p:sp>
-      <p:sp>
-        <p:nvSpPr>
-          <p:cNvPr id="4" name="Espaço Reservado para Conteúdo 2">
-            <a:extLst>
-              <a:ext uri="{FF2B5EF4-FFF2-40B4-BE49-F238E27FC236}">
-                <a16:creationId xmlns:a16="http://schemas.microsoft.com/office/drawing/2014/main" id="{403F9E8A-0DF6-C5B3-B7F4-8A9F88A68620}"/>
-              </a:ext>
-            </a:extLst>
-          </p:cNvPr>
-          <p:cNvSpPr>
-            <a:spLocks noGrp="1" noChangeArrowheads="1"/>
-          </p:cNvSpPr>
-          <p:nvPr>
-            <p:ph idx="1"/>
-          </p:nvPr>
-        </p:nvSpPr>
-        <p:spPr>
-          <a:xfrm>
-            <a:off x="135834" y="1349375"/>
-            <a:ext cx="8872330" cy="5148263"/>
-          </a:xfrm>
-        </p:spPr>
-        <p:txBody>
-          <a:bodyPr/>
-          <a:lstStyle/>
-          <a:p>
-            <a:pPr marL="457200" lvl="1" indent="0">
-              <a:buNone/>
-            </a:pPr>
-            <a:r>
-              <a:rPr lang="pt-BR" sz="2600" b="1" dirty="0"/>
-              <a:t>Karatê</a:t>
-            </a:r>
-            <a:r>
-              <a:rPr lang="pt-BR" sz="2600" dirty="0"/>
-              <a:t>:</a:t>
-            </a:r>
-          </a:p>
-          <a:p>
-            <a:pPr lvl="1">
-              <a:buFont typeface="Arial" panose="020B0604020202020204" pitchFamily="34" charset="0"/>
-              <a:buChar char="•"/>
-            </a:pPr>
-            <a:r>
-              <a:rPr lang="pt-BR" sz="2600" dirty="0"/>
-              <a:t>Arte marcial originada no Japão que combina técnicas de ataque e defesa.</a:t>
-            </a:r>
-          </a:p>
-          <a:p>
-            <a:pPr lvl="1">
-              <a:buFont typeface="Arial" panose="020B0604020202020204" pitchFamily="34" charset="0"/>
-              <a:buChar char="•"/>
-            </a:pPr>
-            <a:r>
-              <a:rPr lang="pt-BR" sz="2600" dirty="0"/>
-              <a:t>Coordenação motora, força, disciplina e respeito.</a:t>
-            </a:r>
-          </a:p>
-          <a:p>
-            <a:pPr marL="457200" lvl="1" indent="0">
-              <a:buNone/>
-            </a:pPr>
-            <a:r>
-              <a:rPr lang="pt-BR" sz="2600" b="1" dirty="0"/>
-              <a:t>Exames</a:t>
-            </a:r>
-            <a:r>
-              <a:rPr lang="pt-BR" sz="2600" dirty="0"/>
-              <a:t>: </a:t>
-            </a:r>
-          </a:p>
-          <a:p>
-            <a:pPr lvl="1">
-              <a:buFont typeface="Arial" panose="020B0604020202020204" pitchFamily="34" charset="0"/>
-              <a:buChar char="•"/>
-            </a:pPr>
-            <a:r>
-              <a:rPr lang="pt-BR" sz="2600" dirty="0"/>
-              <a:t>Avaliação técnica, teórica, maturidade e valores da arte marcial.</a:t>
-            </a:r>
-          </a:p>
-          <a:p>
-            <a:pPr lvl="1">
-              <a:buFont typeface="Arial" panose="020B0604020202020204" pitchFamily="34" charset="0"/>
-              <a:buChar char="•"/>
-            </a:pPr>
-            <a:r>
-              <a:rPr lang="pt-BR" sz="2600" dirty="0"/>
-              <a:t> Avaliação do </a:t>
-            </a:r>
-            <a:r>
-              <a:rPr lang="pt-BR" sz="2600" dirty="0" err="1"/>
-              <a:t>Kata</a:t>
-            </a:r>
-            <a:r>
-              <a:rPr lang="pt-BR" sz="2600" dirty="0"/>
-              <a:t>, </a:t>
-            </a:r>
-            <a:r>
-              <a:rPr lang="pt-BR" sz="2600" dirty="0" err="1"/>
-              <a:t>Kihon</a:t>
-            </a:r>
-            <a:r>
-              <a:rPr lang="pt-BR" sz="2600" dirty="0"/>
-              <a:t> e </a:t>
-            </a:r>
-            <a:r>
-              <a:rPr lang="pt-BR" sz="2600" dirty="0" err="1"/>
-              <a:t>Kumite</a:t>
-            </a:r>
-            <a:r>
-              <a:rPr lang="pt-BR" sz="2600" dirty="0"/>
-              <a:t>.</a:t>
-            </a:r>
-          </a:p>
-          <a:p>
-            <a:pPr lvl="1">
-              <a:buFont typeface="Arial" panose="020B0604020202020204" pitchFamily="34" charset="0"/>
-              <a:buChar char="•"/>
-            </a:pPr>
-            <a:r>
-              <a:rPr lang="pt-BR" sz="2600" dirty="0"/>
-              <a:t>Importante para a motivação do aluno.</a:t>
-            </a:r>
-          </a:p>
-          <a:p>
-            <a:pPr lvl="1">
-              <a:buFont typeface="Arial" panose="020B0604020202020204" pitchFamily="34" charset="0"/>
-              <a:buChar char="•"/>
-            </a:pPr>
-            <a:r>
-              <a:rPr lang="pt-BR" sz="2600" dirty="0"/>
-              <a:t>Periodicidade é individual e depende da evolução e horas de treino.  </a:t>
-            </a:r>
-          </a:p>
-          <a:p>
-            <a:pPr lvl="1">
-              <a:buFont typeface="Arial" panose="020B0604020202020204" pitchFamily="34" charset="0"/>
-              <a:buChar char="•"/>
-            </a:pPr>
-            <a:endParaRPr lang="pt-BR" sz="2600" dirty="0"/>
-          </a:p>
-          <a:p>
-            <a:pPr lvl="1">
-              <a:buFont typeface="Arial" panose="020B0604020202020204" pitchFamily="34" charset="0"/>
-              <a:buChar char="•"/>
-            </a:pPr>
-            <a:endParaRPr lang="pt-BR" dirty="0"/>
-          </a:p>
-          <a:p>
-            <a:pPr lvl="1">
-              <a:buFont typeface="Arial" panose="020B0604020202020204" pitchFamily="34" charset="0"/>
-              <a:buChar char="•"/>
-            </a:pPr>
-            <a:endParaRPr lang="pt-BR" dirty="0"/>
-          </a:p>
-          <a:p>
-            <a:pPr lvl="1">
-              <a:buFont typeface="Arial" panose="020B0604020202020204" pitchFamily="34" charset="0"/>
-              <a:buChar char="•"/>
-            </a:pPr>
-            <a:endParaRPr lang="pt-BR" dirty="0"/>
-          </a:p>
-          <a:p>
-            <a:pPr eaLnBrk="1" hangingPunct="1"/>
-            <a:endParaRPr lang="pt-BR" altLang="pt-BR" dirty="0"/>
-          </a:p>
-        </p:txBody>
-      </p:sp>
-    </p:spTree>
-    <p:extLst>
-      <p:ext uri="{BB962C8B-B14F-4D97-AF65-F5344CB8AC3E}">
-        <p14:creationId xmlns:p14="http://schemas.microsoft.com/office/powerpoint/2010/main" val="2139923658"/>
-      </p:ext>
-    </p:extLst>
   </p:cSld>
   <p:clrMapOvr>
     <a:masterClrMapping/>
@@ -17699,8 +17919,8 @@
         </p:nvSpPr>
         <p:spPr>
           <a:xfrm>
-            <a:off x="-400050" y="274638"/>
-            <a:ext cx="9925050" cy="1143000"/>
+            <a:off x="296517" y="206375"/>
+            <a:ext cx="8550965" cy="1143000"/>
           </a:xfrm>
         </p:spPr>
         <p:txBody>
@@ -17711,7 +17931,7 @@
               <a:defRPr/>
             </a:pPr>
             <a:r>
-              <a:rPr lang="pt-BR" altLang="pt-BR" sz="4000" b="1" dirty="0">
+              <a:rPr lang="pt-BR" altLang="pt-BR" b="1" dirty="0">
                 <a:effectLst>
                   <a:outerShdw blurRad="38100" dist="38100" dir="2700000" algn="tl">
                     <a:srgbClr val="000000">
@@ -17720,7 +17940,7 @@
                   </a:outerShdw>
                 </a:effectLst>
               </a:rPr>
-              <a:t>Controle administrativo e financeiro</a:t>
+              <a:t>Karatê e exames de graduação</a:t>
             </a:r>
           </a:p>
         </p:txBody>
@@ -18148,232 +18368,40 @@
       </p:sp>
       <p:sp>
         <p:nvSpPr>
-          <p:cNvPr id="5" name="Espaço Reservado para Conteúdo 2">
+          <p:cNvPr id="4" name="Espaço Reservado para Conteúdo 2">
             <a:extLst>
               <a:ext uri="{FF2B5EF4-FFF2-40B4-BE49-F238E27FC236}">
-                <a16:creationId xmlns:a16="http://schemas.microsoft.com/office/drawing/2014/main" id="{39290545-2117-9843-0497-0B351776344C}"/>
+                <a16:creationId xmlns:a16="http://schemas.microsoft.com/office/drawing/2014/main" id="{403F9E8A-0DF6-C5B3-B7F4-8A9F88A68620}"/>
               </a:ext>
             </a:extLst>
           </p:cNvPr>
-          <p:cNvSpPr txBox="1">
-            <a:spLocks noChangeArrowheads="1"/>
+          <p:cNvSpPr>
+            <a:spLocks noGrp="1" noChangeArrowheads="1"/>
           </p:cNvSpPr>
-          <p:nvPr/>
+          <p:nvPr>
+            <p:ph idx="1"/>
+          </p:nvPr>
         </p:nvSpPr>
-        <p:spPr bwMode="auto">
+        <p:spPr>
           <a:xfrm>
-            <a:off x="-90488" y="1446211"/>
-            <a:ext cx="9324975" cy="5148263"/>
+            <a:off x="135834" y="1349375"/>
+            <a:ext cx="8872330" cy="5148263"/>
           </a:xfrm>
-          <a:prstGeom prst="rect">
-            <a:avLst/>
-          </a:prstGeom>
-          <a:noFill/>
-          <a:ln>
-            <a:noFill/>
-          </a:ln>
-          <a:effectLst/>
-          <a:extLst>
-            <a:ext uri="{909E8E84-426E-40DD-AFC4-6F175D3DCCD1}">
-              <a14:hiddenFill xmlns:a14="http://schemas.microsoft.com/office/drawing/2010/main">
-                <a:solidFill>
-                  <a:schemeClr val="accent1"/>
-                </a:solidFill>
-              </a14:hiddenFill>
-            </a:ext>
-            <a:ext uri="{91240B29-F687-4F45-9708-019B960494DF}">
-              <a14:hiddenLine xmlns:a14="http://schemas.microsoft.com/office/drawing/2010/main" w="9525">
-                <a:solidFill>
-                  <a:schemeClr val="tx1"/>
-                </a:solidFill>
-                <a:miter lim="800000"/>
-                <a:headEnd/>
-                <a:tailEnd/>
-              </a14:hiddenLine>
-            </a:ext>
-            <a:ext uri="{AF507438-7753-43E0-B8FC-AC1667EBCBE1}">
-              <a14:hiddenEffects xmlns:a14="http://schemas.microsoft.com/office/drawing/2010/main">
-                <a:effectLst>
-                  <a:outerShdw dist="35921" dir="2700000" algn="ctr" rotWithShape="0">
-                    <a:schemeClr val="bg2"/>
-                  </a:outerShdw>
-                </a:effectLst>
-              </a14:hiddenEffects>
-            </a:ext>
-          </a:extLst>
         </p:spPr>
         <p:txBody>
-          <a:bodyPr vert="horz" wrap="square" lIns="91440" tIns="45720" rIns="91440" bIns="45720" numCol="1" anchor="t" anchorCtr="0" compatLnSpc="1">
-            <a:prstTxWarp prst="textNoShape">
-              <a:avLst/>
-            </a:prstTxWarp>
-          </a:bodyPr>
-          <a:lstStyle>
-            <a:lvl1pPr marL="342900" indent="-342900" algn="l" rtl="0" eaLnBrk="0" fontAlgn="base" hangingPunct="0">
-              <a:spcBef>
-                <a:spcPct val="20000"/>
-              </a:spcBef>
-              <a:spcAft>
-                <a:spcPct val="0"/>
-              </a:spcAft>
-              <a:buChar char="•"/>
-              <a:defRPr sz="3200" kern="1200">
-                <a:solidFill>
-                  <a:schemeClr val="tx1"/>
-                </a:solidFill>
-                <a:latin typeface="+mn-lt"/>
-                <a:ea typeface="+mn-ea"/>
-                <a:cs typeface="+mn-cs"/>
-              </a:defRPr>
-            </a:lvl1pPr>
-            <a:lvl2pPr marL="742950" indent="-285750" algn="l" rtl="0" eaLnBrk="0" fontAlgn="base" hangingPunct="0">
-              <a:spcBef>
-                <a:spcPct val="20000"/>
-              </a:spcBef>
-              <a:spcAft>
-                <a:spcPct val="0"/>
-              </a:spcAft>
-              <a:buChar char="–"/>
-              <a:defRPr sz="2800" kern="1200">
-                <a:solidFill>
-                  <a:schemeClr val="tx1"/>
-                </a:solidFill>
-                <a:latin typeface="+mn-lt"/>
-                <a:ea typeface="+mn-ea"/>
-                <a:cs typeface="+mn-cs"/>
-              </a:defRPr>
-            </a:lvl2pPr>
-            <a:lvl3pPr marL="1143000" indent="-228600" algn="l" rtl="0" eaLnBrk="0" fontAlgn="base" hangingPunct="0">
-              <a:spcBef>
-                <a:spcPct val="20000"/>
-              </a:spcBef>
-              <a:spcAft>
-                <a:spcPct val="0"/>
-              </a:spcAft>
-              <a:buChar char="•"/>
-              <a:defRPr sz="2400" kern="1200">
-                <a:solidFill>
-                  <a:schemeClr val="tx1"/>
-                </a:solidFill>
-                <a:latin typeface="+mn-lt"/>
-                <a:ea typeface="+mn-ea"/>
-                <a:cs typeface="+mn-cs"/>
-              </a:defRPr>
-            </a:lvl3pPr>
-            <a:lvl4pPr marL="1600200" indent="-228600" algn="l" rtl="0" eaLnBrk="0" fontAlgn="base" hangingPunct="0">
-              <a:spcBef>
-                <a:spcPct val="20000"/>
-              </a:spcBef>
-              <a:spcAft>
-                <a:spcPct val="0"/>
-              </a:spcAft>
-              <a:buChar char="–"/>
-              <a:defRPr sz="2000" kern="1200">
-                <a:solidFill>
-                  <a:schemeClr val="tx1"/>
-                </a:solidFill>
-                <a:latin typeface="+mn-lt"/>
-                <a:ea typeface="+mn-ea"/>
-                <a:cs typeface="+mn-cs"/>
-              </a:defRPr>
-            </a:lvl4pPr>
-            <a:lvl5pPr marL="2057400" indent="-228600" algn="l" rtl="0" eaLnBrk="0" fontAlgn="base" hangingPunct="0">
-              <a:spcBef>
-                <a:spcPct val="20000"/>
-              </a:spcBef>
-              <a:spcAft>
-                <a:spcPct val="0"/>
-              </a:spcAft>
-              <a:buChar char="»"/>
-              <a:defRPr sz="2000" kern="1200">
-                <a:solidFill>
-                  <a:schemeClr val="tx1"/>
-                </a:solidFill>
-                <a:latin typeface="+mn-lt"/>
-                <a:ea typeface="+mn-ea"/>
-                <a:cs typeface="+mn-cs"/>
-              </a:defRPr>
-            </a:lvl5pPr>
-            <a:lvl6pPr marL="2514600" indent="-228600" algn="l" defTabSz="914400" rtl="0" eaLnBrk="1" latinLnBrk="0" hangingPunct="1">
-              <a:lnSpc>
-                <a:spcPct val="90000"/>
-              </a:lnSpc>
-              <a:spcBef>
-                <a:spcPts val="500"/>
-              </a:spcBef>
-              <a:buFont typeface="Arial" panose="020B0604020202020204" pitchFamily="34" charset="0"/>
-              <a:buChar char="•"/>
-              <a:defRPr sz="1800" kern="1200">
-                <a:solidFill>
-                  <a:schemeClr val="tx1"/>
-                </a:solidFill>
-                <a:latin typeface="+mn-lt"/>
-                <a:ea typeface="+mn-ea"/>
-                <a:cs typeface="+mn-cs"/>
-              </a:defRPr>
-            </a:lvl6pPr>
-            <a:lvl7pPr marL="2971800" indent="-228600" algn="l" defTabSz="914400" rtl="0" eaLnBrk="1" latinLnBrk="0" hangingPunct="1">
-              <a:lnSpc>
-                <a:spcPct val="90000"/>
-              </a:lnSpc>
-              <a:spcBef>
-                <a:spcPts val="500"/>
-              </a:spcBef>
-              <a:buFont typeface="Arial" panose="020B0604020202020204" pitchFamily="34" charset="0"/>
-              <a:buChar char="•"/>
-              <a:defRPr sz="1800" kern="1200">
-                <a:solidFill>
-                  <a:schemeClr val="tx1"/>
-                </a:solidFill>
-                <a:latin typeface="+mn-lt"/>
-                <a:ea typeface="+mn-ea"/>
-                <a:cs typeface="+mn-cs"/>
-              </a:defRPr>
-            </a:lvl7pPr>
-            <a:lvl8pPr marL="3429000" indent="-228600" algn="l" defTabSz="914400" rtl="0" eaLnBrk="1" latinLnBrk="0" hangingPunct="1">
-              <a:lnSpc>
-                <a:spcPct val="90000"/>
-              </a:lnSpc>
-              <a:spcBef>
-                <a:spcPts val="500"/>
-              </a:spcBef>
-              <a:buFont typeface="Arial" panose="020B0604020202020204" pitchFamily="34" charset="0"/>
-              <a:buChar char="•"/>
-              <a:defRPr sz="1800" kern="1200">
-                <a:solidFill>
-                  <a:schemeClr val="tx1"/>
-                </a:solidFill>
-                <a:latin typeface="+mn-lt"/>
-                <a:ea typeface="+mn-ea"/>
-                <a:cs typeface="+mn-cs"/>
-              </a:defRPr>
-            </a:lvl8pPr>
-            <a:lvl9pPr marL="3886200" indent="-228600" algn="l" defTabSz="914400" rtl="0" eaLnBrk="1" latinLnBrk="0" hangingPunct="1">
-              <a:lnSpc>
-                <a:spcPct val="90000"/>
-              </a:lnSpc>
-              <a:spcBef>
-                <a:spcPts val="500"/>
-              </a:spcBef>
-              <a:buFont typeface="Arial" panose="020B0604020202020204" pitchFamily="34" charset="0"/>
-              <a:buChar char="•"/>
-              <a:defRPr sz="1800" kern="1200">
-                <a:solidFill>
-                  <a:schemeClr val="tx1"/>
-                </a:solidFill>
-                <a:latin typeface="+mn-lt"/>
-                <a:ea typeface="+mn-ea"/>
-                <a:cs typeface="+mn-cs"/>
-              </a:defRPr>
-            </a:lvl9pPr>
-          </a:lstStyle>
+          <a:bodyPr/>
+          <a:lstStyle/>
           <a:p>
             <a:pPr marL="457200" lvl="1" indent="0">
               <a:buNone/>
             </a:pPr>
             <a:r>
               <a:rPr lang="pt-BR" sz="2600" b="1" dirty="0"/>
-              <a:t>Administrativo:</a:t>
+              <a:t>Karatê</a:t>
+            </a:r>
+            <a:r>
+              <a:rPr lang="pt-BR" sz="2600" dirty="0"/>
+              <a:t>:</a:t>
             </a:r>
           </a:p>
           <a:p>
@@ -18383,17 +18411,7 @@
             </a:pPr>
             <a:r>
               <a:rPr lang="pt-BR" sz="2600" dirty="0"/>
-              <a:t>Cadastro de alunos e acompanhamento da periodicidade de exames de graduação.</a:t>
-            </a:r>
-          </a:p>
-          <a:p>
-            <a:pPr marL="457200" lvl="1" indent="0">
-              <a:buFontTx/>
-              <a:buNone/>
-            </a:pPr>
-            <a:r>
-              <a:rPr lang="pt-BR" sz="2600" b="1" dirty="0"/>
-              <a:t>Financeiro: </a:t>
+              <a:t>Arte marcial originada no Japão que combina técnicas de ataque e defesa</a:t>
             </a:r>
           </a:p>
           <a:p>
@@ -18403,7 +18421,7 @@
             </a:pPr>
             <a:r>
               <a:rPr lang="pt-BR" sz="2600" dirty="0"/>
-              <a:t>Controle de mensalidades, pagamentos e cobranças.</a:t>
+              <a:t>Coordenação motora, força, disciplina e respeito</a:t>
             </a:r>
           </a:p>
           <a:p>
@@ -18412,7 +18430,11 @@
             </a:pPr>
             <a:r>
               <a:rPr lang="pt-BR" sz="2600" b="1" dirty="0"/>
-              <a:t>Sistema:</a:t>
+              <a:t>Exames</a:t>
+            </a:r>
+            <a:r>
+              <a:rPr lang="pt-BR" sz="2600" dirty="0"/>
+              <a:t>: </a:t>
             </a:r>
           </a:p>
           <a:p>
@@ -18422,7 +18444,7 @@
             </a:pPr>
             <a:r>
               <a:rPr lang="pt-BR" sz="2600" dirty="0"/>
-              <a:t>Acelera os processos gerenciais</a:t>
+              <a:t>Avaliação técnica, teórica, maturidade e valores da arte marcial</a:t>
             </a:r>
           </a:p>
           <a:p>
@@ -18432,8 +18454,29 @@
             </a:pPr>
             <a:r>
               <a:rPr lang="pt-BR" sz="2600" dirty="0"/>
-              <a:t>Reduz taxa de erros ao fazer isso de forma automatizada</a:t>
-            </a:r>
+              <a:t> Avaliação do </a:t>
+            </a:r>
+            <a:r>
+              <a:rPr lang="pt-BR" sz="2600" dirty="0" err="1"/>
+              <a:t>Kata</a:t>
+            </a:r>
+            <a:r>
+              <a:rPr lang="pt-BR" sz="2600" dirty="0"/>
+              <a:t>, </a:t>
+            </a:r>
+            <a:r>
+              <a:rPr lang="pt-BR" sz="2600" dirty="0" err="1"/>
+              <a:t>Kihon</a:t>
+            </a:r>
+            <a:r>
+              <a:rPr lang="pt-BR" sz="2600" dirty="0"/>
+              <a:t> e </a:t>
+            </a:r>
+            <a:r>
+              <a:rPr lang="pt-BR" sz="2600" dirty="0" err="1"/>
+              <a:t>Kumite</a:t>
+            </a:r>
+            <a:endParaRPr lang="pt-BR" sz="2600" dirty="0"/>
           </a:p>
           <a:p>
             <a:pPr lvl="1">
@@ -18442,7 +18485,17 @@
             </a:pPr>
             <a:r>
               <a:rPr lang="pt-BR" sz="2600" dirty="0"/>
-              <a:t>Centraliza informações e facilita manutenção dos registros</a:t>
+              <a:t>Importante para a motivação do aluno</a:t>
+            </a:r>
+          </a:p>
+          <a:p>
+            <a:pPr lvl="1">
+              <a:buFont typeface="Arial" panose="020B0604020202020204" pitchFamily="34" charset="0"/>
+              <a:buChar char="•"/>
+            </a:pPr>
+            <a:r>
+              <a:rPr lang="pt-BR" sz="2600" dirty="0"/>
+              <a:t>Periodicidade é individual e depende da evolução e horas de treino</a:t>
             </a:r>
           </a:p>
           <a:p>
@@ -18480,6 +18533,11 @@
         </p:txBody>
       </p:sp>
     </p:spTree>
+    <p:extLst>
+      <p:ext uri="{BB962C8B-B14F-4D97-AF65-F5344CB8AC3E}">
+        <p14:creationId xmlns:p14="http://schemas.microsoft.com/office/powerpoint/2010/main" val="2139923658"/>
+      </p:ext>
+    </p:extLst>
   </p:cSld>
   <p:clrMapOvr>
     <a:masterClrMapping/>
@@ -18520,7 +18578,12 @@
             <p:ph type="title"/>
           </p:nvPr>
         </p:nvSpPr>
-        <p:spPr/>
+        <p:spPr>
+          <a:xfrm>
+            <a:off x="-400050" y="274638"/>
+            <a:ext cx="9925050" cy="1143000"/>
+          </a:xfrm>
+        </p:spPr>
         <p:txBody>
           <a:bodyPr/>
           <a:lstStyle/>
@@ -18529,7 +18592,7 @@
               <a:defRPr/>
             </a:pPr>
             <a:r>
-              <a:rPr lang="pt-BR" altLang="pt-BR" b="1" dirty="0" err="1">
+              <a:rPr lang="pt-BR" altLang="pt-BR" sz="4000" b="1" dirty="0">
                 <a:effectLst>
                   <a:outerShdw blurRad="38100" dist="38100" dir="2700000" algn="tl">
                     <a:srgbClr val="000000">
@@ -18538,17 +18601,8 @@
                   </a:outerShdw>
                 </a:effectLst>
               </a:rPr>
-              <a:t>Chatbot</a:t>
-            </a:r>
-            <a:endParaRPr lang="pt-BR" altLang="pt-BR" b="1" dirty="0">
-              <a:effectLst>
-                <a:outerShdw blurRad="38100" dist="38100" dir="2700000" algn="tl">
-                  <a:srgbClr val="000000">
-                    <a:alpha val="43137"/>
-                  </a:srgbClr>
-                </a:outerShdw>
-              </a:effectLst>
-            </a:endParaRPr>
+              <a:t>Controle administrativo e financeiro</a:t>
+            </a:r>
           </a:p>
         </p:txBody>
       </p:sp>
@@ -18742,6 +18796,833 @@
                 <a:buNone/>
               </a:pPr>
               <a:t>21</a:t>
+            </a:fld>
+            <a:endParaRPr lang="pt-BR" altLang="pt-BR" sz="1400"/>
+          </a:p>
+        </p:txBody>
+      </p:sp>
+      <p:sp>
+        <p:nvSpPr>
+          <p:cNvPr id="3" name="Content Placeholder 2">
+            <a:extLst>
+              <a:ext uri="{FF2B5EF4-FFF2-40B4-BE49-F238E27FC236}">
+                <a16:creationId xmlns:a16="http://schemas.microsoft.com/office/drawing/2014/main" id="{215DEF78-F17C-92B4-ED57-4A83168BD7D5}"/>
+              </a:ext>
+            </a:extLst>
+          </p:cNvPr>
+          <p:cNvSpPr txBox="1">
+            <a:spLocks/>
+          </p:cNvSpPr>
+          <p:nvPr/>
+        </p:nvSpPr>
+        <p:spPr bwMode="auto">
+          <a:xfrm>
+            <a:off x="609600" y="1752600"/>
+            <a:ext cx="8229600" cy="4525963"/>
+          </a:xfrm>
+          <a:prstGeom prst="rect">
+            <a:avLst/>
+          </a:prstGeom>
+          <a:noFill/>
+          <a:ln>
+            <a:noFill/>
+          </a:ln>
+          <a:effectLst/>
+          <a:extLst>
+            <a:ext uri="{909E8E84-426E-40DD-AFC4-6F175D3DCCD1}">
+              <a14:hiddenFill xmlns:a14="http://schemas.microsoft.com/office/drawing/2010/main">
+                <a:solidFill>
+                  <a:schemeClr val="accent1"/>
+                </a:solidFill>
+              </a14:hiddenFill>
+            </a:ext>
+            <a:ext uri="{91240B29-F687-4F45-9708-019B960494DF}">
+              <a14:hiddenLine xmlns:a14="http://schemas.microsoft.com/office/drawing/2010/main" w="9525">
+                <a:solidFill>
+                  <a:schemeClr val="tx1"/>
+                </a:solidFill>
+                <a:miter lim="800000"/>
+                <a:headEnd/>
+                <a:tailEnd/>
+              </a14:hiddenLine>
+            </a:ext>
+            <a:ext uri="{AF507438-7753-43E0-B8FC-AC1667EBCBE1}">
+              <a14:hiddenEffects xmlns:a14="http://schemas.microsoft.com/office/drawing/2010/main">
+                <a:effectLst>
+                  <a:outerShdw dist="35921" dir="2700000" algn="ctr" rotWithShape="0">
+                    <a:schemeClr val="bg2"/>
+                  </a:outerShdw>
+                </a:effectLst>
+              </a14:hiddenEffects>
+            </a:ext>
+          </a:extLst>
+        </p:spPr>
+        <p:txBody>
+          <a:bodyPr vert="horz" wrap="square" lIns="91440" tIns="45720" rIns="91440" bIns="45720" numCol="1" anchor="t" anchorCtr="0" compatLnSpc="1">
+            <a:prstTxWarp prst="textNoShape">
+              <a:avLst/>
+            </a:prstTxWarp>
+          </a:bodyPr>
+          <a:lstStyle>
+            <a:lvl1pPr marL="342900" indent="-342900" algn="l" rtl="0" eaLnBrk="0" fontAlgn="base" hangingPunct="0">
+              <a:spcBef>
+                <a:spcPct val="20000"/>
+              </a:spcBef>
+              <a:spcAft>
+                <a:spcPct val="0"/>
+              </a:spcAft>
+              <a:buChar char="•"/>
+              <a:defRPr sz="3200" kern="1200">
+                <a:solidFill>
+                  <a:schemeClr val="tx1"/>
+                </a:solidFill>
+                <a:latin typeface="+mn-lt"/>
+                <a:ea typeface="+mn-ea"/>
+                <a:cs typeface="+mn-cs"/>
+              </a:defRPr>
+            </a:lvl1pPr>
+            <a:lvl2pPr marL="742950" indent="-285750" algn="l" rtl="0" eaLnBrk="0" fontAlgn="base" hangingPunct="0">
+              <a:spcBef>
+                <a:spcPct val="20000"/>
+              </a:spcBef>
+              <a:spcAft>
+                <a:spcPct val="0"/>
+              </a:spcAft>
+              <a:buChar char="–"/>
+              <a:defRPr sz="2800" kern="1200">
+                <a:solidFill>
+                  <a:schemeClr val="tx1"/>
+                </a:solidFill>
+                <a:latin typeface="+mn-lt"/>
+                <a:ea typeface="+mn-ea"/>
+                <a:cs typeface="+mn-cs"/>
+              </a:defRPr>
+            </a:lvl2pPr>
+            <a:lvl3pPr marL="1143000" indent="-228600" algn="l" rtl="0" eaLnBrk="0" fontAlgn="base" hangingPunct="0">
+              <a:spcBef>
+                <a:spcPct val="20000"/>
+              </a:spcBef>
+              <a:spcAft>
+                <a:spcPct val="0"/>
+              </a:spcAft>
+              <a:buChar char="•"/>
+              <a:defRPr sz="2400" kern="1200">
+                <a:solidFill>
+                  <a:schemeClr val="tx1"/>
+                </a:solidFill>
+                <a:latin typeface="+mn-lt"/>
+                <a:ea typeface="+mn-ea"/>
+                <a:cs typeface="+mn-cs"/>
+              </a:defRPr>
+            </a:lvl3pPr>
+            <a:lvl4pPr marL="1600200" indent="-228600" algn="l" rtl="0" eaLnBrk="0" fontAlgn="base" hangingPunct="0">
+              <a:spcBef>
+                <a:spcPct val="20000"/>
+              </a:spcBef>
+              <a:spcAft>
+                <a:spcPct val="0"/>
+              </a:spcAft>
+              <a:buChar char="–"/>
+              <a:defRPr sz="2000" kern="1200">
+                <a:solidFill>
+                  <a:schemeClr val="tx1"/>
+                </a:solidFill>
+                <a:latin typeface="+mn-lt"/>
+                <a:ea typeface="+mn-ea"/>
+                <a:cs typeface="+mn-cs"/>
+              </a:defRPr>
+            </a:lvl4pPr>
+            <a:lvl5pPr marL="2057400" indent="-228600" algn="l" rtl="0" eaLnBrk="0" fontAlgn="base" hangingPunct="0">
+              <a:spcBef>
+                <a:spcPct val="20000"/>
+              </a:spcBef>
+              <a:spcAft>
+                <a:spcPct val="0"/>
+              </a:spcAft>
+              <a:buChar char="»"/>
+              <a:defRPr sz="2000" kern="1200">
+                <a:solidFill>
+                  <a:schemeClr val="tx1"/>
+                </a:solidFill>
+                <a:latin typeface="+mn-lt"/>
+                <a:ea typeface="+mn-ea"/>
+                <a:cs typeface="+mn-cs"/>
+              </a:defRPr>
+            </a:lvl5pPr>
+            <a:lvl6pPr marL="2514600" indent="-228600" algn="l" defTabSz="914400" rtl="0" eaLnBrk="1" latinLnBrk="0" hangingPunct="1">
+              <a:lnSpc>
+                <a:spcPct val="90000"/>
+              </a:lnSpc>
+              <a:spcBef>
+                <a:spcPts val="500"/>
+              </a:spcBef>
+              <a:buFont typeface="Arial" panose="020B0604020202020204" pitchFamily="34" charset="0"/>
+              <a:buChar char="•"/>
+              <a:defRPr sz="1800" kern="1200">
+                <a:solidFill>
+                  <a:schemeClr val="tx1"/>
+                </a:solidFill>
+                <a:latin typeface="+mn-lt"/>
+                <a:ea typeface="+mn-ea"/>
+                <a:cs typeface="+mn-cs"/>
+              </a:defRPr>
+            </a:lvl6pPr>
+            <a:lvl7pPr marL="2971800" indent="-228600" algn="l" defTabSz="914400" rtl="0" eaLnBrk="1" latinLnBrk="0" hangingPunct="1">
+              <a:lnSpc>
+                <a:spcPct val="90000"/>
+              </a:lnSpc>
+              <a:spcBef>
+                <a:spcPts val="500"/>
+              </a:spcBef>
+              <a:buFont typeface="Arial" panose="020B0604020202020204" pitchFamily="34" charset="0"/>
+              <a:buChar char="•"/>
+              <a:defRPr sz="1800" kern="1200">
+                <a:solidFill>
+                  <a:schemeClr val="tx1"/>
+                </a:solidFill>
+                <a:latin typeface="+mn-lt"/>
+                <a:ea typeface="+mn-ea"/>
+                <a:cs typeface="+mn-cs"/>
+              </a:defRPr>
+            </a:lvl7pPr>
+            <a:lvl8pPr marL="3429000" indent="-228600" algn="l" defTabSz="914400" rtl="0" eaLnBrk="1" latinLnBrk="0" hangingPunct="1">
+              <a:lnSpc>
+                <a:spcPct val="90000"/>
+              </a:lnSpc>
+              <a:spcBef>
+                <a:spcPts val="500"/>
+              </a:spcBef>
+              <a:buFont typeface="Arial" panose="020B0604020202020204" pitchFamily="34" charset="0"/>
+              <a:buChar char="•"/>
+              <a:defRPr sz="1800" kern="1200">
+                <a:solidFill>
+                  <a:schemeClr val="tx1"/>
+                </a:solidFill>
+                <a:latin typeface="+mn-lt"/>
+                <a:ea typeface="+mn-ea"/>
+                <a:cs typeface="+mn-cs"/>
+              </a:defRPr>
+            </a:lvl8pPr>
+            <a:lvl9pPr marL="3886200" indent="-228600" algn="l" defTabSz="914400" rtl="0" eaLnBrk="1" latinLnBrk="0" hangingPunct="1">
+              <a:lnSpc>
+                <a:spcPct val="90000"/>
+              </a:lnSpc>
+              <a:spcBef>
+                <a:spcPts val="500"/>
+              </a:spcBef>
+              <a:buFont typeface="Arial" panose="020B0604020202020204" pitchFamily="34" charset="0"/>
+              <a:buChar char="•"/>
+              <a:defRPr sz="1800" kern="1200">
+                <a:solidFill>
+                  <a:schemeClr val="tx1"/>
+                </a:solidFill>
+                <a:latin typeface="+mn-lt"/>
+                <a:ea typeface="+mn-ea"/>
+                <a:cs typeface="+mn-cs"/>
+              </a:defRPr>
+            </a:lvl9pPr>
+          </a:lstStyle>
+          <a:p>
+            <a:endParaRPr lang="pt-BR"/>
+          </a:p>
+        </p:txBody>
+      </p:sp>
+      <p:sp>
+        <p:nvSpPr>
+          <p:cNvPr id="5" name="Espaço Reservado para Conteúdo 2">
+            <a:extLst>
+              <a:ext uri="{FF2B5EF4-FFF2-40B4-BE49-F238E27FC236}">
+                <a16:creationId xmlns:a16="http://schemas.microsoft.com/office/drawing/2014/main" id="{39290545-2117-9843-0497-0B351776344C}"/>
+              </a:ext>
+            </a:extLst>
+          </p:cNvPr>
+          <p:cNvSpPr txBox="1">
+            <a:spLocks noChangeArrowheads="1"/>
+          </p:cNvSpPr>
+          <p:nvPr/>
+        </p:nvSpPr>
+        <p:spPr bwMode="auto">
+          <a:xfrm>
+            <a:off x="-90488" y="1446211"/>
+            <a:ext cx="9324975" cy="5148263"/>
+          </a:xfrm>
+          <a:prstGeom prst="rect">
+            <a:avLst/>
+          </a:prstGeom>
+          <a:noFill/>
+          <a:ln>
+            <a:noFill/>
+          </a:ln>
+          <a:effectLst/>
+          <a:extLst>
+            <a:ext uri="{909E8E84-426E-40DD-AFC4-6F175D3DCCD1}">
+              <a14:hiddenFill xmlns:a14="http://schemas.microsoft.com/office/drawing/2010/main">
+                <a:solidFill>
+                  <a:schemeClr val="accent1"/>
+                </a:solidFill>
+              </a14:hiddenFill>
+            </a:ext>
+            <a:ext uri="{91240B29-F687-4F45-9708-019B960494DF}">
+              <a14:hiddenLine xmlns:a14="http://schemas.microsoft.com/office/drawing/2010/main" w="9525">
+                <a:solidFill>
+                  <a:schemeClr val="tx1"/>
+                </a:solidFill>
+                <a:miter lim="800000"/>
+                <a:headEnd/>
+                <a:tailEnd/>
+              </a14:hiddenLine>
+            </a:ext>
+            <a:ext uri="{AF507438-7753-43E0-B8FC-AC1667EBCBE1}">
+              <a14:hiddenEffects xmlns:a14="http://schemas.microsoft.com/office/drawing/2010/main">
+                <a:effectLst>
+                  <a:outerShdw dist="35921" dir="2700000" algn="ctr" rotWithShape="0">
+                    <a:schemeClr val="bg2"/>
+                  </a:outerShdw>
+                </a:effectLst>
+              </a14:hiddenEffects>
+            </a:ext>
+          </a:extLst>
+        </p:spPr>
+        <p:txBody>
+          <a:bodyPr vert="horz" wrap="square" lIns="91440" tIns="45720" rIns="91440" bIns="45720" numCol="1" anchor="t" anchorCtr="0" compatLnSpc="1">
+            <a:prstTxWarp prst="textNoShape">
+              <a:avLst/>
+            </a:prstTxWarp>
+          </a:bodyPr>
+          <a:lstStyle>
+            <a:lvl1pPr marL="342900" indent="-342900" algn="l" rtl="0" eaLnBrk="0" fontAlgn="base" hangingPunct="0">
+              <a:spcBef>
+                <a:spcPct val="20000"/>
+              </a:spcBef>
+              <a:spcAft>
+                <a:spcPct val="0"/>
+              </a:spcAft>
+              <a:buChar char="•"/>
+              <a:defRPr sz="3200" kern="1200">
+                <a:solidFill>
+                  <a:schemeClr val="tx1"/>
+                </a:solidFill>
+                <a:latin typeface="+mn-lt"/>
+                <a:ea typeface="+mn-ea"/>
+                <a:cs typeface="+mn-cs"/>
+              </a:defRPr>
+            </a:lvl1pPr>
+            <a:lvl2pPr marL="742950" indent="-285750" algn="l" rtl="0" eaLnBrk="0" fontAlgn="base" hangingPunct="0">
+              <a:spcBef>
+                <a:spcPct val="20000"/>
+              </a:spcBef>
+              <a:spcAft>
+                <a:spcPct val="0"/>
+              </a:spcAft>
+              <a:buChar char="–"/>
+              <a:defRPr sz="2800" kern="1200">
+                <a:solidFill>
+                  <a:schemeClr val="tx1"/>
+                </a:solidFill>
+                <a:latin typeface="+mn-lt"/>
+                <a:ea typeface="+mn-ea"/>
+                <a:cs typeface="+mn-cs"/>
+              </a:defRPr>
+            </a:lvl2pPr>
+            <a:lvl3pPr marL="1143000" indent="-228600" algn="l" rtl="0" eaLnBrk="0" fontAlgn="base" hangingPunct="0">
+              <a:spcBef>
+                <a:spcPct val="20000"/>
+              </a:spcBef>
+              <a:spcAft>
+                <a:spcPct val="0"/>
+              </a:spcAft>
+              <a:buChar char="•"/>
+              <a:defRPr sz="2400" kern="1200">
+                <a:solidFill>
+                  <a:schemeClr val="tx1"/>
+                </a:solidFill>
+                <a:latin typeface="+mn-lt"/>
+                <a:ea typeface="+mn-ea"/>
+                <a:cs typeface="+mn-cs"/>
+              </a:defRPr>
+            </a:lvl3pPr>
+            <a:lvl4pPr marL="1600200" indent="-228600" algn="l" rtl="0" eaLnBrk="0" fontAlgn="base" hangingPunct="0">
+              <a:spcBef>
+                <a:spcPct val="20000"/>
+              </a:spcBef>
+              <a:spcAft>
+                <a:spcPct val="0"/>
+              </a:spcAft>
+              <a:buChar char="–"/>
+              <a:defRPr sz="2000" kern="1200">
+                <a:solidFill>
+                  <a:schemeClr val="tx1"/>
+                </a:solidFill>
+                <a:latin typeface="+mn-lt"/>
+                <a:ea typeface="+mn-ea"/>
+                <a:cs typeface="+mn-cs"/>
+              </a:defRPr>
+            </a:lvl4pPr>
+            <a:lvl5pPr marL="2057400" indent="-228600" algn="l" rtl="0" eaLnBrk="0" fontAlgn="base" hangingPunct="0">
+              <a:spcBef>
+                <a:spcPct val="20000"/>
+              </a:spcBef>
+              <a:spcAft>
+                <a:spcPct val="0"/>
+              </a:spcAft>
+              <a:buChar char="»"/>
+              <a:defRPr sz="2000" kern="1200">
+                <a:solidFill>
+                  <a:schemeClr val="tx1"/>
+                </a:solidFill>
+                <a:latin typeface="+mn-lt"/>
+                <a:ea typeface="+mn-ea"/>
+                <a:cs typeface="+mn-cs"/>
+              </a:defRPr>
+            </a:lvl5pPr>
+            <a:lvl6pPr marL="2514600" indent="-228600" algn="l" defTabSz="914400" rtl="0" eaLnBrk="1" latinLnBrk="0" hangingPunct="1">
+              <a:lnSpc>
+                <a:spcPct val="90000"/>
+              </a:lnSpc>
+              <a:spcBef>
+                <a:spcPts val="500"/>
+              </a:spcBef>
+              <a:buFont typeface="Arial" panose="020B0604020202020204" pitchFamily="34" charset="0"/>
+              <a:buChar char="•"/>
+              <a:defRPr sz="1800" kern="1200">
+                <a:solidFill>
+                  <a:schemeClr val="tx1"/>
+                </a:solidFill>
+                <a:latin typeface="+mn-lt"/>
+                <a:ea typeface="+mn-ea"/>
+                <a:cs typeface="+mn-cs"/>
+              </a:defRPr>
+            </a:lvl6pPr>
+            <a:lvl7pPr marL="2971800" indent="-228600" algn="l" defTabSz="914400" rtl="0" eaLnBrk="1" latinLnBrk="0" hangingPunct="1">
+              <a:lnSpc>
+                <a:spcPct val="90000"/>
+              </a:lnSpc>
+              <a:spcBef>
+                <a:spcPts val="500"/>
+              </a:spcBef>
+              <a:buFont typeface="Arial" panose="020B0604020202020204" pitchFamily="34" charset="0"/>
+              <a:buChar char="•"/>
+              <a:defRPr sz="1800" kern="1200">
+                <a:solidFill>
+                  <a:schemeClr val="tx1"/>
+                </a:solidFill>
+                <a:latin typeface="+mn-lt"/>
+                <a:ea typeface="+mn-ea"/>
+                <a:cs typeface="+mn-cs"/>
+              </a:defRPr>
+            </a:lvl7pPr>
+            <a:lvl8pPr marL="3429000" indent="-228600" algn="l" defTabSz="914400" rtl="0" eaLnBrk="1" latinLnBrk="0" hangingPunct="1">
+              <a:lnSpc>
+                <a:spcPct val="90000"/>
+              </a:lnSpc>
+              <a:spcBef>
+                <a:spcPts val="500"/>
+              </a:spcBef>
+              <a:buFont typeface="Arial" panose="020B0604020202020204" pitchFamily="34" charset="0"/>
+              <a:buChar char="•"/>
+              <a:defRPr sz="1800" kern="1200">
+                <a:solidFill>
+                  <a:schemeClr val="tx1"/>
+                </a:solidFill>
+                <a:latin typeface="+mn-lt"/>
+                <a:ea typeface="+mn-ea"/>
+                <a:cs typeface="+mn-cs"/>
+              </a:defRPr>
+            </a:lvl8pPr>
+            <a:lvl9pPr marL="3886200" indent="-228600" algn="l" defTabSz="914400" rtl="0" eaLnBrk="1" latinLnBrk="0" hangingPunct="1">
+              <a:lnSpc>
+                <a:spcPct val="90000"/>
+              </a:lnSpc>
+              <a:spcBef>
+                <a:spcPts val="500"/>
+              </a:spcBef>
+              <a:buFont typeface="Arial" panose="020B0604020202020204" pitchFamily="34" charset="0"/>
+              <a:buChar char="•"/>
+              <a:defRPr sz="1800" kern="1200">
+                <a:solidFill>
+                  <a:schemeClr val="tx1"/>
+                </a:solidFill>
+                <a:latin typeface="+mn-lt"/>
+                <a:ea typeface="+mn-ea"/>
+                <a:cs typeface="+mn-cs"/>
+              </a:defRPr>
+            </a:lvl9pPr>
+          </a:lstStyle>
+          <a:p>
+            <a:pPr marL="457200" lvl="1" indent="0">
+              <a:buNone/>
+            </a:pPr>
+            <a:r>
+              <a:rPr lang="pt-BR" sz="2600" b="1" dirty="0"/>
+              <a:t>Administrativo:</a:t>
+            </a:r>
+          </a:p>
+          <a:p>
+            <a:pPr lvl="1">
+              <a:buFont typeface="Arial" panose="020B0604020202020204" pitchFamily="34" charset="0"/>
+              <a:buChar char="•"/>
+            </a:pPr>
+            <a:r>
+              <a:rPr lang="pt-BR" sz="2600" dirty="0"/>
+              <a:t>Cadastro de alunos e acompanhamento da periodicidade de exames de graduação</a:t>
+            </a:r>
+          </a:p>
+          <a:p>
+            <a:pPr marL="457200" lvl="1" indent="0">
+              <a:buFontTx/>
+              <a:buNone/>
+            </a:pPr>
+            <a:r>
+              <a:rPr lang="pt-BR" sz="2600" b="1" dirty="0"/>
+              <a:t>Financeiro: </a:t>
+            </a:r>
+          </a:p>
+          <a:p>
+            <a:pPr lvl="1">
+              <a:buFont typeface="Arial" panose="020B0604020202020204" pitchFamily="34" charset="0"/>
+              <a:buChar char="•"/>
+            </a:pPr>
+            <a:r>
+              <a:rPr lang="pt-BR" sz="2600" dirty="0"/>
+              <a:t>Controle de mensalidades, pagamentos e cobranças</a:t>
+            </a:r>
+          </a:p>
+          <a:p>
+            <a:pPr marL="457200" lvl="1" indent="0">
+              <a:buNone/>
+            </a:pPr>
+            <a:r>
+              <a:rPr lang="pt-BR" sz="2600" b="1" dirty="0"/>
+              <a:t>Sistema:</a:t>
+            </a:r>
+          </a:p>
+          <a:p>
+            <a:pPr lvl="1">
+              <a:buFont typeface="Arial" panose="020B0604020202020204" pitchFamily="34" charset="0"/>
+              <a:buChar char="•"/>
+            </a:pPr>
+            <a:r>
+              <a:rPr lang="pt-BR" sz="2600" dirty="0"/>
+              <a:t>Acelera os processos gerenciais</a:t>
+            </a:r>
+          </a:p>
+          <a:p>
+            <a:pPr lvl="1">
+              <a:buFont typeface="Arial" panose="020B0604020202020204" pitchFamily="34" charset="0"/>
+              <a:buChar char="•"/>
+            </a:pPr>
+            <a:r>
+              <a:rPr lang="pt-BR" sz="2600" dirty="0"/>
+              <a:t>Reduz taxa de erros ao fazer isso de forma automatizada</a:t>
+            </a:r>
+          </a:p>
+          <a:p>
+            <a:pPr lvl="1">
+              <a:buFont typeface="Arial" panose="020B0604020202020204" pitchFamily="34" charset="0"/>
+              <a:buChar char="•"/>
+            </a:pPr>
+            <a:r>
+              <a:rPr lang="pt-BR" sz="2600" dirty="0"/>
+              <a:t>Centraliza informações e facilita manutenção dos registros</a:t>
+            </a:r>
+          </a:p>
+          <a:p>
+            <a:pPr lvl="1">
+              <a:buFont typeface="Arial" panose="020B0604020202020204" pitchFamily="34" charset="0"/>
+              <a:buChar char="•"/>
+            </a:pPr>
+            <a:endParaRPr lang="pt-BR" sz="2600" dirty="0"/>
+          </a:p>
+          <a:p>
+            <a:pPr lvl="1">
+              <a:buFont typeface="Arial" panose="020B0604020202020204" pitchFamily="34" charset="0"/>
+              <a:buChar char="•"/>
+            </a:pPr>
+            <a:endParaRPr lang="pt-BR" dirty="0"/>
+          </a:p>
+          <a:p>
+            <a:pPr lvl="1">
+              <a:buFont typeface="Arial" panose="020B0604020202020204" pitchFamily="34" charset="0"/>
+              <a:buChar char="•"/>
+            </a:pPr>
+            <a:endParaRPr lang="pt-BR" dirty="0"/>
+          </a:p>
+          <a:p>
+            <a:pPr lvl="1">
+              <a:buFont typeface="Arial" panose="020B0604020202020204" pitchFamily="34" charset="0"/>
+              <a:buChar char="•"/>
+            </a:pPr>
+            <a:endParaRPr lang="pt-BR" dirty="0"/>
+          </a:p>
+          <a:p>
+            <a:pPr eaLnBrk="1" hangingPunct="1"/>
+            <a:endParaRPr lang="pt-BR" altLang="pt-BR" dirty="0"/>
+          </a:p>
+        </p:txBody>
+      </p:sp>
+    </p:spTree>
+  </p:cSld>
+  <p:clrMapOvr>
+    <a:masterClrMapping/>
+  </p:clrMapOvr>
+</p:sld>
+</file>
+
+<file path=ppt/slides/slide22.xml><?xml version="1.0" encoding="utf-8"?>
+<p:sld xmlns:a="http://schemas.openxmlformats.org/drawingml/2006/main" xmlns:r="http://schemas.openxmlformats.org/officeDocument/2006/relationships" xmlns:p="http://schemas.openxmlformats.org/presentationml/2006/main">
+  <p:cSld>
+    <p:spTree>
+      <p:nvGrpSpPr>
+        <p:cNvPr id="1" name=""/>
+        <p:cNvGrpSpPr/>
+        <p:nvPr/>
+      </p:nvGrpSpPr>
+      <p:grpSpPr>
+        <a:xfrm>
+          <a:off x="0" y="0"/>
+          <a:ext cx="0" cy="0"/>
+          <a:chOff x="0" y="0"/>
+          <a:chExt cx="0" cy="0"/>
+        </a:xfrm>
+      </p:grpSpPr>
+      <p:sp>
+        <p:nvSpPr>
+          <p:cNvPr id="12290" name="Título 1">
+            <a:extLst>
+              <a:ext uri="{FF2B5EF4-FFF2-40B4-BE49-F238E27FC236}">
+                <a16:creationId xmlns:a16="http://schemas.microsoft.com/office/drawing/2014/main" id="{47867EA9-F2B2-45C1-5E6C-781E956980E1}"/>
+              </a:ext>
+            </a:extLst>
+          </p:cNvPr>
+          <p:cNvSpPr>
+            <a:spLocks noGrp="1" noChangeArrowheads="1"/>
+          </p:cNvSpPr>
+          <p:nvPr>
+            <p:ph type="title"/>
+          </p:nvPr>
+        </p:nvSpPr>
+        <p:spPr/>
+        <p:txBody>
+          <a:bodyPr/>
+          <a:lstStyle/>
+          <a:p>
+            <a:pPr eaLnBrk="1" hangingPunct="1">
+              <a:defRPr/>
+            </a:pPr>
+            <a:r>
+              <a:rPr lang="pt-BR" altLang="pt-BR" b="1" dirty="0" err="1">
+                <a:effectLst>
+                  <a:outerShdw blurRad="38100" dist="38100" dir="2700000" algn="tl">
+                    <a:srgbClr val="000000">
+                      <a:alpha val="43137"/>
+                    </a:srgbClr>
+                  </a:outerShdw>
+                </a:effectLst>
+              </a:rPr>
+              <a:t>Chatbot</a:t>
+            </a:r>
+            <a:endParaRPr lang="pt-BR" altLang="pt-BR" b="1" dirty="0">
+              <a:effectLst>
+                <a:outerShdw blurRad="38100" dist="38100" dir="2700000" algn="tl">
+                  <a:srgbClr val="000000">
+                    <a:alpha val="43137"/>
+                  </a:srgbClr>
+                </a:outerShdw>
+              </a:effectLst>
+            </a:endParaRPr>
+          </a:p>
+        </p:txBody>
+      </p:sp>
+      <p:sp>
+        <p:nvSpPr>
+          <p:cNvPr id="21508" name="CaixaDeTexto 3">
+            <a:extLst>
+              <a:ext uri="{FF2B5EF4-FFF2-40B4-BE49-F238E27FC236}">
+                <a16:creationId xmlns:a16="http://schemas.microsoft.com/office/drawing/2014/main" id="{DBF65859-7F65-7A0C-5703-67C7078A80A1}"/>
+              </a:ext>
+            </a:extLst>
+          </p:cNvPr>
+          <p:cNvSpPr txBox="1">
+            <a:spLocks noChangeArrowheads="1"/>
+          </p:cNvSpPr>
+          <p:nvPr/>
+        </p:nvSpPr>
+        <p:spPr bwMode="auto">
+          <a:xfrm>
+            <a:off x="8243888" y="52388"/>
+            <a:ext cx="841375" cy="307975"/>
+          </a:xfrm>
+          <a:prstGeom prst="rect">
+            <a:avLst/>
+          </a:prstGeom>
+          <a:noFill/>
+          <a:ln>
+            <a:noFill/>
+          </a:ln>
+          <a:extLst>
+            <a:ext uri="{909E8E84-426E-40DD-AFC4-6F175D3DCCD1}">
+              <a14:hiddenFill xmlns:a14="http://schemas.microsoft.com/office/drawing/2010/main">
+                <a:solidFill>
+                  <a:srgbClr val="FFFFFF"/>
+                </a:solidFill>
+              </a14:hiddenFill>
+            </a:ext>
+            <a:ext uri="{91240B29-F687-4F45-9708-019B960494DF}">
+              <a14:hiddenLine xmlns:a14="http://schemas.microsoft.com/office/drawing/2010/main" w="9525">
+                <a:solidFill>
+                  <a:srgbClr val="000000"/>
+                </a:solidFill>
+                <a:miter lim="800000"/>
+                <a:headEnd/>
+                <a:tailEnd/>
+              </a14:hiddenLine>
+            </a:ext>
+          </a:extLst>
+        </p:spPr>
+        <p:txBody>
+          <a:bodyPr>
+            <a:spAutoFit/>
+          </a:bodyPr>
+          <a:lstStyle>
+            <a:lvl1pPr>
+              <a:spcBef>
+                <a:spcPct val="20000"/>
+              </a:spcBef>
+              <a:buChar char="•"/>
+              <a:defRPr sz="3200">
+                <a:solidFill>
+                  <a:schemeClr val="tx1"/>
+                </a:solidFill>
+                <a:latin typeface="Arial" panose="020B0604020202020204" pitchFamily="34" charset="0"/>
+              </a:defRPr>
+            </a:lvl1pPr>
+            <a:lvl2pPr marL="742950" indent="-285750">
+              <a:spcBef>
+                <a:spcPct val="20000"/>
+              </a:spcBef>
+              <a:buChar char="–"/>
+              <a:defRPr sz="2800">
+                <a:solidFill>
+                  <a:schemeClr val="tx1"/>
+                </a:solidFill>
+                <a:latin typeface="Arial" panose="020B0604020202020204" pitchFamily="34" charset="0"/>
+              </a:defRPr>
+            </a:lvl2pPr>
+            <a:lvl3pPr marL="1143000" indent="-228600">
+              <a:spcBef>
+                <a:spcPct val="20000"/>
+              </a:spcBef>
+              <a:buChar char="•"/>
+              <a:defRPr sz="2400">
+                <a:solidFill>
+                  <a:schemeClr val="tx1"/>
+                </a:solidFill>
+                <a:latin typeface="Arial" panose="020B0604020202020204" pitchFamily="34" charset="0"/>
+              </a:defRPr>
+            </a:lvl3pPr>
+            <a:lvl4pPr marL="1600200" indent="-228600">
+              <a:spcBef>
+                <a:spcPct val="20000"/>
+              </a:spcBef>
+              <a:buChar char="–"/>
+              <a:defRPr sz="2000">
+                <a:solidFill>
+                  <a:schemeClr val="tx1"/>
+                </a:solidFill>
+                <a:latin typeface="Arial" panose="020B0604020202020204" pitchFamily="34" charset="0"/>
+              </a:defRPr>
+            </a:lvl4pPr>
+            <a:lvl5pPr marL="2057400" indent="-228600">
+              <a:spcBef>
+                <a:spcPct val="20000"/>
+              </a:spcBef>
+              <a:buChar char="»"/>
+              <a:defRPr sz="2000">
+                <a:solidFill>
+                  <a:schemeClr val="tx1"/>
+                </a:solidFill>
+                <a:latin typeface="Arial" panose="020B0604020202020204" pitchFamily="34" charset="0"/>
+              </a:defRPr>
+            </a:lvl5pPr>
+            <a:lvl6pPr marL="2514600" indent="-228600" eaLnBrk="0" fontAlgn="base" hangingPunct="0">
+              <a:spcBef>
+                <a:spcPct val="20000"/>
+              </a:spcBef>
+              <a:spcAft>
+                <a:spcPct val="0"/>
+              </a:spcAft>
+              <a:buChar char="»"/>
+              <a:defRPr sz="2000">
+                <a:solidFill>
+                  <a:schemeClr val="tx1"/>
+                </a:solidFill>
+                <a:latin typeface="Arial" panose="020B0604020202020204" pitchFamily="34" charset="0"/>
+              </a:defRPr>
+            </a:lvl6pPr>
+            <a:lvl7pPr marL="2971800" indent="-228600" eaLnBrk="0" fontAlgn="base" hangingPunct="0">
+              <a:spcBef>
+                <a:spcPct val="20000"/>
+              </a:spcBef>
+              <a:spcAft>
+                <a:spcPct val="0"/>
+              </a:spcAft>
+              <a:buChar char="»"/>
+              <a:defRPr sz="2000">
+                <a:solidFill>
+                  <a:schemeClr val="tx1"/>
+                </a:solidFill>
+                <a:latin typeface="Arial" panose="020B0604020202020204" pitchFamily="34" charset="0"/>
+              </a:defRPr>
+            </a:lvl7pPr>
+            <a:lvl8pPr marL="3429000" indent="-228600" eaLnBrk="0" fontAlgn="base" hangingPunct="0">
+              <a:spcBef>
+                <a:spcPct val="20000"/>
+              </a:spcBef>
+              <a:spcAft>
+                <a:spcPct val="0"/>
+              </a:spcAft>
+              <a:buChar char="»"/>
+              <a:defRPr sz="2000">
+                <a:solidFill>
+                  <a:schemeClr val="tx1"/>
+                </a:solidFill>
+                <a:latin typeface="Arial" panose="020B0604020202020204" pitchFamily="34" charset="0"/>
+              </a:defRPr>
+            </a:lvl8pPr>
+            <a:lvl9pPr marL="3886200" indent="-228600" eaLnBrk="0" fontAlgn="base" hangingPunct="0">
+              <a:spcBef>
+                <a:spcPct val="20000"/>
+              </a:spcBef>
+              <a:spcAft>
+                <a:spcPct val="0"/>
+              </a:spcAft>
+              <a:buChar char="»"/>
+              <a:defRPr sz="2000">
+                <a:solidFill>
+                  <a:schemeClr val="tx1"/>
+                </a:solidFill>
+                <a:latin typeface="Arial" panose="020B0604020202020204" pitchFamily="34" charset="0"/>
+              </a:defRPr>
+            </a:lvl9pPr>
+          </a:lstStyle>
+          <a:p>
+            <a:pPr algn="r" eaLnBrk="1" hangingPunct="1">
+              <a:spcBef>
+                <a:spcPct val="0"/>
+              </a:spcBef>
+              <a:buFontTx/>
+              <a:buNone/>
+            </a:pPr>
+            <a:fld id="{1DEA3737-3EE6-45B0-9E6D-D1119BBA5BD5}" type="slidenum">
+              <a:rPr lang="pt-BR" altLang="pt-BR" sz="1400"/>
+              <a:pPr algn="r" eaLnBrk="1" hangingPunct="1">
+                <a:spcBef>
+                  <a:spcPct val="0"/>
+                </a:spcBef>
+                <a:buFontTx/>
+                <a:buNone/>
+              </a:pPr>
+              <a:t>22</a:t>
             </a:fld>
             <a:endParaRPr lang="pt-BR" altLang="pt-BR" sz="1400"/>
           </a:p>
@@ -19046,7 +19927,7 @@
             </a:pPr>
             <a:r>
               <a:rPr lang="pt-BR" sz="2600" dirty="0"/>
-              <a:t>AM: Conhecimento a partir de dados existentes. Previsão e classificação.</a:t>
+              <a:t>AM: Conhecimento a partir de dados existentes. Previsão e classificação</a:t>
             </a:r>
           </a:p>
           <a:p>
@@ -19089,7 +19970,3043 @@
 </p:sld>
 </file>
 
-<file path=ppt/slides/slide22.xml><?xml version="1.0" encoding="utf-8"?>
+<file path=ppt/slides/slide23.xml><?xml version="1.0" encoding="utf-8"?>
+<p:sld xmlns:a="http://schemas.openxmlformats.org/drawingml/2006/main" xmlns:r="http://schemas.openxmlformats.org/officeDocument/2006/relationships" xmlns:p="http://schemas.openxmlformats.org/presentationml/2006/main">
+  <p:cSld>
+    <p:spTree>
+      <p:nvGrpSpPr>
+        <p:cNvPr id="1" name=""/>
+        <p:cNvGrpSpPr/>
+        <p:nvPr/>
+      </p:nvGrpSpPr>
+      <p:grpSpPr>
+        <a:xfrm>
+          <a:off x="0" y="0"/>
+          <a:ext cx="0" cy="0"/>
+          <a:chOff x="0" y="0"/>
+          <a:chExt cx="0" cy="0"/>
+        </a:xfrm>
+      </p:grpSpPr>
+      <p:sp>
+        <p:nvSpPr>
+          <p:cNvPr id="12290" name="Título 1">
+            <a:extLst>
+              <a:ext uri="{FF2B5EF4-FFF2-40B4-BE49-F238E27FC236}">
+                <a16:creationId xmlns:a16="http://schemas.microsoft.com/office/drawing/2014/main" id="{47867EA9-F2B2-45C1-5E6C-781E956980E1}"/>
+              </a:ext>
+            </a:extLst>
+          </p:cNvPr>
+          <p:cNvSpPr>
+            <a:spLocks noGrp="1" noChangeArrowheads="1"/>
+          </p:cNvSpPr>
+          <p:nvPr>
+            <p:ph type="title"/>
+          </p:nvPr>
+        </p:nvSpPr>
+        <p:spPr>
+          <a:xfrm>
+            <a:off x="457199" y="-211137"/>
+            <a:ext cx="8229600" cy="1143000"/>
+          </a:xfrm>
+        </p:spPr>
+        <p:txBody>
+          <a:bodyPr/>
+          <a:lstStyle/>
+          <a:p>
+            <a:pPr eaLnBrk="1" hangingPunct="1">
+              <a:defRPr/>
+            </a:pPr>
+            <a:r>
+              <a:rPr lang="pt-BR" altLang="pt-BR" sz="3800" b="1" dirty="0">
+                <a:effectLst>
+                  <a:outerShdw blurRad="38100" dist="38100" dir="2700000" algn="tl">
+                    <a:srgbClr val="000000">
+                      <a:alpha val="43137"/>
+                    </a:srgbClr>
+                  </a:outerShdw>
+                </a:effectLst>
+              </a:rPr>
+              <a:t>Referências</a:t>
+            </a:r>
+          </a:p>
+        </p:txBody>
+      </p:sp>
+      <p:sp>
+        <p:nvSpPr>
+          <p:cNvPr id="21508" name="CaixaDeTexto 3">
+            <a:extLst>
+              <a:ext uri="{FF2B5EF4-FFF2-40B4-BE49-F238E27FC236}">
+                <a16:creationId xmlns:a16="http://schemas.microsoft.com/office/drawing/2014/main" id="{DBF65859-7F65-7A0C-5703-67C7078A80A1}"/>
+              </a:ext>
+            </a:extLst>
+          </p:cNvPr>
+          <p:cNvSpPr txBox="1">
+            <a:spLocks noChangeArrowheads="1"/>
+          </p:cNvSpPr>
+          <p:nvPr/>
+        </p:nvSpPr>
+        <p:spPr bwMode="auto">
+          <a:xfrm>
+            <a:off x="8243888" y="52388"/>
+            <a:ext cx="841375" cy="307975"/>
+          </a:xfrm>
+          <a:prstGeom prst="rect">
+            <a:avLst/>
+          </a:prstGeom>
+          <a:noFill/>
+          <a:ln>
+            <a:noFill/>
+          </a:ln>
+          <a:extLst>
+            <a:ext uri="{909E8E84-426E-40DD-AFC4-6F175D3DCCD1}">
+              <a14:hiddenFill xmlns:a14="http://schemas.microsoft.com/office/drawing/2010/main">
+                <a:solidFill>
+                  <a:srgbClr val="FFFFFF"/>
+                </a:solidFill>
+              </a14:hiddenFill>
+            </a:ext>
+            <a:ext uri="{91240B29-F687-4F45-9708-019B960494DF}">
+              <a14:hiddenLine xmlns:a14="http://schemas.microsoft.com/office/drawing/2010/main" w="9525">
+                <a:solidFill>
+                  <a:srgbClr val="000000"/>
+                </a:solidFill>
+                <a:miter lim="800000"/>
+                <a:headEnd/>
+                <a:tailEnd/>
+              </a14:hiddenLine>
+            </a:ext>
+          </a:extLst>
+        </p:spPr>
+        <p:txBody>
+          <a:bodyPr>
+            <a:spAutoFit/>
+          </a:bodyPr>
+          <a:lstStyle>
+            <a:lvl1pPr>
+              <a:spcBef>
+                <a:spcPct val="20000"/>
+              </a:spcBef>
+              <a:buChar char="•"/>
+              <a:defRPr sz="3200">
+                <a:solidFill>
+                  <a:schemeClr val="tx1"/>
+                </a:solidFill>
+                <a:latin typeface="Arial" panose="020B0604020202020204" pitchFamily="34" charset="0"/>
+              </a:defRPr>
+            </a:lvl1pPr>
+            <a:lvl2pPr marL="742950" indent="-285750">
+              <a:spcBef>
+                <a:spcPct val="20000"/>
+              </a:spcBef>
+              <a:buChar char="–"/>
+              <a:defRPr sz="2800">
+                <a:solidFill>
+                  <a:schemeClr val="tx1"/>
+                </a:solidFill>
+                <a:latin typeface="Arial" panose="020B0604020202020204" pitchFamily="34" charset="0"/>
+              </a:defRPr>
+            </a:lvl2pPr>
+            <a:lvl3pPr marL="1143000" indent="-228600">
+              <a:spcBef>
+                <a:spcPct val="20000"/>
+              </a:spcBef>
+              <a:buChar char="•"/>
+              <a:defRPr sz="2400">
+                <a:solidFill>
+                  <a:schemeClr val="tx1"/>
+                </a:solidFill>
+                <a:latin typeface="Arial" panose="020B0604020202020204" pitchFamily="34" charset="0"/>
+              </a:defRPr>
+            </a:lvl3pPr>
+            <a:lvl4pPr marL="1600200" indent="-228600">
+              <a:spcBef>
+                <a:spcPct val="20000"/>
+              </a:spcBef>
+              <a:buChar char="–"/>
+              <a:defRPr sz="2000">
+                <a:solidFill>
+                  <a:schemeClr val="tx1"/>
+                </a:solidFill>
+                <a:latin typeface="Arial" panose="020B0604020202020204" pitchFamily="34" charset="0"/>
+              </a:defRPr>
+            </a:lvl4pPr>
+            <a:lvl5pPr marL="2057400" indent="-228600">
+              <a:spcBef>
+                <a:spcPct val="20000"/>
+              </a:spcBef>
+              <a:buChar char="»"/>
+              <a:defRPr sz="2000">
+                <a:solidFill>
+                  <a:schemeClr val="tx1"/>
+                </a:solidFill>
+                <a:latin typeface="Arial" panose="020B0604020202020204" pitchFamily="34" charset="0"/>
+              </a:defRPr>
+            </a:lvl5pPr>
+            <a:lvl6pPr marL="2514600" indent="-228600" eaLnBrk="0" fontAlgn="base" hangingPunct="0">
+              <a:spcBef>
+                <a:spcPct val="20000"/>
+              </a:spcBef>
+              <a:spcAft>
+                <a:spcPct val="0"/>
+              </a:spcAft>
+              <a:buChar char="»"/>
+              <a:defRPr sz="2000">
+                <a:solidFill>
+                  <a:schemeClr val="tx1"/>
+                </a:solidFill>
+                <a:latin typeface="Arial" panose="020B0604020202020204" pitchFamily="34" charset="0"/>
+              </a:defRPr>
+            </a:lvl6pPr>
+            <a:lvl7pPr marL="2971800" indent="-228600" eaLnBrk="0" fontAlgn="base" hangingPunct="0">
+              <a:spcBef>
+                <a:spcPct val="20000"/>
+              </a:spcBef>
+              <a:spcAft>
+                <a:spcPct val="0"/>
+              </a:spcAft>
+              <a:buChar char="»"/>
+              <a:defRPr sz="2000">
+                <a:solidFill>
+                  <a:schemeClr val="tx1"/>
+                </a:solidFill>
+                <a:latin typeface="Arial" panose="020B0604020202020204" pitchFamily="34" charset="0"/>
+              </a:defRPr>
+            </a:lvl7pPr>
+            <a:lvl8pPr marL="3429000" indent="-228600" eaLnBrk="0" fontAlgn="base" hangingPunct="0">
+              <a:spcBef>
+                <a:spcPct val="20000"/>
+              </a:spcBef>
+              <a:spcAft>
+                <a:spcPct val="0"/>
+              </a:spcAft>
+              <a:buChar char="»"/>
+              <a:defRPr sz="2000">
+                <a:solidFill>
+                  <a:schemeClr val="tx1"/>
+                </a:solidFill>
+                <a:latin typeface="Arial" panose="020B0604020202020204" pitchFamily="34" charset="0"/>
+              </a:defRPr>
+            </a:lvl8pPr>
+            <a:lvl9pPr marL="3886200" indent="-228600" eaLnBrk="0" fontAlgn="base" hangingPunct="0">
+              <a:spcBef>
+                <a:spcPct val="20000"/>
+              </a:spcBef>
+              <a:spcAft>
+                <a:spcPct val="0"/>
+              </a:spcAft>
+              <a:buChar char="»"/>
+              <a:defRPr sz="2000">
+                <a:solidFill>
+                  <a:schemeClr val="tx1"/>
+                </a:solidFill>
+                <a:latin typeface="Arial" panose="020B0604020202020204" pitchFamily="34" charset="0"/>
+              </a:defRPr>
+            </a:lvl9pPr>
+          </a:lstStyle>
+          <a:p>
+            <a:pPr algn="r" eaLnBrk="1" hangingPunct="1">
+              <a:spcBef>
+                <a:spcPct val="0"/>
+              </a:spcBef>
+              <a:buFontTx/>
+              <a:buNone/>
+            </a:pPr>
+            <a:fld id="{1DEA3737-3EE6-45B0-9E6D-D1119BBA5BD5}" type="slidenum">
+              <a:rPr lang="pt-BR" altLang="pt-BR" sz="1400"/>
+              <a:pPr algn="r" eaLnBrk="1" hangingPunct="1">
+                <a:spcBef>
+                  <a:spcPct val="0"/>
+                </a:spcBef>
+                <a:buFontTx/>
+                <a:buNone/>
+              </a:pPr>
+              <a:t>23</a:t>
+            </a:fld>
+            <a:endParaRPr lang="pt-BR" altLang="pt-BR" sz="1400"/>
+          </a:p>
+        </p:txBody>
+      </p:sp>
+      <p:sp>
+        <p:nvSpPr>
+          <p:cNvPr id="5" name="Espaço Reservado para Conteúdo 2">
+            <a:extLst>
+              <a:ext uri="{FF2B5EF4-FFF2-40B4-BE49-F238E27FC236}">
+                <a16:creationId xmlns:a16="http://schemas.microsoft.com/office/drawing/2014/main" id="{3E53188A-F664-4D2F-61CA-1F72528F95EA}"/>
+              </a:ext>
+            </a:extLst>
+          </p:cNvPr>
+          <p:cNvSpPr txBox="1">
+            <a:spLocks noChangeArrowheads="1"/>
+          </p:cNvSpPr>
+          <p:nvPr/>
+        </p:nvSpPr>
+        <p:spPr bwMode="auto">
+          <a:xfrm>
+            <a:off x="29367" y="623888"/>
+            <a:ext cx="9085263" cy="5572125"/>
+          </a:xfrm>
+          <a:prstGeom prst="rect">
+            <a:avLst/>
+          </a:prstGeom>
+          <a:noFill/>
+          <a:ln>
+            <a:noFill/>
+          </a:ln>
+          <a:effectLst/>
+          <a:extLst>
+            <a:ext uri="{909E8E84-426E-40DD-AFC4-6F175D3DCCD1}">
+              <a14:hiddenFill xmlns:a14="http://schemas.microsoft.com/office/drawing/2010/main">
+                <a:solidFill>
+                  <a:schemeClr val="accent1"/>
+                </a:solidFill>
+              </a14:hiddenFill>
+            </a:ext>
+            <a:ext uri="{91240B29-F687-4F45-9708-019B960494DF}">
+              <a14:hiddenLine xmlns:a14="http://schemas.microsoft.com/office/drawing/2010/main" w="9525">
+                <a:solidFill>
+                  <a:schemeClr val="tx1"/>
+                </a:solidFill>
+                <a:miter lim="800000"/>
+                <a:headEnd/>
+                <a:tailEnd/>
+              </a14:hiddenLine>
+            </a:ext>
+            <a:ext uri="{AF507438-7753-43E0-B8FC-AC1667EBCBE1}">
+              <a14:hiddenEffects xmlns:a14="http://schemas.microsoft.com/office/drawing/2010/main">
+                <a:effectLst>
+                  <a:outerShdw dist="35921" dir="2700000" algn="ctr" rotWithShape="0">
+                    <a:schemeClr val="bg2"/>
+                  </a:outerShdw>
+                </a:effectLst>
+              </a14:hiddenEffects>
+            </a:ext>
+          </a:extLst>
+        </p:spPr>
+        <p:txBody>
+          <a:bodyPr vert="horz" wrap="square" lIns="91440" tIns="45720" rIns="91440" bIns="45720" numCol="1" anchor="t" anchorCtr="0" compatLnSpc="1">
+            <a:prstTxWarp prst="textNoShape">
+              <a:avLst/>
+            </a:prstTxWarp>
+          </a:bodyPr>
+          <a:lstStyle>
+            <a:lvl1pPr marL="342900" indent="-342900" algn="l" rtl="0" eaLnBrk="0" fontAlgn="base" hangingPunct="0">
+              <a:spcBef>
+                <a:spcPct val="20000"/>
+              </a:spcBef>
+              <a:spcAft>
+                <a:spcPct val="0"/>
+              </a:spcAft>
+              <a:buChar char="•"/>
+              <a:defRPr sz="3200" kern="1200">
+                <a:solidFill>
+                  <a:schemeClr val="tx1"/>
+                </a:solidFill>
+                <a:latin typeface="+mn-lt"/>
+                <a:ea typeface="+mn-ea"/>
+                <a:cs typeface="+mn-cs"/>
+              </a:defRPr>
+            </a:lvl1pPr>
+            <a:lvl2pPr marL="742950" indent="-285750" algn="l" rtl="0" eaLnBrk="0" fontAlgn="base" hangingPunct="0">
+              <a:spcBef>
+                <a:spcPct val="20000"/>
+              </a:spcBef>
+              <a:spcAft>
+                <a:spcPct val="0"/>
+              </a:spcAft>
+              <a:buChar char="–"/>
+              <a:defRPr sz="2800" kern="1200">
+                <a:solidFill>
+                  <a:schemeClr val="tx1"/>
+                </a:solidFill>
+                <a:latin typeface="+mn-lt"/>
+                <a:ea typeface="+mn-ea"/>
+                <a:cs typeface="+mn-cs"/>
+              </a:defRPr>
+            </a:lvl2pPr>
+            <a:lvl3pPr marL="1143000" indent="-228600" algn="l" rtl="0" eaLnBrk="0" fontAlgn="base" hangingPunct="0">
+              <a:spcBef>
+                <a:spcPct val="20000"/>
+              </a:spcBef>
+              <a:spcAft>
+                <a:spcPct val="0"/>
+              </a:spcAft>
+              <a:buChar char="•"/>
+              <a:defRPr sz="2400" kern="1200">
+                <a:solidFill>
+                  <a:schemeClr val="tx1"/>
+                </a:solidFill>
+                <a:latin typeface="+mn-lt"/>
+                <a:ea typeface="+mn-ea"/>
+                <a:cs typeface="+mn-cs"/>
+              </a:defRPr>
+            </a:lvl3pPr>
+            <a:lvl4pPr marL="1600200" indent="-228600" algn="l" rtl="0" eaLnBrk="0" fontAlgn="base" hangingPunct="0">
+              <a:spcBef>
+                <a:spcPct val="20000"/>
+              </a:spcBef>
+              <a:spcAft>
+                <a:spcPct val="0"/>
+              </a:spcAft>
+              <a:buChar char="–"/>
+              <a:defRPr sz="2000" kern="1200">
+                <a:solidFill>
+                  <a:schemeClr val="tx1"/>
+                </a:solidFill>
+                <a:latin typeface="+mn-lt"/>
+                <a:ea typeface="+mn-ea"/>
+                <a:cs typeface="+mn-cs"/>
+              </a:defRPr>
+            </a:lvl4pPr>
+            <a:lvl5pPr marL="2057400" indent="-228600" algn="l" rtl="0" eaLnBrk="0" fontAlgn="base" hangingPunct="0">
+              <a:spcBef>
+                <a:spcPct val="20000"/>
+              </a:spcBef>
+              <a:spcAft>
+                <a:spcPct val="0"/>
+              </a:spcAft>
+              <a:buChar char="»"/>
+              <a:defRPr sz="2000" kern="1200">
+                <a:solidFill>
+                  <a:schemeClr val="tx1"/>
+                </a:solidFill>
+                <a:latin typeface="+mn-lt"/>
+                <a:ea typeface="+mn-ea"/>
+                <a:cs typeface="+mn-cs"/>
+              </a:defRPr>
+            </a:lvl5pPr>
+            <a:lvl6pPr marL="2514600" indent="-228600" algn="l" defTabSz="914400" rtl="0" eaLnBrk="1" latinLnBrk="0" hangingPunct="1">
+              <a:lnSpc>
+                <a:spcPct val="90000"/>
+              </a:lnSpc>
+              <a:spcBef>
+                <a:spcPts val="500"/>
+              </a:spcBef>
+              <a:buFont typeface="Arial" panose="020B0604020202020204" pitchFamily="34" charset="0"/>
+              <a:buChar char="•"/>
+              <a:defRPr sz="1800" kern="1200">
+                <a:solidFill>
+                  <a:schemeClr val="tx1"/>
+                </a:solidFill>
+                <a:latin typeface="+mn-lt"/>
+                <a:ea typeface="+mn-ea"/>
+                <a:cs typeface="+mn-cs"/>
+              </a:defRPr>
+            </a:lvl6pPr>
+            <a:lvl7pPr marL="2971800" indent="-228600" algn="l" defTabSz="914400" rtl="0" eaLnBrk="1" latinLnBrk="0" hangingPunct="1">
+              <a:lnSpc>
+                <a:spcPct val="90000"/>
+              </a:lnSpc>
+              <a:spcBef>
+                <a:spcPts val="500"/>
+              </a:spcBef>
+              <a:buFont typeface="Arial" panose="020B0604020202020204" pitchFamily="34" charset="0"/>
+              <a:buChar char="•"/>
+              <a:defRPr sz="1800" kern="1200">
+                <a:solidFill>
+                  <a:schemeClr val="tx1"/>
+                </a:solidFill>
+                <a:latin typeface="+mn-lt"/>
+                <a:ea typeface="+mn-ea"/>
+                <a:cs typeface="+mn-cs"/>
+              </a:defRPr>
+            </a:lvl7pPr>
+            <a:lvl8pPr marL="3429000" indent="-228600" algn="l" defTabSz="914400" rtl="0" eaLnBrk="1" latinLnBrk="0" hangingPunct="1">
+              <a:lnSpc>
+                <a:spcPct val="90000"/>
+              </a:lnSpc>
+              <a:spcBef>
+                <a:spcPts val="500"/>
+              </a:spcBef>
+              <a:buFont typeface="Arial" panose="020B0604020202020204" pitchFamily="34" charset="0"/>
+              <a:buChar char="•"/>
+              <a:defRPr sz="1800" kern="1200">
+                <a:solidFill>
+                  <a:schemeClr val="tx1"/>
+                </a:solidFill>
+                <a:latin typeface="+mn-lt"/>
+                <a:ea typeface="+mn-ea"/>
+                <a:cs typeface="+mn-cs"/>
+              </a:defRPr>
+            </a:lvl8pPr>
+            <a:lvl9pPr marL="3886200" indent="-228600" algn="l" defTabSz="914400" rtl="0" eaLnBrk="1" latinLnBrk="0" hangingPunct="1">
+              <a:lnSpc>
+                <a:spcPct val="90000"/>
+              </a:lnSpc>
+              <a:spcBef>
+                <a:spcPts val="500"/>
+              </a:spcBef>
+              <a:buFont typeface="Arial" panose="020B0604020202020204" pitchFamily="34" charset="0"/>
+              <a:buChar char="•"/>
+              <a:defRPr sz="1800" kern="1200">
+                <a:solidFill>
+                  <a:schemeClr val="tx1"/>
+                </a:solidFill>
+                <a:latin typeface="+mn-lt"/>
+                <a:ea typeface="+mn-ea"/>
+                <a:cs typeface="+mn-cs"/>
+              </a:defRPr>
+            </a:lvl9pPr>
+          </a:lstStyle>
+          <a:p>
+            <a:pPr algn="just">
+              <a:spcBef>
+                <a:spcPts val="1200"/>
+              </a:spcBef>
+              <a:spcAft>
+                <a:spcPts val="600"/>
+              </a:spcAft>
+            </a:pPr>
+            <a:r>
+              <a:rPr lang="pt-BR" sz="1200" dirty="0">
+                <a:effectLst/>
+                <a:latin typeface="Times New Roman" panose="02020603050405020304" pitchFamily="18" charset="0"/>
+                <a:ea typeface="Times New Roman" panose="02020603050405020304" pitchFamily="18" charset="0"/>
+              </a:rPr>
+              <a:t>ADAMOPOULOU, Eleni; MOUSSIADES, </a:t>
+            </a:r>
+            <a:r>
+              <a:rPr lang="pt-BR" sz="1200" dirty="0" err="1">
+                <a:effectLst/>
+                <a:latin typeface="Times New Roman" panose="02020603050405020304" pitchFamily="18" charset="0"/>
+                <a:ea typeface="Times New Roman" panose="02020603050405020304" pitchFamily="18" charset="0"/>
+              </a:rPr>
+              <a:t>Lefteris</a:t>
+            </a:r>
+            <a:r>
+              <a:rPr lang="pt-BR" sz="1200" b="1" dirty="0">
+                <a:effectLst/>
+                <a:latin typeface="Times New Roman" panose="02020603050405020304" pitchFamily="18" charset="0"/>
+                <a:ea typeface="Times New Roman" panose="02020603050405020304" pitchFamily="18" charset="0"/>
+              </a:rPr>
+              <a:t>. </a:t>
+            </a:r>
+            <a:r>
+              <a:rPr lang="pt-BR" sz="1200" b="1" i="1" dirty="0" err="1">
+                <a:effectLst/>
+                <a:latin typeface="Times New Roman" panose="02020603050405020304" pitchFamily="18" charset="0"/>
+                <a:ea typeface="Times New Roman" panose="02020603050405020304" pitchFamily="18" charset="0"/>
+              </a:rPr>
+              <a:t>An</a:t>
+            </a:r>
+            <a:r>
+              <a:rPr lang="pt-BR" sz="1200" b="1" i="1" dirty="0">
+                <a:effectLst/>
+                <a:latin typeface="Times New Roman" panose="02020603050405020304" pitchFamily="18" charset="0"/>
+                <a:ea typeface="Times New Roman" panose="02020603050405020304" pitchFamily="18" charset="0"/>
+              </a:rPr>
+              <a:t> overview </a:t>
+            </a:r>
+            <a:r>
+              <a:rPr lang="pt-BR" sz="1200" b="1" i="1" dirty="0" err="1">
+                <a:effectLst/>
+                <a:latin typeface="Times New Roman" panose="02020603050405020304" pitchFamily="18" charset="0"/>
+                <a:ea typeface="Times New Roman" panose="02020603050405020304" pitchFamily="18" charset="0"/>
+              </a:rPr>
+              <a:t>of</a:t>
+            </a:r>
+            <a:r>
+              <a:rPr lang="pt-BR" sz="1200" b="1" i="1" dirty="0">
+                <a:effectLst/>
+                <a:latin typeface="Times New Roman" panose="02020603050405020304" pitchFamily="18" charset="0"/>
+                <a:ea typeface="Times New Roman" panose="02020603050405020304" pitchFamily="18" charset="0"/>
+              </a:rPr>
+              <a:t> </a:t>
+            </a:r>
+            <a:r>
+              <a:rPr lang="pt-BR" sz="1200" b="1" i="1" dirty="0" err="1">
+                <a:effectLst/>
+                <a:latin typeface="Times New Roman" panose="02020603050405020304" pitchFamily="18" charset="0"/>
+                <a:ea typeface="Times New Roman" panose="02020603050405020304" pitchFamily="18" charset="0"/>
+              </a:rPr>
+              <a:t>chatbot</a:t>
+            </a:r>
+            <a:r>
+              <a:rPr lang="pt-BR" sz="1200" b="1" i="1" dirty="0">
+                <a:effectLst/>
+                <a:latin typeface="Times New Roman" panose="02020603050405020304" pitchFamily="18" charset="0"/>
+                <a:ea typeface="Times New Roman" panose="02020603050405020304" pitchFamily="18" charset="0"/>
+              </a:rPr>
+              <a:t> </a:t>
+            </a:r>
+            <a:r>
+              <a:rPr lang="pt-BR" sz="1200" b="1" i="1" dirty="0" err="1">
+                <a:effectLst/>
+                <a:latin typeface="Times New Roman" panose="02020603050405020304" pitchFamily="18" charset="0"/>
+                <a:ea typeface="Times New Roman" panose="02020603050405020304" pitchFamily="18" charset="0"/>
+              </a:rPr>
+              <a:t>technology</a:t>
+            </a:r>
+            <a:r>
+              <a:rPr lang="pt-BR" sz="1200" i="1" dirty="0">
+                <a:effectLst/>
+                <a:latin typeface="Times New Roman" panose="02020603050405020304" pitchFamily="18" charset="0"/>
+                <a:ea typeface="Times New Roman" panose="02020603050405020304" pitchFamily="18" charset="0"/>
+              </a:rPr>
+              <a:t>.</a:t>
+            </a:r>
+            <a:r>
+              <a:rPr lang="pt-BR" sz="1200" dirty="0">
+                <a:effectLst/>
+                <a:latin typeface="Times New Roman" panose="02020603050405020304" pitchFamily="18" charset="0"/>
+                <a:ea typeface="Times New Roman" panose="02020603050405020304" pitchFamily="18" charset="0"/>
+              </a:rPr>
+              <a:t>  IFIP </a:t>
+            </a:r>
+            <a:r>
+              <a:rPr lang="pt-BR" sz="1200" dirty="0" err="1">
+                <a:effectLst/>
+                <a:latin typeface="Times New Roman" panose="02020603050405020304" pitchFamily="18" charset="0"/>
+                <a:ea typeface="Times New Roman" panose="02020603050405020304" pitchFamily="18" charset="0"/>
+              </a:rPr>
+              <a:t>international</a:t>
+            </a:r>
+            <a:r>
+              <a:rPr lang="pt-BR" sz="1200" dirty="0">
+                <a:effectLst/>
+                <a:latin typeface="Times New Roman" panose="02020603050405020304" pitchFamily="18" charset="0"/>
+                <a:ea typeface="Times New Roman" panose="02020603050405020304" pitchFamily="18" charset="0"/>
+              </a:rPr>
+              <a:t> </a:t>
+            </a:r>
+            <a:r>
+              <a:rPr lang="pt-BR" sz="1200" dirty="0" err="1">
+                <a:effectLst/>
+                <a:latin typeface="Times New Roman" panose="02020603050405020304" pitchFamily="18" charset="0"/>
+                <a:ea typeface="Times New Roman" panose="02020603050405020304" pitchFamily="18" charset="0"/>
+              </a:rPr>
+              <a:t>conference</a:t>
+            </a:r>
+            <a:r>
+              <a:rPr lang="pt-BR" sz="1200" dirty="0">
+                <a:effectLst/>
+                <a:latin typeface="Times New Roman" panose="02020603050405020304" pitchFamily="18" charset="0"/>
+                <a:ea typeface="Times New Roman" panose="02020603050405020304" pitchFamily="18" charset="0"/>
+              </a:rPr>
+              <a:t> </a:t>
+            </a:r>
+            <a:r>
+              <a:rPr lang="pt-BR" sz="1200" dirty="0" err="1">
+                <a:effectLst/>
+                <a:latin typeface="Times New Roman" panose="02020603050405020304" pitchFamily="18" charset="0"/>
+                <a:ea typeface="Times New Roman" panose="02020603050405020304" pitchFamily="18" charset="0"/>
+              </a:rPr>
+              <a:t>on</a:t>
+            </a:r>
+            <a:r>
+              <a:rPr lang="pt-BR" sz="1200" dirty="0">
+                <a:effectLst/>
+                <a:latin typeface="Times New Roman" panose="02020603050405020304" pitchFamily="18" charset="0"/>
+                <a:ea typeface="Times New Roman" panose="02020603050405020304" pitchFamily="18" charset="0"/>
+              </a:rPr>
+              <a:t> artificial </a:t>
+            </a:r>
+            <a:r>
+              <a:rPr lang="pt-BR" sz="1200" dirty="0" err="1">
+                <a:effectLst/>
+                <a:latin typeface="Times New Roman" panose="02020603050405020304" pitchFamily="18" charset="0"/>
+                <a:ea typeface="Times New Roman" panose="02020603050405020304" pitchFamily="18" charset="0"/>
+              </a:rPr>
+              <a:t>intelligence</a:t>
+            </a:r>
+            <a:r>
+              <a:rPr lang="pt-BR" sz="1200" dirty="0">
+                <a:effectLst/>
+                <a:latin typeface="Times New Roman" panose="02020603050405020304" pitchFamily="18" charset="0"/>
+                <a:ea typeface="Times New Roman" panose="02020603050405020304" pitchFamily="18" charset="0"/>
+              </a:rPr>
+              <a:t> </a:t>
+            </a:r>
+            <a:r>
+              <a:rPr lang="pt-BR" sz="1200" dirty="0" err="1">
+                <a:effectLst/>
+                <a:latin typeface="Times New Roman" panose="02020603050405020304" pitchFamily="18" charset="0"/>
+                <a:ea typeface="Times New Roman" panose="02020603050405020304" pitchFamily="18" charset="0"/>
+              </a:rPr>
+              <a:t>applications</a:t>
+            </a:r>
+            <a:r>
+              <a:rPr lang="pt-BR" sz="1200" dirty="0">
+                <a:effectLst/>
+                <a:latin typeface="Times New Roman" panose="02020603050405020304" pitchFamily="18" charset="0"/>
+                <a:ea typeface="Times New Roman" panose="02020603050405020304" pitchFamily="18" charset="0"/>
+              </a:rPr>
+              <a:t> </a:t>
+            </a:r>
+            <a:r>
+              <a:rPr lang="pt-BR" sz="1200" dirty="0" err="1">
+                <a:effectLst/>
+                <a:latin typeface="Times New Roman" panose="02020603050405020304" pitchFamily="18" charset="0"/>
+                <a:ea typeface="Times New Roman" panose="02020603050405020304" pitchFamily="18" charset="0"/>
+              </a:rPr>
+              <a:t>and</a:t>
+            </a:r>
+            <a:r>
+              <a:rPr lang="pt-BR" sz="1200" dirty="0">
+                <a:effectLst/>
+                <a:latin typeface="Times New Roman" panose="02020603050405020304" pitchFamily="18" charset="0"/>
+                <a:ea typeface="Times New Roman" panose="02020603050405020304" pitchFamily="18" charset="0"/>
+              </a:rPr>
+              <a:t> </a:t>
+            </a:r>
+            <a:r>
+              <a:rPr lang="pt-BR" sz="1200" dirty="0" err="1">
+                <a:effectLst/>
+                <a:latin typeface="Times New Roman" panose="02020603050405020304" pitchFamily="18" charset="0"/>
+                <a:ea typeface="Times New Roman" panose="02020603050405020304" pitchFamily="18" charset="0"/>
+              </a:rPr>
+              <a:t>innovations</a:t>
+            </a:r>
+            <a:r>
+              <a:rPr lang="pt-BR" sz="1200" dirty="0">
+                <a:effectLst/>
+                <a:latin typeface="Times New Roman" panose="02020603050405020304" pitchFamily="18" charset="0"/>
+                <a:ea typeface="Times New Roman" panose="02020603050405020304" pitchFamily="18" charset="0"/>
+              </a:rPr>
+              <a:t>. </a:t>
+            </a:r>
+            <a:r>
+              <a:rPr lang="pt-BR" sz="1200" b="1" dirty="0">
+                <a:effectLst/>
+                <a:latin typeface="Times New Roman" panose="02020603050405020304" pitchFamily="18" charset="0"/>
+                <a:ea typeface="Times New Roman" panose="02020603050405020304" pitchFamily="18" charset="0"/>
+              </a:rPr>
+              <a:t>Springer</a:t>
+            </a:r>
+            <a:r>
+              <a:rPr lang="pt-BR" sz="1200" dirty="0">
+                <a:effectLst/>
+                <a:latin typeface="Times New Roman" panose="02020603050405020304" pitchFamily="18" charset="0"/>
+                <a:ea typeface="Times New Roman" panose="02020603050405020304" pitchFamily="18" charset="0"/>
+              </a:rPr>
+              <a:t>, </a:t>
+            </a:r>
+            <a:r>
+              <a:rPr lang="pt-BR" sz="1200" dirty="0" err="1">
+                <a:effectLst/>
+                <a:latin typeface="Times New Roman" panose="02020603050405020304" pitchFamily="18" charset="0"/>
+                <a:ea typeface="Times New Roman" panose="02020603050405020304" pitchFamily="18" charset="0"/>
+              </a:rPr>
+              <a:t>Cham</a:t>
+            </a:r>
+            <a:r>
+              <a:rPr lang="pt-BR" sz="1200" dirty="0">
+                <a:effectLst/>
+                <a:latin typeface="Times New Roman" panose="02020603050405020304" pitchFamily="18" charset="0"/>
+                <a:ea typeface="Times New Roman" panose="02020603050405020304" pitchFamily="18" charset="0"/>
+              </a:rPr>
+              <a:t>, 2020. p. 373-383. Disponível em: https://link.springer.com/</a:t>
+            </a:r>
+            <a:r>
+              <a:rPr lang="pt-BR" sz="1200" dirty="0" err="1">
+                <a:effectLst/>
+                <a:latin typeface="Times New Roman" panose="02020603050405020304" pitchFamily="18" charset="0"/>
+                <a:ea typeface="Times New Roman" panose="02020603050405020304" pitchFamily="18" charset="0"/>
+              </a:rPr>
+              <a:t>chapter</a:t>
+            </a:r>
+            <a:r>
+              <a:rPr lang="pt-BR" sz="1200" dirty="0">
+                <a:effectLst/>
+                <a:latin typeface="Times New Roman" panose="02020603050405020304" pitchFamily="18" charset="0"/>
+                <a:ea typeface="Times New Roman" panose="02020603050405020304" pitchFamily="18" charset="0"/>
+              </a:rPr>
+              <a:t>/10.1007/978-3-030-49186-4_31. Acesso em: 1 set. 2024.</a:t>
+            </a:r>
+          </a:p>
+          <a:p>
+            <a:pPr algn="just"/>
+            <a:r>
+              <a:rPr lang="pt-BR" sz="1200" dirty="0">
+                <a:effectLst/>
+                <a:latin typeface="Times New Roman" panose="02020603050405020304" pitchFamily="18" charset="0"/>
+                <a:ea typeface="Times New Roman" panose="02020603050405020304" pitchFamily="18" charset="0"/>
+              </a:rPr>
+              <a:t>ANSARI, Munira </a:t>
+            </a:r>
+            <a:r>
+              <a:rPr lang="pt-BR" sz="1200" i="1" dirty="0">
+                <a:effectLst/>
+                <a:latin typeface="Times New Roman" panose="02020603050405020304" pitchFamily="18" charset="0"/>
+                <a:ea typeface="Times New Roman" panose="02020603050405020304" pitchFamily="18" charset="0"/>
+              </a:rPr>
+              <a:t>et al</a:t>
+            </a:r>
+            <a:r>
+              <a:rPr lang="pt-BR" sz="1200" dirty="0">
+                <a:effectLst/>
+                <a:latin typeface="Times New Roman" panose="02020603050405020304" pitchFamily="18" charset="0"/>
+                <a:ea typeface="Times New Roman" panose="02020603050405020304" pitchFamily="18" charset="0"/>
+              </a:rPr>
+              <a:t>. </a:t>
+            </a:r>
+            <a:r>
+              <a:rPr lang="pt-BR" sz="1200" b="1" dirty="0" err="1">
+                <a:effectLst/>
+                <a:latin typeface="Times New Roman" panose="02020603050405020304" pitchFamily="18" charset="0"/>
+                <a:ea typeface="Times New Roman" panose="02020603050405020304" pitchFamily="18" charset="0"/>
+              </a:rPr>
+              <a:t>Intelligent</a:t>
+            </a:r>
+            <a:r>
+              <a:rPr lang="pt-BR" sz="1200" b="1" dirty="0">
+                <a:effectLst/>
+                <a:latin typeface="Times New Roman" panose="02020603050405020304" pitchFamily="18" charset="0"/>
+                <a:ea typeface="Times New Roman" panose="02020603050405020304" pitchFamily="18" charset="0"/>
+              </a:rPr>
+              <a:t> </a:t>
+            </a:r>
+            <a:r>
+              <a:rPr lang="pt-BR" sz="1200" b="1" dirty="0" err="1">
+                <a:effectLst/>
+                <a:latin typeface="Times New Roman" panose="02020603050405020304" pitchFamily="18" charset="0"/>
+                <a:ea typeface="Times New Roman" panose="02020603050405020304" pitchFamily="18" charset="0"/>
+              </a:rPr>
+              <a:t>Chatbot</a:t>
+            </a:r>
+            <a:r>
+              <a:rPr lang="pt-BR" sz="1200" dirty="0">
+                <a:effectLst/>
+                <a:latin typeface="Times New Roman" panose="02020603050405020304" pitchFamily="18" charset="0"/>
+                <a:ea typeface="Times New Roman" panose="02020603050405020304" pitchFamily="18" charset="0"/>
+              </a:rPr>
+              <a:t>. </a:t>
+            </a:r>
+            <a:r>
+              <a:rPr lang="pt-BR" sz="1200" dirty="0" err="1">
+                <a:effectLst/>
+                <a:latin typeface="Times New Roman" panose="02020603050405020304" pitchFamily="18" charset="0"/>
+                <a:ea typeface="Times New Roman" panose="02020603050405020304" pitchFamily="18" charset="0"/>
+              </a:rPr>
+              <a:t>International</a:t>
+            </a:r>
+            <a:r>
+              <a:rPr lang="pt-BR" sz="1200" dirty="0">
+                <a:effectLst/>
+                <a:latin typeface="Times New Roman" panose="02020603050405020304" pitchFamily="18" charset="0"/>
+                <a:ea typeface="Times New Roman" panose="02020603050405020304" pitchFamily="18" charset="0"/>
+              </a:rPr>
+              <a:t> </a:t>
+            </a:r>
+            <a:r>
+              <a:rPr lang="pt-BR" sz="1200" dirty="0" err="1">
+                <a:effectLst/>
+                <a:latin typeface="Times New Roman" panose="02020603050405020304" pitchFamily="18" charset="0"/>
+                <a:ea typeface="Times New Roman" panose="02020603050405020304" pitchFamily="18" charset="0"/>
+              </a:rPr>
+              <a:t>Journal</a:t>
+            </a:r>
+            <a:r>
+              <a:rPr lang="pt-BR" sz="1200" dirty="0">
+                <a:effectLst/>
+                <a:latin typeface="Times New Roman" panose="02020603050405020304" pitchFamily="18" charset="0"/>
+                <a:ea typeface="Times New Roman" panose="02020603050405020304" pitchFamily="18" charset="0"/>
+              </a:rPr>
+              <a:t> </a:t>
+            </a:r>
+            <a:r>
+              <a:rPr lang="pt-BR" sz="1200" dirty="0" err="1">
+                <a:effectLst/>
+                <a:latin typeface="Times New Roman" panose="02020603050405020304" pitchFamily="18" charset="0"/>
+                <a:ea typeface="Times New Roman" panose="02020603050405020304" pitchFamily="18" charset="0"/>
+              </a:rPr>
+              <a:t>of</a:t>
+            </a:r>
+            <a:r>
+              <a:rPr lang="pt-BR" sz="1200" dirty="0">
+                <a:effectLst/>
+                <a:latin typeface="Times New Roman" panose="02020603050405020304" pitchFamily="18" charset="0"/>
+                <a:ea typeface="Times New Roman" panose="02020603050405020304" pitchFamily="18" charset="0"/>
+              </a:rPr>
+              <a:t> </a:t>
+            </a:r>
+            <a:r>
+              <a:rPr lang="pt-BR" sz="1200" dirty="0" err="1">
+                <a:effectLst/>
+                <a:latin typeface="Times New Roman" panose="02020603050405020304" pitchFamily="18" charset="0"/>
+                <a:ea typeface="Times New Roman" panose="02020603050405020304" pitchFamily="18" charset="0"/>
+              </a:rPr>
+              <a:t>Engineering</a:t>
+            </a:r>
+            <a:r>
+              <a:rPr lang="pt-BR" sz="1200" dirty="0">
+                <a:effectLst/>
+                <a:latin typeface="Times New Roman" panose="02020603050405020304" pitchFamily="18" charset="0"/>
+                <a:ea typeface="Times New Roman" panose="02020603050405020304" pitchFamily="18" charset="0"/>
+              </a:rPr>
+              <a:t> </a:t>
+            </a:r>
+            <a:r>
+              <a:rPr lang="pt-BR" sz="1200" dirty="0" err="1">
+                <a:effectLst/>
+                <a:latin typeface="Times New Roman" panose="02020603050405020304" pitchFamily="18" charset="0"/>
+                <a:ea typeface="Times New Roman" panose="02020603050405020304" pitchFamily="18" charset="0"/>
+              </a:rPr>
+              <a:t>Research</a:t>
+            </a:r>
+            <a:r>
+              <a:rPr lang="pt-BR" sz="1200" dirty="0">
+                <a:effectLst/>
+                <a:latin typeface="Times New Roman" panose="02020603050405020304" pitchFamily="18" charset="0"/>
+                <a:ea typeface="Times New Roman" panose="02020603050405020304" pitchFamily="18" charset="0"/>
+              </a:rPr>
+              <a:t> &amp; Technology (</a:t>
+            </a:r>
+            <a:r>
+              <a:rPr lang="pt-BR" sz="1200" dirty="0" err="1">
+                <a:effectLst/>
+                <a:latin typeface="Times New Roman" panose="02020603050405020304" pitchFamily="18" charset="0"/>
+                <a:ea typeface="Times New Roman" panose="02020603050405020304" pitchFamily="18" charset="0"/>
+              </a:rPr>
+              <a:t>Ijert</a:t>
+            </a:r>
+            <a:r>
+              <a:rPr lang="pt-BR" sz="1200" dirty="0">
+                <a:effectLst/>
+                <a:latin typeface="Times New Roman" panose="02020603050405020304" pitchFamily="18" charset="0"/>
+                <a:ea typeface="Times New Roman" panose="02020603050405020304" pitchFamily="18" charset="0"/>
+              </a:rPr>
+              <a:t>) </a:t>
+            </a:r>
+            <a:r>
+              <a:rPr lang="pt-BR" sz="1200" dirty="0" err="1">
+                <a:effectLst/>
+                <a:latin typeface="Times New Roman" panose="02020603050405020304" pitchFamily="18" charset="0"/>
+                <a:ea typeface="Times New Roman" panose="02020603050405020304" pitchFamily="18" charset="0"/>
+              </a:rPr>
+              <a:t>Nrest</a:t>
+            </a:r>
+            <a:r>
+              <a:rPr lang="pt-BR" sz="1200" dirty="0">
+                <a:effectLst/>
+                <a:latin typeface="Times New Roman" panose="02020603050405020304" pitchFamily="18" charset="0"/>
+                <a:ea typeface="Times New Roman" panose="02020603050405020304" pitchFamily="18" charset="0"/>
+              </a:rPr>
+              <a:t>.</a:t>
+            </a:r>
+            <a:r>
+              <a:rPr lang="pt-BR" sz="1200" b="1" dirty="0">
+                <a:effectLst/>
+                <a:latin typeface="Times New Roman" panose="02020603050405020304" pitchFamily="18" charset="0"/>
+                <a:ea typeface="Times New Roman" panose="02020603050405020304" pitchFamily="18" charset="0"/>
+              </a:rPr>
+              <a:t> </a:t>
+            </a:r>
+            <a:r>
+              <a:rPr lang="pt-BR" sz="1200" dirty="0">
+                <a:effectLst/>
+                <a:latin typeface="Times New Roman" panose="02020603050405020304" pitchFamily="18" charset="0"/>
+                <a:ea typeface="Times New Roman" panose="02020603050405020304" pitchFamily="18" charset="0"/>
+              </a:rPr>
+              <a:t>2021. Disponível em: https://www.ijert.org/</a:t>
+            </a:r>
+            <a:r>
+              <a:rPr lang="pt-BR" sz="1200" dirty="0" err="1">
+                <a:effectLst/>
+                <a:latin typeface="Times New Roman" panose="02020603050405020304" pitchFamily="18" charset="0"/>
+                <a:ea typeface="Times New Roman" panose="02020603050405020304" pitchFamily="18" charset="0"/>
+              </a:rPr>
+              <a:t>research</a:t>
+            </a:r>
+            <a:r>
+              <a:rPr lang="pt-BR" sz="1200" dirty="0">
+                <a:effectLst/>
+                <a:latin typeface="Times New Roman" panose="02020603050405020304" pitchFamily="18" charset="0"/>
+                <a:ea typeface="Times New Roman" panose="02020603050405020304" pitchFamily="18" charset="0"/>
+              </a:rPr>
+              <a:t>/intelligent-chatbot-IJERTCONV9IS04019.pdf. Acesso em: 1 set. 2024.  </a:t>
+            </a:r>
+          </a:p>
+          <a:p>
+            <a:pPr algn="just">
+              <a:spcAft>
+                <a:spcPts val="600"/>
+              </a:spcAft>
+            </a:pPr>
+            <a:r>
+              <a:rPr lang="pt-BR" sz="1200" dirty="0">
+                <a:effectLst/>
+                <a:latin typeface="Times New Roman" panose="02020603050405020304" pitchFamily="18" charset="0"/>
+                <a:ea typeface="Times New Roman" panose="02020603050405020304" pitchFamily="18" charset="0"/>
+              </a:rPr>
+              <a:t>CARVALHO, André Carlos Ponce de Leon Ferreira </a:t>
+            </a:r>
+            <a:r>
+              <a:rPr lang="pt-BR" sz="1200" i="1" dirty="0">
+                <a:effectLst/>
+                <a:latin typeface="Times New Roman" panose="02020603050405020304" pitchFamily="18" charset="0"/>
+                <a:ea typeface="Times New Roman" panose="02020603050405020304" pitchFamily="18" charset="0"/>
+              </a:rPr>
+              <a:t>et al</a:t>
+            </a:r>
+            <a:r>
+              <a:rPr lang="pt-BR" sz="1200" dirty="0">
+                <a:effectLst/>
+                <a:latin typeface="Times New Roman" panose="02020603050405020304" pitchFamily="18" charset="0"/>
+                <a:ea typeface="Times New Roman" panose="02020603050405020304" pitchFamily="18" charset="0"/>
+              </a:rPr>
+              <a:t>. </a:t>
+            </a:r>
+            <a:r>
+              <a:rPr lang="pt-BR" sz="1200" b="1" dirty="0">
+                <a:effectLst/>
+                <a:latin typeface="Times New Roman" panose="02020603050405020304" pitchFamily="18" charset="0"/>
+                <a:ea typeface="Times New Roman" panose="02020603050405020304" pitchFamily="18" charset="0"/>
+              </a:rPr>
+              <a:t>Inteligência Artificial - Uma Abordagem de Aprendizado de Máquina</a:t>
+            </a:r>
+            <a:r>
+              <a:rPr lang="pt-BR" sz="1200" dirty="0">
+                <a:effectLst/>
+                <a:latin typeface="Times New Roman" panose="02020603050405020304" pitchFamily="18" charset="0"/>
+                <a:ea typeface="Times New Roman" panose="02020603050405020304" pitchFamily="18" charset="0"/>
+              </a:rPr>
+              <a:t>. Grupo GEN, 1. 1 recurso online. Disponível em: https://integrada.minhabiblioteca.com.br/books/9788521637509. Acesso em: 4 set. 2024.</a:t>
+            </a:r>
+          </a:p>
+          <a:p>
+            <a:pPr algn="just">
+              <a:spcAft>
+                <a:spcPts val="600"/>
+              </a:spcAft>
+            </a:pPr>
+            <a:r>
+              <a:rPr lang="pt-BR" sz="1200" dirty="0">
+                <a:effectLst/>
+                <a:latin typeface="Times New Roman" panose="02020603050405020304" pitchFamily="18" charset="0"/>
+                <a:ea typeface="Times New Roman" panose="02020603050405020304" pitchFamily="18" charset="0"/>
+              </a:rPr>
+              <a:t>CHIAVENATO, Idalberto. </a:t>
+            </a:r>
+            <a:r>
+              <a:rPr lang="pt-BR" sz="1200" b="1" dirty="0">
+                <a:effectLst/>
+                <a:latin typeface="Times New Roman" panose="02020603050405020304" pitchFamily="18" charset="0"/>
+                <a:ea typeface="Times New Roman" panose="02020603050405020304" pitchFamily="18" charset="0"/>
+              </a:rPr>
+              <a:t>Introdução à Teoria Geral da Administração</a:t>
+            </a:r>
+            <a:r>
+              <a:rPr lang="pt-BR" sz="1200" dirty="0">
+                <a:effectLst/>
+                <a:latin typeface="Times New Roman" panose="02020603050405020304" pitchFamily="18" charset="0"/>
+                <a:ea typeface="Times New Roman" panose="02020603050405020304" pitchFamily="18" charset="0"/>
+              </a:rPr>
+              <a:t> – Uma Visão Abrangente da Moderna. 10. ed. Rio de Janeiro: Atlas, 2020. </a:t>
+            </a:r>
+          </a:p>
+          <a:p>
+            <a:pPr algn="just">
+              <a:spcAft>
+                <a:spcPts val="600"/>
+              </a:spcAft>
+            </a:pPr>
+            <a:r>
+              <a:rPr lang="pt-BR" sz="1200" dirty="0">
+                <a:effectLst/>
+                <a:latin typeface="Times New Roman" panose="02020603050405020304" pitchFamily="18" charset="0"/>
+                <a:ea typeface="Times New Roman" panose="02020603050405020304" pitchFamily="18" charset="0"/>
+              </a:rPr>
+              <a:t>CHOWDHARY, K. R. Natural </a:t>
+            </a:r>
+            <a:r>
+              <a:rPr lang="pt-BR" sz="1200" dirty="0" err="1">
+                <a:effectLst/>
+                <a:latin typeface="Times New Roman" panose="02020603050405020304" pitchFamily="18" charset="0"/>
+                <a:ea typeface="Times New Roman" panose="02020603050405020304" pitchFamily="18" charset="0"/>
+              </a:rPr>
+              <a:t>language</a:t>
+            </a:r>
+            <a:r>
+              <a:rPr lang="pt-BR" sz="1200" dirty="0">
+                <a:effectLst/>
+                <a:latin typeface="Times New Roman" panose="02020603050405020304" pitchFamily="18" charset="0"/>
+                <a:ea typeface="Times New Roman" panose="02020603050405020304" pitchFamily="18" charset="0"/>
+              </a:rPr>
+              <a:t> </a:t>
+            </a:r>
+            <a:r>
+              <a:rPr lang="pt-BR" sz="1200" dirty="0" err="1">
+                <a:effectLst/>
+                <a:latin typeface="Times New Roman" panose="02020603050405020304" pitchFamily="18" charset="0"/>
+                <a:ea typeface="Times New Roman" panose="02020603050405020304" pitchFamily="18" charset="0"/>
+              </a:rPr>
+              <a:t>processing</a:t>
+            </a:r>
+            <a:r>
+              <a:rPr lang="pt-BR" sz="1200" dirty="0">
+                <a:effectLst/>
+                <a:latin typeface="Times New Roman" panose="02020603050405020304" pitchFamily="18" charset="0"/>
+                <a:ea typeface="Times New Roman" panose="02020603050405020304" pitchFamily="18" charset="0"/>
+              </a:rPr>
+              <a:t>. CHOWDHARY, K. R.</a:t>
+            </a:r>
+            <a:r>
+              <a:rPr lang="pt-BR" sz="1200" b="1" dirty="0">
+                <a:effectLst/>
+                <a:latin typeface="Times New Roman" panose="02020603050405020304" pitchFamily="18" charset="0"/>
+                <a:ea typeface="Times New Roman" panose="02020603050405020304" pitchFamily="18" charset="0"/>
+              </a:rPr>
+              <a:t> Fundamentals </a:t>
+            </a:r>
+            <a:r>
+              <a:rPr lang="pt-BR" sz="1200" b="1" dirty="0" err="1">
+                <a:effectLst/>
+                <a:latin typeface="Times New Roman" panose="02020603050405020304" pitchFamily="18" charset="0"/>
+                <a:ea typeface="Times New Roman" panose="02020603050405020304" pitchFamily="18" charset="0"/>
+              </a:rPr>
+              <a:t>of</a:t>
+            </a:r>
+            <a:r>
+              <a:rPr lang="pt-BR" sz="1200" b="1" dirty="0">
+                <a:effectLst/>
+                <a:latin typeface="Times New Roman" panose="02020603050405020304" pitchFamily="18" charset="0"/>
+                <a:ea typeface="Times New Roman" panose="02020603050405020304" pitchFamily="18" charset="0"/>
+              </a:rPr>
+              <a:t> artificial </a:t>
+            </a:r>
+            <a:r>
+              <a:rPr lang="pt-BR" sz="1200" b="1" dirty="0" err="1">
+                <a:effectLst/>
+                <a:latin typeface="Times New Roman" panose="02020603050405020304" pitchFamily="18" charset="0"/>
+                <a:ea typeface="Times New Roman" panose="02020603050405020304" pitchFamily="18" charset="0"/>
+              </a:rPr>
+              <a:t>intelligence</a:t>
+            </a:r>
+            <a:r>
+              <a:rPr lang="pt-BR" sz="1200" dirty="0">
+                <a:effectLst/>
+                <a:latin typeface="Times New Roman" panose="02020603050405020304" pitchFamily="18" charset="0"/>
+                <a:ea typeface="Times New Roman" panose="02020603050405020304" pitchFamily="18" charset="0"/>
+              </a:rPr>
+              <a:t>. </a:t>
+            </a:r>
+            <a:r>
+              <a:rPr lang="pt-BR" sz="1200" dirty="0" err="1">
+                <a:effectLst/>
+                <a:latin typeface="Times New Roman" panose="02020603050405020304" pitchFamily="18" charset="0"/>
+                <a:ea typeface="Times New Roman" panose="02020603050405020304" pitchFamily="18" charset="0"/>
+              </a:rPr>
+              <a:t>Jodhpur</a:t>
+            </a:r>
+            <a:r>
+              <a:rPr lang="pt-BR" sz="1200" dirty="0">
+                <a:effectLst/>
+                <a:latin typeface="Times New Roman" panose="02020603050405020304" pitchFamily="18" charset="0"/>
+                <a:ea typeface="Times New Roman" panose="02020603050405020304" pitchFamily="18" charset="0"/>
+              </a:rPr>
+              <a:t>, </a:t>
+            </a:r>
+            <a:r>
+              <a:rPr lang="pt-BR" sz="1200" dirty="0" err="1">
+                <a:effectLst/>
+                <a:latin typeface="Times New Roman" panose="02020603050405020304" pitchFamily="18" charset="0"/>
+                <a:ea typeface="Times New Roman" panose="02020603050405020304" pitchFamily="18" charset="0"/>
+              </a:rPr>
+              <a:t>India</a:t>
+            </a:r>
+            <a:r>
+              <a:rPr lang="pt-BR" sz="1200" dirty="0">
+                <a:effectLst/>
+                <a:latin typeface="Times New Roman" panose="02020603050405020304" pitchFamily="18" charset="0"/>
+                <a:ea typeface="Times New Roman" panose="02020603050405020304" pitchFamily="18" charset="0"/>
+              </a:rPr>
+              <a:t>, 2020. cap. 19, p 603-649. Disponível em: https://link.springer.com/</a:t>
+            </a:r>
+            <a:r>
+              <a:rPr lang="pt-BR" sz="1200" dirty="0" err="1">
+                <a:effectLst/>
+                <a:latin typeface="Times New Roman" panose="02020603050405020304" pitchFamily="18" charset="0"/>
+                <a:ea typeface="Times New Roman" panose="02020603050405020304" pitchFamily="18" charset="0"/>
+              </a:rPr>
+              <a:t>chapter</a:t>
+            </a:r>
+            <a:r>
+              <a:rPr lang="pt-BR" sz="1200" dirty="0">
+                <a:effectLst/>
+                <a:latin typeface="Times New Roman" panose="02020603050405020304" pitchFamily="18" charset="0"/>
+                <a:ea typeface="Times New Roman" panose="02020603050405020304" pitchFamily="18" charset="0"/>
+              </a:rPr>
+              <a:t>/10.1007/978-81-322-3972-7_19. Acesso em 01 set. 2024. </a:t>
+            </a:r>
+          </a:p>
+          <a:p>
+            <a:pPr algn="just">
+              <a:spcAft>
+                <a:spcPts val="600"/>
+              </a:spcAft>
+            </a:pPr>
+            <a:r>
+              <a:rPr lang="pt-BR" sz="1200" dirty="0">
+                <a:effectLst/>
+                <a:latin typeface="Times New Roman" panose="02020603050405020304" pitchFamily="18" charset="0"/>
+                <a:ea typeface="Times New Roman" panose="02020603050405020304" pitchFamily="18" charset="0"/>
+              </a:rPr>
+              <a:t>‌CONFEDERAÇÃO BRASILEIRA DE KARATÊ.</a:t>
+            </a:r>
+            <a:r>
+              <a:rPr lang="pt-BR" sz="1200" b="1" dirty="0">
+                <a:effectLst/>
+                <a:latin typeface="Times New Roman" panose="02020603050405020304" pitchFamily="18" charset="0"/>
+                <a:ea typeface="Times New Roman" panose="02020603050405020304" pitchFamily="18" charset="0"/>
+              </a:rPr>
+              <a:t> História-</a:t>
+            </a:r>
+            <a:r>
+              <a:rPr lang="pt-BR" sz="1200" b="1" dirty="0" err="1">
+                <a:effectLst/>
+                <a:latin typeface="Times New Roman" panose="02020603050405020304" pitchFamily="18" charset="0"/>
+                <a:ea typeface="Times New Roman" panose="02020603050405020304" pitchFamily="18" charset="0"/>
+              </a:rPr>
+              <a:t>karate</a:t>
+            </a:r>
+            <a:r>
+              <a:rPr lang="pt-BR" sz="1200" b="1" dirty="0">
+                <a:effectLst/>
+                <a:latin typeface="Times New Roman" panose="02020603050405020304" pitchFamily="18" charset="0"/>
+                <a:ea typeface="Times New Roman" panose="02020603050405020304" pitchFamily="18" charset="0"/>
+              </a:rPr>
+              <a:t>-do-brasil</a:t>
+            </a:r>
+            <a:r>
+              <a:rPr lang="pt-BR" sz="1200" dirty="0">
+                <a:effectLst/>
+                <a:latin typeface="Times New Roman" panose="02020603050405020304" pitchFamily="18" charset="0"/>
+                <a:ea typeface="Times New Roman" panose="02020603050405020304" pitchFamily="18" charset="0"/>
+              </a:rPr>
+              <a:t>. CBK, 2020. Disponível em: https://www.karatedobrasil.com/historia. Acesso em: 1 set. 2024.</a:t>
+            </a:r>
+          </a:p>
+          <a:p>
+            <a:pPr algn="just">
+              <a:spcAft>
+                <a:spcPts val="600"/>
+              </a:spcAft>
+            </a:pPr>
+            <a:r>
+              <a:rPr lang="pt-BR" sz="1200" dirty="0">
+                <a:effectLst/>
+                <a:latin typeface="Times New Roman" panose="02020603050405020304" pitchFamily="18" charset="0"/>
+                <a:ea typeface="Times New Roman" panose="02020603050405020304" pitchFamily="18" charset="0"/>
+              </a:rPr>
+              <a:t>COSTA, Simone </a:t>
+            </a:r>
+            <a:r>
+              <a:rPr lang="pt-BR" sz="1200" dirty="0" err="1">
+                <a:effectLst/>
+                <a:latin typeface="Times New Roman" panose="02020603050405020304" pitchFamily="18" charset="0"/>
+                <a:ea typeface="Times New Roman" panose="02020603050405020304" pitchFamily="18" charset="0"/>
+              </a:rPr>
+              <a:t>Erbs</a:t>
+            </a:r>
+            <a:r>
+              <a:rPr lang="pt-BR" sz="1200" dirty="0">
+                <a:effectLst/>
+                <a:latin typeface="Times New Roman" panose="02020603050405020304" pitchFamily="18" charset="0"/>
+                <a:ea typeface="Times New Roman" panose="02020603050405020304" pitchFamily="18" charset="0"/>
+              </a:rPr>
+              <a:t> da </a:t>
+            </a:r>
+            <a:r>
+              <a:rPr lang="pt-BR" sz="1200" i="1" dirty="0">
+                <a:effectLst/>
+                <a:latin typeface="Times New Roman" panose="02020603050405020304" pitchFamily="18" charset="0"/>
+                <a:ea typeface="Times New Roman" panose="02020603050405020304" pitchFamily="18" charset="0"/>
+              </a:rPr>
+              <a:t>et al</a:t>
+            </a:r>
+            <a:r>
+              <a:rPr lang="pt-BR" sz="1200" dirty="0">
+                <a:effectLst/>
+                <a:latin typeface="Times New Roman" panose="02020603050405020304" pitchFamily="18" charset="0"/>
+                <a:ea typeface="Times New Roman" panose="02020603050405020304" pitchFamily="18" charset="0"/>
+              </a:rPr>
+              <a:t>. Uma revisão sistemática da literatura para investigação de estratégias de ensino</a:t>
+            </a:r>
+            <a:r>
+              <a:rPr lang="pt-BR" sz="1200" b="1" dirty="0">
+                <a:effectLst/>
+                <a:latin typeface="Times New Roman" panose="02020603050405020304" pitchFamily="18" charset="0"/>
+                <a:ea typeface="Times New Roman" panose="02020603050405020304" pitchFamily="18" charset="0"/>
+              </a:rPr>
+              <a:t> </a:t>
+            </a:r>
+            <a:r>
+              <a:rPr lang="pt-BR" sz="1200" dirty="0">
+                <a:effectLst/>
+                <a:latin typeface="Times New Roman" panose="02020603050405020304" pitchFamily="18" charset="0"/>
+                <a:ea typeface="Times New Roman" panose="02020603050405020304" pitchFamily="18" charset="0"/>
+              </a:rPr>
+              <a:t>colaborativo. In: SIMPÓSIO BRASILEIRO DE SISTEMAS COLABORATIVOS (SBSC), 13, 2016, Belém. </a:t>
+            </a:r>
+            <a:r>
+              <a:rPr lang="pt-BR" sz="1200" b="1" dirty="0">
+                <a:effectLst/>
+                <a:latin typeface="Times New Roman" panose="02020603050405020304" pitchFamily="18" charset="0"/>
+                <a:ea typeface="Times New Roman" panose="02020603050405020304" pitchFamily="18" charset="0"/>
+              </a:rPr>
+              <a:t>Anais </a:t>
+            </a:r>
+            <a:r>
+              <a:rPr lang="pt-BR" sz="1200" dirty="0">
+                <a:effectLst/>
+                <a:latin typeface="Times New Roman" panose="02020603050405020304" pitchFamily="18" charset="0"/>
+                <a:ea typeface="Times New Roman" panose="02020603050405020304" pitchFamily="18" charset="0"/>
+              </a:rPr>
+              <a:t>[...]. Porto Alegre: Sociedade Brasileira de Computação, 2016. p. 1537-1548. ISSN 2326-2842. DOI: https://doi.org/10.5753/sbsc.2016.9508. Disponível em: https://www.researchgate.net/</a:t>
+            </a:r>
+            <a:r>
+              <a:rPr lang="pt-BR" sz="1200" dirty="0" err="1">
+                <a:effectLst/>
+                <a:latin typeface="Times New Roman" panose="02020603050405020304" pitchFamily="18" charset="0"/>
+                <a:ea typeface="Times New Roman" panose="02020603050405020304" pitchFamily="18" charset="0"/>
+              </a:rPr>
+              <a:t>publication</a:t>
+            </a:r>
+            <a:r>
+              <a:rPr lang="pt-BR" sz="1200" dirty="0">
+                <a:effectLst/>
+                <a:latin typeface="Times New Roman" panose="02020603050405020304" pitchFamily="18" charset="0"/>
+                <a:ea typeface="Times New Roman" panose="02020603050405020304" pitchFamily="18" charset="0"/>
+              </a:rPr>
+              <a:t>/339368782_Uma_Revisao_Sistematica_da_Literatura_para_Investigacao_de_Estrategias_de_Ensino_Colaborativo. Acesso em: 06 set. 2024.</a:t>
+            </a:r>
+          </a:p>
+          <a:p>
+            <a:pPr>
+              <a:spcAft>
+                <a:spcPts val="600"/>
+              </a:spcAft>
+            </a:pPr>
+            <a:r>
+              <a:rPr lang="pt-BR" sz="1200" dirty="0">
+                <a:effectLst/>
+                <a:latin typeface="Times New Roman" panose="02020603050405020304" pitchFamily="18" charset="0"/>
+                <a:ea typeface="Times New Roman" panose="02020603050405020304" pitchFamily="18" charset="0"/>
+              </a:rPr>
+              <a:t>CRUZ, Moises Machado da.</a:t>
+            </a:r>
+            <a:r>
+              <a:rPr lang="pt-BR" sz="1200" b="1" dirty="0">
+                <a:effectLst/>
+                <a:latin typeface="Times New Roman" panose="02020603050405020304" pitchFamily="18" charset="0"/>
+                <a:ea typeface="Times New Roman" panose="02020603050405020304" pitchFamily="18" charset="0"/>
+              </a:rPr>
+              <a:t> A prática do karatê e o desenvolvimento humano: </a:t>
+            </a:r>
+            <a:r>
+              <a:rPr lang="pt-BR" sz="1200" dirty="0">
+                <a:effectLst/>
+                <a:latin typeface="Times New Roman" panose="02020603050405020304" pitchFamily="18" charset="0"/>
+                <a:ea typeface="Times New Roman" panose="02020603050405020304" pitchFamily="18" charset="0"/>
+              </a:rPr>
+              <a:t>um relato de experiência. 2022. Trabalho de Conclusão do Curso (Graduação em Educação Física), Pontifícia Universidade Católica, PUC. Goiânia. Disponível em: https://repositorio.pucgoias.edu.br/</a:t>
+            </a:r>
+            <a:r>
+              <a:rPr lang="pt-BR" sz="1200" dirty="0" err="1">
+                <a:effectLst/>
+                <a:latin typeface="Times New Roman" panose="02020603050405020304" pitchFamily="18" charset="0"/>
+                <a:ea typeface="Times New Roman" panose="02020603050405020304" pitchFamily="18" charset="0"/>
+              </a:rPr>
+              <a:t>jspui</a:t>
+            </a:r>
+            <a:r>
+              <a:rPr lang="pt-BR" sz="1200" dirty="0">
+                <a:effectLst/>
+                <a:latin typeface="Times New Roman" panose="02020603050405020304" pitchFamily="18" charset="0"/>
+                <a:ea typeface="Times New Roman" panose="02020603050405020304" pitchFamily="18" charset="0"/>
+              </a:rPr>
+              <a:t>/</a:t>
+            </a:r>
+            <a:r>
+              <a:rPr lang="pt-BR" sz="1200" dirty="0" err="1">
+                <a:effectLst/>
+                <a:latin typeface="Times New Roman" panose="02020603050405020304" pitchFamily="18" charset="0"/>
+                <a:ea typeface="Times New Roman" panose="02020603050405020304" pitchFamily="18" charset="0"/>
+              </a:rPr>
+              <a:t>bitstream</a:t>
+            </a:r>
+            <a:r>
+              <a:rPr lang="pt-BR" sz="1200" dirty="0">
+                <a:effectLst/>
+                <a:latin typeface="Times New Roman" panose="02020603050405020304" pitchFamily="18" charset="0"/>
+                <a:ea typeface="Times New Roman" panose="02020603050405020304" pitchFamily="18" charset="0"/>
+              </a:rPr>
+              <a:t>/123456789/5287/1/TCC%20-%20Moises%20Machado%20da%20Cruz.pdf. Acesso em: 07 set. 2024.</a:t>
+            </a:r>
+          </a:p>
+          <a:p>
+            <a:pPr>
+              <a:spcAft>
+                <a:spcPts val="600"/>
+              </a:spcAft>
+            </a:pPr>
+            <a:r>
+              <a:rPr lang="pt-BR" sz="1200" dirty="0">
+                <a:effectLst/>
+                <a:latin typeface="Times New Roman" panose="02020603050405020304" pitchFamily="18" charset="0"/>
+                <a:ea typeface="Times New Roman" panose="02020603050405020304" pitchFamily="18" charset="0"/>
+              </a:rPr>
+              <a:t>FBKEE</a:t>
+            </a:r>
+            <a:r>
+              <a:rPr lang="pt-BR" sz="1200" b="1" dirty="0">
+                <a:effectLst/>
+                <a:latin typeface="Times New Roman" panose="02020603050405020304" pitchFamily="18" charset="0"/>
+                <a:ea typeface="Times New Roman" panose="02020603050405020304" pitchFamily="18" charset="0"/>
+              </a:rPr>
+              <a:t>. Regulamento-Exame de Faixa</a:t>
+            </a:r>
+            <a:r>
+              <a:rPr lang="pt-BR" sz="1200" dirty="0">
+                <a:effectLst/>
+                <a:latin typeface="Times New Roman" panose="02020603050405020304" pitchFamily="18" charset="0"/>
+                <a:ea typeface="Times New Roman" panose="02020603050405020304" pitchFamily="18" charset="0"/>
+              </a:rPr>
+              <a:t>. FBEEK, 2024. Disponível em: https://fbkee.webnode.com.br/regulamento/regulamento-exame-de-faixa-/. Acesso em: 1 set. 2024.</a:t>
+            </a:r>
+          </a:p>
+          <a:p>
+            <a:pPr>
+              <a:spcAft>
+                <a:spcPts val="600"/>
+              </a:spcAft>
+            </a:pPr>
+            <a:r>
+              <a:rPr lang="pt-BR" sz="1200" dirty="0">
+                <a:effectLst/>
+                <a:latin typeface="Times New Roman" panose="02020603050405020304" pitchFamily="18" charset="0"/>
+                <a:ea typeface="Times New Roman" panose="02020603050405020304" pitchFamily="18" charset="0"/>
+              </a:rPr>
+              <a:t>FREED, Andrew. </a:t>
+            </a:r>
+            <a:r>
+              <a:rPr lang="pt-BR" sz="1200" b="1" dirty="0" err="1">
+                <a:effectLst/>
+                <a:latin typeface="Times New Roman" panose="02020603050405020304" pitchFamily="18" charset="0"/>
+                <a:ea typeface="Times New Roman" panose="02020603050405020304" pitchFamily="18" charset="0"/>
+              </a:rPr>
+              <a:t>Conversational</a:t>
+            </a:r>
+            <a:r>
+              <a:rPr lang="pt-BR" sz="1200" b="1" dirty="0">
+                <a:effectLst/>
+                <a:latin typeface="Times New Roman" panose="02020603050405020304" pitchFamily="18" charset="0"/>
+                <a:ea typeface="Times New Roman" panose="02020603050405020304" pitchFamily="18" charset="0"/>
+              </a:rPr>
+              <a:t> AI</a:t>
+            </a:r>
+            <a:r>
+              <a:rPr lang="pt-BR" sz="1200" dirty="0">
+                <a:effectLst/>
+                <a:latin typeface="Times New Roman" panose="02020603050405020304" pitchFamily="18" charset="0"/>
+                <a:ea typeface="Times New Roman" panose="02020603050405020304" pitchFamily="18" charset="0"/>
+              </a:rPr>
+              <a:t>: </a:t>
+            </a:r>
+            <a:r>
+              <a:rPr lang="pt-BR" sz="1200" dirty="0" err="1">
+                <a:effectLst/>
+                <a:latin typeface="Times New Roman" panose="02020603050405020304" pitchFamily="18" charset="0"/>
+                <a:ea typeface="Times New Roman" panose="02020603050405020304" pitchFamily="18" charset="0"/>
+              </a:rPr>
+              <a:t>Chatbots</a:t>
+            </a:r>
+            <a:r>
+              <a:rPr lang="pt-BR" sz="1200" dirty="0">
+                <a:effectLst/>
+                <a:latin typeface="Times New Roman" panose="02020603050405020304" pitchFamily="18" charset="0"/>
+                <a:ea typeface="Times New Roman" panose="02020603050405020304" pitchFamily="18" charset="0"/>
+              </a:rPr>
+              <a:t> </a:t>
+            </a:r>
+            <a:r>
+              <a:rPr lang="pt-BR" sz="1200" dirty="0" err="1">
+                <a:effectLst/>
+                <a:latin typeface="Times New Roman" panose="02020603050405020304" pitchFamily="18" charset="0"/>
+                <a:ea typeface="Times New Roman" panose="02020603050405020304" pitchFamily="18" charset="0"/>
+              </a:rPr>
+              <a:t>that</a:t>
+            </a:r>
+            <a:r>
+              <a:rPr lang="pt-BR" sz="1200" dirty="0">
+                <a:effectLst/>
+                <a:latin typeface="Times New Roman" panose="02020603050405020304" pitchFamily="18" charset="0"/>
+                <a:ea typeface="Times New Roman" panose="02020603050405020304" pitchFamily="18" charset="0"/>
+              </a:rPr>
+              <a:t> </a:t>
+            </a:r>
+            <a:r>
+              <a:rPr lang="pt-BR" sz="1200" dirty="0" err="1">
+                <a:effectLst/>
+                <a:latin typeface="Times New Roman" panose="02020603050405020304" pitchFamily="18" charset="0"/>
+                <a:ea typeface="Times New Roman" panose="02020603050405020304" pitchFamily="18" charset="0"/>
+              </a:rPr>
+              <a:t>Work</a:t>
+            </a:r>
+            <a:r>
+              <a:rPr lang="pt-BR" sz="1200" dirty="0">
+                <a:effectLst/>
+                <a:latin typeface="Times New Roman" panose="02020603050405020304" pitchFamily="18" charset="0"/>
+                <a:ea typeface="Times New Roman" panose="02020603050405020304" pitchFamily="18" charset="0"/>
+              </a:rPr>
+              <a:t>. Shelter </a:t>
+            </a:r>
+            <a:r>
+              <a:rPr lang="pt-BR" sz="1200" dirty="0" err="1">
+                <a:effectLst/>
+                <a:latin typeface="Times New Roman" panose="02020603050405020304" pitchFamily="18" charset="0"/>
+                <a:ea typeface="Times New Roman" panose="02020603050405020304" pitchFamily="18" charset="0"/>
+              </a:rPr>
+              <a:t>Island</a:t>
+            </a:r>
+            <a:r>
+              <a:rPr lang="pt-BR" sz="1200" dirty="0">
+                <a:effectLst/>
+                <a:latin typeface="Times New Roman" panose="02020603050405020304" pitchFamily="18" charset="0"/>
+                <a:ea typeface="Times New Roman" panose="02020603050405020304" pitchFamily="18" charset="0"/>
+              </a:rPr>
+              <a:t>: Manning, 2021</a:t>
+            </a:r>
+          </a:p>
+          <a:p>
+            <a:pPr>
+              <a:spcAft>
+                <a:spcPts val="600"/>
+              </a:spcAft>
+            </a:pPr>
+            <a:r>
+              <a:rPr lang="pt-BR" sz="1200" dirty="0">
+                <a:effectLst/>
+                <a:latin typeface="Times New Roman" panose="02020603050405020304" pitchFamily="18" charset="0"/>
+                <a:ea typeface="Times New Roman" panose="02020603050405020304" pitchFamily="18" charset="0"/>
+              </a:rPr>
+              <a:t>GYMDESK. </a:t>
+            </a:r>
+            <a:r>
+              <a:rPr lang="pt-BR" sz="1200" b="1" dirty="0">
+                <a:effectLst/>
+                <a:latin typeface="Times New Roman" panose="02020603050405020304" pitchFamily="18" charset="0"/>
+                <a:ea typeface="Times New Roman" panose="02020603050405020304" pitchFamily="18" charset="0"/>
+              </a:rPr>
+              <a:t>Martial </a:t>
+            </a:r>
+            <a:r>
+              <a:rPr lang="pt-BR" sz="1200" b="1" dirty="0" err="1">
+                <a:effectLst/>
+                <a:latin typeface="Times New Roman" panose="02020603050405020304" pitchFamily="18" charset="0"/>
+                <a:ea typeface="Times New Roman" panose="02020603050405020304" pitchFamily="18" charset="0"/>
+              </a:rPr>
+              <a:t>Arts</a:t>
+            </a:r>
+            <a:r>
+              <a:rPr lang="pt-BR" sz="1200" b="1" dirty="0">
+                <a:effectLst/>
+                <a:latin typeface="Times New Roman" panose="02020603050405020304" pitchFamily="18" charset="0"/>
+                <a:ea typeface="Times New Roman" panose="02020603050405020304" pitchFamily="18" charset="0"/>
+              </a:rPr>
+              <a:t> Software - </a:t>
+            </a:r>
+            <a:r>
+              <a:rPr lang="pt-BR" sz="1200" b="1" dirty="0" err="1">
+                <a:effectLst/>
+                <a:latin typeface="Times New Roman" panose="02020603050405020304" pitchFamily="18" charset="0"/>
+                <a:ea typeface="Times New Roman" panose="02020603050405020304" pitchFamily="18" charset="0"/>
+              </a:rPr>
+              <a:t>Gymdesk</a:t>
+            </a:r>
+            <a:r>
+              <a:rPr lang="pt-BR" sz="1200" dirty="0">
+                <a:effectLst/>
+                <a:latin typeface="Times New Roman" panose="02020603050405020304" pitchFamily="18" charset="0"/>
+                <a:ea typeface="Times New Roman" panose="02020603050405020304" pitchFamily="18" charset="0"/>
+              </a:rPr>
+              <a:t>. </a:t>
+            </a:r>
+            <a:r>
+              <a:rPr lang="pt-BR" sz="1200" dirty="0" err="1">
+                <a:effectLst/>
+                <a:latin typeface="Times New Roman" panose="02020603050405020304" pitchFamily="18" charset="0"/>
+                <a:ea typeface="Times New Roman" panose="02020603050405020304" pitchFamily="18" charset="0"/>
+              </a:rPr>
+              <a:t>GymDesk</a:t>
+            </a:r>
+            <a:r>
+              <a:rPr lang="pt-BR" sz="1200" dirty="0">
+                <a:effectLst/>
+                <a:latin typeface="Times New Roman" panose="02020603050405020304" pitchFamily="18" charset="0"/>
+                <a:ea typeface="Times New Roman" panose="02020603050405020304" pitchFamily="18" charset="0"/>
+              </a:rPr>
+              <a:t>, c2022. 				 Disponível em: https://gymdesk.com/software/</a:t>
+            </a:r>
+            <a:r>
+              <a:rPr lang="pt-BR" sz="1200" dirty="0" err="1">
+                <a:effectLst/>
+                <a:latin typeface="Times New Roman" panose="02020603050405020304" pitchFamily="18" charset="0"/>
+                <a:ea typeface="Times New Roman" panose="02020603050405020304" pitchFamily="18" charset="0"/>
+              </a:rPr>
+              <a:t>martial-arts</a:t>
+            </a:r>
+            <a:r>
+              <a:rPr lang="pt-BR" sz="1200" dirty="0">
+                <a:effectLst/>
+                <a:latin typeface="Times New Roman" panose="02020603050405020304" pitchFamily="18" charset="0"/>
+                <a:ea typeface="Times New Roman" panose="02020603050405020304" pitchFamily="18" charset="0"/>
+              </a:rPr>
+              <a:t>. Acesso em: 13 ago. 2024..</a:t>
+            </a:r>
+          </a:p>
+          <a:p>
+            <a:pPr marL="0" indent="0" algn="just">
+              <a:spcAft>
+                <a:spcPts val="600"/>
+              </a:spcAft>
+              <a:buNone/>
+            </a:pPr>
+            <a:endParaRPr lang="pt-BR" sz="1200" dirty="0">
+              <a:effectLst/>
+              <a:latin typeface="Times New Roman" panose="02020603050405020304" pitchFamily="18" charset="0"/>
+              <a:ea typeface="Times New Roman" panose="02020603050405020304" pitchFamily="18" charset="0"/>
+            </a:endParaRPr>
+          </a:p>
+        </p:txBody>
+      </p:sp>
+    </p:spTree>
+    <p:extLst>
+      <p:ext uri="{BB962C8B-B14F-4D97-AF65-F5344CB8AC3E}">
+        <p14:creationId xmlns:p14="http://schemas.microsoft.com/office/powerpoint/2010/main" val="3222926569"/>
+      </p:ext>
+    </p:extLst>
+  </p:cSld>
+  <p:clrMapOvr>
+    <a:masterClrMapping/>
+  </p:clrMapOvr>
+</p:sld>
+</file>
+
+<file path=ppt/slides/slide24.xml><?xml version="1.0" encoding="utf-8"?>
+<p:sld xmlns:a="http://schemas.openxmlformats.org/drawingml/2006/main" xmlns:r="http://schemas.openxmlformats.org/officeDocument/2006/relationships" xmlns:p="http://schemas.openxmlformats.org/presentationml/2006/main">
+  <p:cSld>
+    <p:spTree>
+      <p:nvGrpSpPr>
+        <p:cNvPr id="1" name=""/>
+        <p:cNvGrpSpPr/>
+        <p:nvPr/>
+      </p:nvGrpSpPr>
+      <p:grpSpPr>
+        <a:xfrm>
+          <a:off x="0" y="0"/>
+          <a:ext cx="0" cy="0"/>
+          <a:chOff x="0" y="0"/>
+          <a:chExt cx="0" cy="0"/>
+        </a:xfrm>
+      </p:grpSpPr>
+      <p:sp>
+        <p:nvSpPr>
+          <p:cNvPr id="12290" name="Título 1">
+            <a:extLst>
+              <a:ext uri="{FF2B5EF4-FFF2-40B4-BE49-F238E27FC236}">
+                <a16:creationId xmlns:a16="http://schemas.microsoft.com/office/drawing/2014/main" id="{47867EA9-F2B2-45C1-5E6C-781E956980E1}"/>
+              </a:ext>
+            </a:extLst>
+          </p:cNvPr>
+          <p:cNvSpPr>
+            <a:spLocks noGrp="1" noChangeArrowheads="1"/>
+          </p:cNvSpPr>
+          <p:nvPr>
+            <p:ph type="title"/>
+          </p:nvPr>
+        </p:nvSpPr>
+        <p:spPr>
+          <a:xfrm>
+            <a:off x="457200" y="-157867"/>
+            <a:ext cx="8229600" cy="1143000"/>
+          </a:xfrm>
+        </p:spPr>
+        <p:txBody>
+          <a:bodyPr/>
+          <a:lstStyle/>
+          <a:p>
+            <a:pPr eaLnBrk="1" hangingPunct="1">
+              <a:defRPr/>
+            </a:pPr>
+            <a:r>
+              <a:rPr lang="pt-BR" altLang="pt-BR" sz="3800" b="1" dirty="0">
+                <a:effectLst>
+                  <a:outerShdw blurRad="38100" dist="38100" dir="2700000" algn="tl">
+                    <a:srgbClr val="000000">
+                      <a:alpha val="43137"/>
+                    </a:srgbClr>
+                  </a:outerShdw>
+                </a:effectLst>
+              </a:rPr>
+              <a:t>Referências</a:t>
+            </a:r>
+          </a:p>
+        </p:txBody>
+      </p:sp>
+      <p:sp>
+        <p:nvSpPr>
+          <p:cNvPr id="21508" name="CaixaDeTexto 3">
+            <a:extLst>
+              <a:ext uri="{FF2B5EF4-FFF2-40B4-BE49-F238E27FC236}">
+                <a16:creationId xmlns:a16="http://schemas.microsoft.com/office/drawing/2014/main" id="{DBF65859-7F65-7A0C-5703-67C7078A80A1}"/>
+              </a:ext>
+            </a:extLst>
+          </p:cNvPr>
+          <p:cNvSpPr txBox="1">
+            <a:spLocks noChangeArrowheads="1"/>
+          </p:cNvSpPr>
+          <p:nvPr/>
+        </p:nvSpPr>
+        <p:spPr bwMode="auto">
+          <a:xfrm>
+            <a:off x="8243888" y="52388"/>
+            <a:ext cx="841375" cy="307975"/>
+          </a:xfrm>
+          <a:prstGeom prst="rect">
+            <a:avLst/>
+          </a:prstGeom>
+          <a:noFill/>
+          <a:ln>
+            <a:noFill/>
+          </a:ln>
+          <a:extLst>
+            <a:ext uri="{909E8E84-426E-40DD-AFC4-6F175D3DCCD1}">
+              <a14:hiddenFill xmlns:a14="http://schemas.microsoft.com/office/drawing/2010/main">
+                <a:solidFill>
+                  <a:srgbClr val="FFFFFF"/>
+                </a:solidFill>
+              </a14:hiddenFill>
+            </a:ext>
+            <a:ext uri="{91240B29-F687-4F45-9708-019B960494DF}">
+              <a14:hiddenLine xmlns:a14="http://schemas.microsoft.com/office/drawing/2010/main" w="9525">
+                <a:solidFill>
+                  <a:srgbClr val="000000"/>
+                </a:solidFill>
+                <a:miter lim="800000"/>
+                <a:headEnd/>
+                <a:tailEnd/>
+              </a14:hiddenLine>
+            </a:ext>
+          </a:extLst>
+        </p:spPr>
+        <p:txBody>
+          <a:bodyPr>
+            <a:spAutoFit/>
+          </a:bodyPr>
+          <a:lstStyle>
+            <a:lvl1pPr>
+              <a:spcBef>
+                <a:spcPct val="20000"/>
+              </a:spcBef>
+              <a:buChar char="•"/>
+              <a:defRPr sz="3200">
+                <a:solidFill>
+                  <a:schemeClr val="tx1"/>
+                </a:solidFill>
+                <a:latin typeface="Arial" panose="020B0604020202020204" pitchFamily="34" charset="0"/>
+              </a:defRPr>
+            </a:lvl1pPr>
+            <a:lvl2pPr marL="742950" indent="-285750">
+              <a:spcBef>
+                <a:spcPct val="20000"/>
+              </a:spcBef>
+              <a:buChar char="–"/>
+              <a:defRPr sz="2800">
+                <a:solidFill>
+                  <a:schemeClr val="tx1"/>
+                </a:solidFill>
+                <a:latin typeface="Arial" panose="020B0604020202020204" pitchFamily="34" charset="0"/>
+              </a:defRPr>
+            </a:lvl2pPr>
+            <a:lvl3pPr marL="1143000" indent="-228600">
+              <a:spcBef>
+                <a:spcPct val="20000"/>
+              </a:spcBef>
+              <a:buChar char="•"/>
+              <a:defRPr sz="2400">
+                <a:solidFill>
+                  <a:schemeClr val="tx1"/>
+                </a:solidFill>
+                <a:latin typeface="Arial" panose="020B0604020202020204" pitchFamily="34" charset="0"/>
+              </a:defRPr>
+            </a:lvl3pPr>
+            <a:lvl4pPr marL="1600200" indent="-228600">
+              <a:spcBef>
+                <a:spcPct val="20000"/>
+              </a:spcBef>
+              <a:buChar char="–"/>
+              <a:defRPr sz="2000">
+                <a:solidFill>
+                  <a:schemeClr val="tx1"/>
+                </a:solidFill>
+                <a:latin typeface="Arial" panose="020B0604020202020204" pitchFamily="34" charset="0"/>
+              </a:defRPr>
+            </a:lvl4pPr>
+            <a:lvl5pPr marL="2057400" indent="-228600">
+              <a:spcBef>
+                <a:spcPct val="20000"/>
+              </a:spcBef>
+              <a:buChar char="»"/>
+              <a:defRPr sz="2000">
+                <a:solidFill>
+                  <a:schemeClr val="tx1"/>
+                </a:solidFill>
+                <a:latin typeface="Arial" panose="020B0604020202020204" pitchFamily="34" charset="0"/>
+              </a:defRPr>
+            </a:lvl5pPr>
+            <a:lvl6pPr marL="2514600" indent="-228600" eaLnBrk="0" fontAlgn="base" hangingPunct="0">
+              <a:spcBef>
+                <a:spcPct val="20000"/>
+              </a:spcBef>
+              <a:spcAft>
+                <a:spcPct val="0"/>
+              </a:spcAft>
+              <a:buChar char="»"/>
+              <a:defRPr sz="2000">
+                <a:solidFill>
+                  <a:schemeClr val="tx1"/>
+                </a:solidFill>
+                <a:latin typeface="Arial" panose="020B0604020202020204" pitchFamily="34" charset="0"/>
+              </a:defRPr>
+            </a:lvl6pPr>
+            <a:lvl7pPr marL="2971800" indent="-228600" eaLnBrk="0" fontAlgn="base" hangingPunct="0">
+              <a:spcBef>
+                <a:spcPct val="20000"/>
+              </a:spcBef>
+              <a:spcAft>
+                <a:spcPct val="0"/>
+              </a:spcAft>
+              <a:buChar char="»"/>
+              <a:defRPr sz="2000">
+                <a:solidFill>
+                  <a:schemeClr val="tx1"/>
+                </a:solidFill>
+                <a:latin typeface="Arial" panose="020B0604020202020204" pitchFamily="34" charset="0"/>
+              </a:defRPr>
+            </a:lvl7pPr>
+            <a:lvl8pPr marL="3429000" indent="-228600" eaLnBrk="0" fontAlgn="base" hangingPunct="0">
+              <a:spcBef>
+                <a:spcPct val="20000"/>
+              </a:spcBef>
+              <a:spcAft>
+                <a:spcPct val="0"/>
+              </a:spcAft>
+              <a:buChar char="»"/>
+              <a:defRPr sz="2000">
+                <a:solidFill>
+                  <a:schemeClr val="tx1"/>
+                </a:solidFill>
+                <a:latin typeface="Arial" panose="020B0604020202020204" pitchFamily="34" charset="0"/>
+              </a:defRPr>
+            </a:lvl8pPr>
+            <a:lvl9pPr marL="3886200" indent="-228600" eaLnBrk="0" fontAlgn="base" hangingPunct="0">
+              <a:spcBef>
+                <a:spcPct val="20000"/>
+              </a:spcBef>
+              <a:spcAft>
+                <a:spcPct val="0"/>
+              </a:spcAft>
+              <a:buChar char="»"/>
+              <a:defRPr sz="2000">
+                <a:solidFill>
+                  <a:schemeClr val="tx1"/>
+                </a:solidFill>
+                <a:latin typeface="Arial" panose="020B0604020202020204" pitchFamily="34" charset="0"/>
+              </a:defRPr>
+            </a:lvl9pPr>
+          </a:lstStyle>
+          <a:p>
+            <a:pPr algn="r" eaLnBrk="1" hangingPunct="1">
+              <a:spcBef>
+                <a:spcPct val="0"/>
+              </a:spcBef>
+              <a:buFontTx/>
+              <a:buNone/>
+            </a:pPr>
+            <a:fld id="{1DEA3737-3EE6-45B0-9E6D-D1119BBA5BD5}" type="slidenum">
+              <a:rPr lang="pt-BR" altLang="pt-BR" sz="1400"/>
+              <a:pPr algn="r" eaLnBrk="1" hangingPunct="1">
+                <a:spcBef>
+                  <a:spcPct val="0"/>
+                </a:spcBef>
+                <a:buFontTx/>
+                <a:buNone/>
+              </a:pPr>
+              <a:t>24</a:t>
+            </a:fld>
+            <a:endParaRPr lang="pt-BR" altLang="pt-BR" sz="1400"/>
+          </a:p>
+        </p:txBody>
+      </p:sp>
+      <p:sp>
+        <p:nvSpPr>
+          <p:cNvPr id="5" name="Espaço Reservado para Conteúdo 2">
+            <a:extLst>
+              <a:ext uri="{FF2B5EF4-FFF2-40B4-BE49-F238E27FC236}">
+                <a16:creationId xmlns:a16="http://schemas.microsoft.com/office/drawing/2014/main" id="{3E53188A-F664-4D2F-61CA-1F72528F95EA}"/>
+              </a:ext>
+            </a:extLst>
+          </p:cNvPr>
+          <p:cNvSpPr txBox="1">
+            <a:spLocks noChangeArrowheads="1"/>
+          </p:cNvSpPr>
+          <p:nvPr/>
+        </p:nvSpPr>
+        <p:spPr bwMode="auto">
+          <a:xfrm>
+            <a:off x="-50801" y="760941"/>
+            <a:ext cx="9245601" cy="6044671"/>
+          </a:xfrm>
+          <a:prstGeom prst="rect">
+            <a:avLst/>
+          </a:prstGeom>
+          <a:noFill/>
+          <a:ln>
+            <a:noFill/>
+          </a:ln>
+          <a:effectLst/>
+          <a:extLst>
+            <a:ext uri="{909E8E84-426E-40DD-AFC4-6F175D3DCCD1}">
+              <a14:hiddenFill xmlns:a14="http://schemas.microsoft.com/office/drawing/2010/main">
+                <a:solidFill>
+                  <a:schemeClr val="accent1"/>
+                </a:solidFill>
+              </a14:hiddenFill>
+            </a:ext>
+            <a:ext uri="{91240B29-F687-4F45-9708-019B960494DF}">
+              <a14:hiddenLine xmlns:a14="http://schemas.microsoft.com/office/drawing/2010/main" w="9525">
+                <a:solidFill>
+                  <a:schemeClr val="tx1"/>
+                </a:solidFill>
+                <a:miter lim="800000"/>
+                <a:headEnd/>
+                <a:tailEnd/>
+              </a14:hiddenLine>
+            </a:ext>
+            <a:ext uri="{AF507438-7753-43E0-B8FC-AC1667EBCBE1}">
+              <a14:hiddenEffects xmlns:a14="http://schemas.microsoft.com/office/drawing/2010/main">
+                <a:effectLst>
+                  <a:outerShdw dist="35921" dir="2700000" algn="ctr" rotWithShape="0">
+                    <a:schemeClr val="bg2"/>
+                  </a:outerShdw>
+                </a:effectLst>
+              </a14:hiddenEffects>
+            </a:ext>
+          </a:extLst>
+        </p:spPr>
+        <p:txBody>
+          <a:bodyPr vert="horz" wrap="square" lIns="91440" tIns="45720" rIns="91440" bIns="45720" numCol="1" anchor="t" anchorCtr="0" compatLnSpc="1">
+            <a:prstTxWarp prst="textNoShape">
+              <a:avLst/>
+            </a:prstTxWarp>
+          </a:bodyPr>
+          <a:lstStyle>
+            <a:lvl1pPr marL="342900" indent="-342900" algn="l" rtl="0" eaLnBrk="0" fontAlgn="base" hangingPunct="0">
+              <a:spcBef>
+                <a:spcPct val="20000"/>
+              </a:spcBef>
+              <a:spcAft>
+                <a:spcPct val="0"/>
+              </a:spcAft>
+              <a:buChar char="•"/>
+              <a:defRPr sz="3200" kern="1200">
+                <a:solidFill>
+                  <a:schemeClr val="tx1"/>
+                </a:solidFill>
+                <a:latin typeface="+mn-lt"/>
+                <a:ea typeface="+mn-ea"/>
+                <a:cs typeface="+mn-cs"/>
+              </a:defRPr>
+            </a:lvl1pPr>
+            <a:lvl2pPr marL="742950" indent="-285750" algn="l" rtl="0" eaLnBrk="0" fontAlgn="base" hangingPunct="0">
+              <a:spcBef>
+                <a:spcPct val="20000"/>
+              </a:spcBef>
+              <a:spcAft>
+                <a:spcPct val="0"/>
+              </a:spcAft>
+              <a:buChar char="–"/>
+              <a:defRPr sz="2800" kern="1200">
+                <a:solidFill>
+                  <a:schemeClr val="tx1"/>
+                </a:solidFill>
+                <a:latin typeface="+mn-lt"/>
+                <a:ea typeface="+mn-ea"/>
+                <a:cs typeface="+mn-cs"/>
+              </a:defRPr>
+            </a:lvl2pPr>
+            <a:lvl3pPr marL="1143000" indent="-228600" algn="l" rtl="0" eaLnBrk="0" fontAlgn="base" hangingPunct="0">
+              <a:spcBef>
+                <a:spcPct val="20000"/>
+              </a:spcBef>
+              <a:spcAft>
+                <a:spcPct val="0"/>
+              </a:spcAft>
+              <a:buChar char="•"/>
+              <a:defRPr sz="2400" kern="1200">
+                <a:solidFill>
+                  <a:schemeClr val="tx1"/>
+                </a:solidFill>
+                <a:latin typeface="+mn-lt"/>
+                <a:ea typeface="+mn-ea"/>
+                <a:cs typeface="+mn-cs"/>
+              </a:defRPr>
+            </a:lvl3pPr>
+            <a:lvl4pPr marL="1600200" indent="-228600" algn="l" rtl="0" eaLnBrk="0" fontAlgn="base" hangingPunct="0">
+              <a:spcBef>
+                <a:spcPct val="20000"/>
+              </a:spcBef>
+              <a:spcAft>
+                <a:spcPct val="0"/>
+              </a:spcAft>
+              <a:buChar char="–"/>
+              <a:defRPr sz="2000" kern="1200">
+                <a:solidFill>
+                  <a:schemeClr val="tx1"/>
+                </a:solidFill>
+                <a:latin typeface="+mn-lt"/>
+                <a:ea typeface="+mn-ea"/>
+                <a:cs typeface="+mn-cs"/>
+              </a:defRPr>
+            </a:lvl4pPr>
+            <a:lvl5pPr marL="2057400" indent="-228600" algn="l" rtl="0" eaLnBrk="0" fontAlgn="base" hangingPunct="0">
+              <a:spcBef>
+                <a:spcPct val="20000"/>
+              </a:spcBef>
+              <a:spcAft>
+                <a:spcPct val="0"/>
+              </a:spcAft>
+              <a:buChar char="»"/>
+              <a:defRPr sz="2000" kern="1200">
+                <a:solidFill>
+                  <a:schemeClr val="tx1"/>
+                </a:solidFill>
+                <a:latin typeface="+mn-lt"/>
+                <a:ea typeface="+mn-ea"/>
+                <a:cs typeface="+mn-cs"/>
+              </a:defRPr>
+            </a:lvl5pPr>
+            <a:lvl6pPr marL="2514600" indent="-228600" algn="l" defTabSz="914400" rtl="0" eaLnBrk="1" latinLnBrk="0" hangingPunct="1">
+              <a:lnSpc>
+                <a:spcPct val="90000"/>
+              </a:lnSpc>
+              <a:spcBef>
+                <a:spcPts val="500"/>
+              </a:spcBef>
+              <a:buFont typeface="Arial" panose="020B0604020202020204" pitchFamily="34" charset="0"/>
+              <a:buChar char="•"/>
+              <a:defRPr sz="1800" kern="1200">
+                <a:solidFill>
+                  <a:schemeClr val="tx1"/>
+                </a:solidFill>
+                <a:latin typeface="+mn-lt"/>
+                <a:ea typeface="+mn-ea"/>
+                <a:cs typeface="+mn-cs"/>
+              </a:defRPr>
+            </a:lvl6pPr>
+            <a:lvl7pPr marL="2971800" indent="-228600" algn="l" defTabSz="914400" rtl="0" eaLnBrk="1" latinLnBrk="0" hangingPunct="1">
+              <a:lnSpc>
+                <a:spcPct val="90000"/>
+              </a:lnSpc>
+              <a:spcBef>
+                <a:spcPts val="500"/>
+              </a:spcBef>
+              <a:buFont typeface="Arial" panose="020B0604020202020204" pitchFamily="34" charset="0"/>
+              <a:buChar char="•"/>
+              <a:defRPr sz="1800" kern="1200">
+                <a:solidFill>
+                  <a:schemeClr val="tx1"/>
+                </a:solidFill>
+                <a:latin typeface="+mn-lt"/>
+                <a:ea typeface="+mn-ea"/>
+                <a:cs typeface="+mn-cs"/>
+              </a:defRPr>
+            </a:lvl7pPr>
+            <a:lvl8pPr marL="3429000" indent="-228600" algn="l" defTabSz="914400" rtl="0" eaLnBrk="1" latinLnBrk="0" hangingPunct="1">
+              <a:lnSpc>
+                <a:spcPct val="90000"/>
+              </a:lnSpc>
+              <a:spcBef>
+                <a:spcPts val="500"/>
+              </a:spcBef>
+              <a:buFont typeface="Arial" panose="020B0604020202020204" pitchFamily="34" charset="0"/>
+              <a:buChar char="•"/>
+              <a:defRPr sz="1800" kern="1200">
+                <a:solidFill>
+                  <a:schemeClr val="tx1"/>
+                </a:solidFill>
+                <a:latin typeface="+mn-lt"/>
+                <a:ea typeface="+mn-ea"/>
+                <a:cs typeface="+mn-cs"/>
+              </a:defRPr>
+            </a:lvl8pPr>
+            <a:lvl9pPr marL="3886200" indent="-228600" algn="l" defTabSz="914400" rtl="0" eaLnBrk="1" latinLnBrk="0" hangingPunct="1">
+              <a:lnSpc>
+                <a:spcPct val="90000"/>
+              </a:lnSpc>
+              <a:spcBef>
+                <a:spcPts val="500"/>
+              </a:spcBef>
+              <a:buFont typeface="Arial" panose="020B0604020202020204" pitchFamily="34" charset="0"/>
+              <a:buChar char="•"/>
+              <a:defRPr sz="1800" kern="1200">
+                <a:solidFill>
+                  <a:schemeClr val="tx1"/>
+                </a:solidFill>
+                <a:latin typeface="+mn-lt"/>
+                <a:ea typeface="+mn-ea"/>
+                <a:cs typeface="+mn-cs"/>
+              </a:defRPr>
+            </a:lvl9pPr>
+          </a:lstStyle>
+          <a:p>
+            <a:pPr>
+              <a:spcAft>
+                <a:spcPts val="600"/>
+              </a:spcAft>
+            </a:pPr>
+            <a:r>
+              <a:rPr lang="pt-BR" sz="1150" dirty="0">
+                <a:effectLst/>
+                <a:latin typeface="Times New Roman" panose="02020603050405020304" pitchFamily="18" charset="0"/>
+                <a:ea typeface="Times New Roman" panose="02020603050405020304" pitchFamily="18" charset="0"/>
+              </a:rPr>
+              <a:t>JURAFSKY, Daniel; MARTIN, James H. </a:t>
+            </a:r>
+            <a:r>
+              <a:rPr lang="pt-BR" sz="1150" b="1" dirty="0">
+                <a:effectLst/>
+                <a:latin typeface="Times New Roman" panose="02020603050405020304" pitchFamily="18" charset="0"/>
+                <a:ea typeface="Times New Roman" panose="02020603050405020304" pitchFamily="18" charset="0"/>
+              </a:rPr>
+              <a:t>Speech </a:t>
+            </a:r>
+            <a:r>
+              <a:rPr lang="pt-BR" sz="1150" b="1" dirty="0" err="1">
+                <a:effectLst/>
+                <a:latin typeface="Times New Roman" panose="02020603050405020304" pitchFamily="18" charset="0"/>
+                <a:ea typeface="Times New Roman" panose="02020603050405020304" pitchFamily="18" charset="0"/>
+              </a:rPr>
+              <a:t>and</a:t>
+            </a:r>
+            <a:r>
+              <a:rPr lang="pt-BR" sz="1150" b="1" dirty="0">
+                <a:effectLst/>
+                <a:latin typeface="Times New Roman" panose="02020603050405020304" pitchFamily="18" charset="0"/>
+                <a:ea typeface="Times New Roman" panose="02020603050405020304" pitchFamily="18" charset="0"/>
+              </a:rPr>
+              <a:t> </a:t>
+            </a:r>
+            <a:r>
+              <a:rPr lang="pt-BR" sz="1150" b="1" dirty="0" err="1">
+                <a:effectLst/>
+                <a:latin typeface="Times New Roman" panose="02020603050405020304" pitchFamily="18" charset="0"/>
+                <a:ea typeface="Times New Roman" panose="02020603050405020304" pitchFamily="18" charset="0"/>
+              </a:rPr>
+              <a:t>Language</a:t>
+            </a:r>
+            <a:r>
+              <a:rPr lang="pt-BR" sz="1150" b="1" dirty="0">
+                <a:effectLst/>
+                <a:latin typeface="Times New Roman" panose="02020603050405020304" pitchFamily="18" charset="0"/>
+                <a:ea typeface="Times New Roman" panose="02020603050405020304" pitchFamily="18" charset="0"/>
+              </a:rPr>
+              <a:t> </a:t>
+            </a:r>
+            <a:r>
+              <a:rPr lang="pt-BR" sz="1150" b="1" dirty="0" err="1">
+                <a:effectLst/>
+                <a:latin typeface="Times New Roman" panose="02020603050405020304" pitchFamily="18" charset="0"/>
+                <a:ea typeface="Times New Roman" panose="02020603050405020304" pitchFamily="18" charset="0"/>
+              </a:rPr>
+              <a:t>Processing</a:t>
+            </a:r>
+            <a:r>
+              <a:rPr lang="pt-BR" sz="1150" dirty="0">
+                <a:effectLst/>
+                <a:latin typeface="Times New Roman" panose="02020603050405020304" pitchFamily="18" charset="0"/>
+                <a:ea typeface="Times New Roman" panose="02020603050405020304" pitchFamily="18" charset="0"/>
+              </a:rPr>
+              <a:t>: </a:t>
+            </a:r>
+            <a:r>
+              <a:rPr lang="pt-BR" sz="1150" dirty="0" err="1">
+                <a:effectLst/>
+                <a:latin typeface="Times New Roman" panose="02020603050405020304" pitchFamily="18" charset="0"/>
+                <a:ea typeface="Times New Roman" panose="02020603050405020304" pitchFamily="18" charset="0"/>
+              </a:rPr>
+              <a:t>An</a:t>
+            </a:r>
+            <a:r>
+              <a:rPr lang="pt-BR" sz="1150" dirty="0">
+                <a:effectLst/>
+                <a:latin typeface="Times New Roman" panose="02020603050405020304" pitchFamily="18" charset="0"/>
+                <a:ea typeface="Times New Roman" panose="02020603050405020304" pitchFamily="18" charset="0"/>
+              </a:rPr>
+              <a:t> </a:t>
+            </a:r>
+            <a:r>
+              <a:rPr lang="pt-BR" sz="1150" dirty="0" err="1">
+                <a:effectLst/>
+                <a:latin typeface="Times New Roman" panose="02020603050405020304" pitchFamily="18" charset="0"/>
+                <a:ea typeface="Times New Roman" panose="02020603050405020304" pitchFamily="18" charset="0"/>
+              </a:rPr>
+              <a:t>Introduction</a:t>
+            </a:r>
+            <a:r>
+              <a:rPr lang="pt-BR" sz="1150" dirty="0">
+                <a:effectLst/>
+                <a:latin typeface="Times New Roman" panose="02020603050405020304" pitchFamily="18" charset="0"/>
+                <a:ea typeface="Times New Roman" panose="02020603050405020304" pitchFamily="18" charset="0"/>
+              </a:rPr>
+              <a:t> </a:t>
+            </a:r>
+            <a:r>
+              <a:rPr lang="pt-BR" sz="1150" dirty="0" err="1">
+                <a:effectLst/>
+                <a:latin typeface="Times New Roman" panose="02020603050405020304" pitchFamily="18" charset="0"/>
+                <a:ea typeface="Times New Roman" panose="02020603050405020304" pitchFamily="18" charset="0"/>
+              </a:rPr>
+              <a:t>to</a:t>
+            </a:r>
+            <a:r>
+              <a:rPr lang="pt-BR" sz="1150" dirty="0">
+                <a:effectLst/>
+                <a:latin typeface="Times New Roman" panose="02020603050405020304" pitchFamily="18" charset="0"/>
+                <a:ea typeface="Times New Roman" panose="02020603050405020304" pitchFamily="18" charset="0"/>
+              </a:rPr>
+              <a:t> Natural </a:t>
+            </a:r>
+            <a:r>
+              <a:rPr lang="pt-BR" sz="1150" dirty="0" err="1">
+                <a:effectLst/>
+                <a:latin typeface="Times New Roman" panose="02020603050405020304" pitchFamily="18" charset="0"/>
+                <a:ea typeface="Times New Roman" panose="02020603050405020304" pitchFamily="18" charset="0"/>
+              </a:rPr>
+              <a:t>Language</a:t>
+            </a:r>
+            <a:r>
+              <a:rPr lang="pt-BR" sz="1150" dirty="0">
+                <a:effectLst/>
+                <a:latin typeface="Times New Roman" panose="02020603050405020304" pitchFamily="18" charset="0"/>
+                <a:ea typeface="Times New Roman" panose="02020603050405020304" pitchFamily="18" charset="0"/>
+              </a:rPr>
+              <a:t> </a:t>
+            </a:r>
+            <a:r>
+              <a:rPr lang="pt-BR" sz="1150" dirty="0" err="1">
+                <a:effectLst/>
+                <a:latin typeface="Times New Roman" panose="02020603050405020304" pitchFamily="18" charset="0"/>
+                <a:ea typeface="Times New Roman" panose="02020603050405020304" pitchFamily="18" charset="0"/>
+              </a:rPr>
+              <a:t>Processing</a:t>
+            </a:r>
+            <a:r>
+              <a:rPr lang="pt-BR" sz="1150" dirty="0">
+                <a:effectLst/>
+                <a:latin typeface="Times New Roman" panose="02020603050405020304" pitchFamily="18" charset="0"/>
+                <a:ea typeface="Times New Roman" panose="02020603050405020304" pitchFamily="18" charset="0"/>
+              </a:rPr>
+              <a:t>, </a:t>
+            </a:r>
+            <a:r>
+              <a:rPr lang="pt-BR" sz="1150" dirty="0" err="1">
+                <a:effectLst/>
+                <a:latin typeface="Times New Roman" panose="02020603050405020304" pitchFamily="18" charset="0"/>
+                <a:ea typeface="Times New Roman" panose="02020603050405020304" pitchFamily="18" charset="0"/>
+              </a:rPr>
+              <a:t>Computational</a:t>
+            </a:r>
+            <a:r>
+              <a:rPr lang="pt-BR" sz="1150" dirty="0">
+                <a:effectLst/>
+                <a:latin typeface="Times New Roman" panose="02020603050405020304" pitchFamily="18" charset="0"/>
+                <a:ea typeface="Times New Roman" panose="02020603050405020304" pitchFamily="18" charset="0"/>
+              </a:rPr>
+              <a:t> </a:t>
+            </a:r>
+            <a:r>
+              <a:rPr lang="pt-BR" sz="1150" dirty="0" err="1">
+                <a:effectLst/>
+                <a:latin typeface="Times New Roman" panose="02020603050405020304" pitchFamily="18" charset="0"/>
+                <a:ea typeface="Times New Roman" panose="02020603050405020304" pitchFamily="18" charset="0"/>
+              </a:rPr>
+              <a:t>Linguistics</a:t>
+            </a:r>
+            <a:r>
+              <a:rPr lang="pt-BR" sz="1150" dirty="0">
+                <a:effectLst/>
+                <a:latin typeface="Times New Roman" panose="02020603050405020304" pitchFamily="18" charset="0"/>
+                <a:ea typeface="Times New Roman" panose="02020603050405020304" pitchFamily="18" charset="0"/>
+              </a:rPr>
+              <a:t>, </a:t>
+            </a:r>
+            <a:r>
+              <a:rPr lang="pt-BR" sz="1150" dirty="0" err="1">
+                <a:effectLst/>
+                <a:latin typeface="Times New Roman" panose="02020603050405020304" pitchFamily="18" charset="0"/>
+                <a:ea typeface="Times New Roman" panose="02020603050405020304" pitchFamily="18" charset="0"/>
+              </a:rPr>
+              <a:t>and</a:t>
+            </a:r>
+            <a:r>
+              <a:rPr lang="pt-BR" sz="1150" dirty="0">
+                <a:effectLst/>
+                <a:latin typeface="Times New Roman" panose="02020603050405020304" pitchFamily="18" charset="0"/>
+                <a:ea typeface="Times New Roman" panose="02020603050405020304" pitchFamily="18" charset="0"/>
+              </a:rPr>
+              <a:t> Speech </a:t>
+            </a:r>
+            <a:r>
+              <a:rPr lang="pt-BR" sz="1150" dirty="0" err="1">
+                <a:effectLst/>
+                <a:latin typeface="Times New Roman" panose="02020603050405020304" pitchFamily="18" charset="0"/>
+                <a:ea typeface="Times New Roman" panose="02020603050405020304" pitchFamily="18" charset="0"/>
+              </a:rPr>
+              <a:t>Recognition</a:t>
+            </a:r>
+            <a:r>
+              <a:rPr lang="pt-BR" sz="1150" dirty="0">
+                <a:effectLst/>
+                <a:latin typeface="Times New Roman" panose="02020603050405020304" pitchFamily="18" charset="0"/>
+                <a:ea typeface="Times New Roman" panose="02020603050405020304" pitchFamily="18" charset="0"/>
+              </a:rPr>
+              <a:t> </a:t>
+            </a:r>
+            <a:r>
+              <a:rPr lang="pt-BR" sz="1150" dirty="0" err="1">
+                <a:effectLst/>
+                <a:latin typeface="Times New Roman" panose="02020603050405020304" pitchFamily="18" charset="0"/>
+                <a:ea typeface="Times New Roman" panose="02020603050405020304" pitchFamily="18" charset="0"/>
+              </a:rPr>
+              <a:t>with</a:t>
+            </a:r>
+            <a:r>
+              <a:rPr lang="pt-BR" sz="1150" dirty="0">
+                <a:effectLst/>
+                <a:latin typeface="Times New Roman" panose="02020603050405020304" pitchFamily="18" charset="0"/>
+                <a:ea typeface="Times New Roman" panose="02020603050405020304" pitchFamily="18" charset="0"/>
+              </a:rPr>
+              <a:t> </a:t>
+            </a:r>
+            <a:r>
+              <a:rPr lang="pt-BR" sz="1150" dirty="0" err="1">
+                <a:effectLst/>
+                <a:latin typeface="Times New Roman" panose="02020603050405020304" pitchFamily="18" charset="0"/>
+                <a:ea typeface="Times New Roman" panose="02020603050405020304" pitchFamily="18" charset="0"/>
+              </a:rPr>
+              <a:t>Language</a:t>
+            </a:r>
+            <a:r>
+              <a:rPr lang="pt-BR" sz="1150" dirty="0">
+                <a:effectLst/>
+                <a:latin typeface="Times New Roman" panose="02020603050405020304" pitchFamily="18" charset="0"/>
+                <a:ea typeface="Times New Roman" panose="02020603050405020304" pitchFamily="18" charset="0"/>
+              </a:rPr>
+              <a:t> Models. 3. ed. draft. [</a:t>
+            </a:r>
+            <a:r>
+              <a:rPr lang="pt-BR" sz="1150" dirty="0" err="1">
+                <a:effectLst/>
+                <a:latin typeface="Times New Roman" panose="02020603050405020304" pitchFamily="18" charset="0"/>
+                <a:ea typeface="Times New Roman" panose="02020603050405020304" pitchFamily="18" charset="0"/>
+              </a:rPr>
+              <a:t>S.l</a:t>
+            </a:r>
+            <a:r>
+              <a:rPr lang="pt-BR" sz="1150" dirty="0">
+                <a:effectLst/>
+                <a:latin typeface="Times New Roman" panose="02020603050405020304" pitchFamily="18" charset="0"/>
+                <a:ea typeface="Times New Roman" panose="02020603050405020304" pitchFamily="18" charset="0"/>
+              </a:rPr>
+              <a:t>.: s.n.], 2024. Disponível em: https://web.stanford.edu/~</a:t>
+            </a:r>
+            <a:r>
+              <a:rPr lang="pt-BR" sz="1150" dirty="0" err="1">
+                <a:effectLst/>
+                <a:latin typeface="Times New Roman" panose="02020603050405020304" pitchFamily="18" charset="0"/>
+                <a:ea typeface="Times New Roman" panose="02020603050405020304" pitchFamily="18" charset="0"/>
+              </a:rPr>
+              <a:t>jurafsky</a:t>
+            </a:r>
+            <a:r>
+              <a:rPr lang="pt-BR" sz="1150" dirty="0">
+                <a:effectLst/>
+                <a:latin typeface="Times New Roman" panose="02020603050405020304" pitchFamily="18" charset="0"/>
+                <a:ea typeface="Times New Roman" panose="02020603050405020304" pitchFamily="18" charset="0"/>
+              </a:rPr>
+              <a:t>/slp3/ed3bookaug20_2024.pdf. Acesso em: 04 set 2024.</a:t>
+            </a:r>
+          </a:p>
+          <a:p>
+            <a:pPr>
+              <a:spcAft>
+                <a:spcPts val="600"/>
+              </a:spcAft>
+            </a:pPr>
+            <a:r>
+              <a:rPr lang="pt-BR" sz="1150" dirty="0">
+                <a:effectLst/>
+                <a:latin typeface="Times New Roman" panose="02020603050405020304" pitchFamily="18" charset="0"/>
+                <a:ea typeface="Times New Roman" panose="02020603050405020304" pitchFamily="18" charset="0"/>
+              </a:rPr>
+              <a:t>MACIEL, Rita de Cássia Oliveira. </a:t>
+            </a:r>
+            <a:r>
+              <a:rPr lang="pt-BR" sz="1150" b="1" dirty="0">
+                <a:effectLst/>
+                <a:latin typeface="Times New Roman" panose="02020603050405020304" pitchFamily="18" charset="0"/>
+                <a:ea typeface="Times New Roman" panose="02020603050405020304" pitchFamily="18" charset="0"/>
+              </a:rPr>
+              <a:t>Sistemas da Informação Gerenciais de RH</a:t>
+            </a:r>
+            <a:r>
+              <a:rPr lang="pt-BR" sz="1150" dirty="0">
+                <a:effectLst/>
+                <a:latin typeface="Times New Roman" panose="02020603050405020304" pitchFamily="18" charset="0"/>
+                <a:ea typeface="Times New Roman" panose="02020603050405020304" pitchFamily="18" charset="0"/>
+              </a:rPr>
+              <a:t>. 22ª edição. Editora </a:t>
+            </a:r>
+            <a:r>
+              <a:rPr lang="pt-BR" sz="1150" dirty="0" err="1">
+                <a:effectLst/>
+                <a:latin typeface="Times New Roman" panose="02020603050405020304" pitchFamily="18" charset="0"/>
+                <a:ea typeface="Times New Roman" panose="02020603050405020304" pitchFamily="18" charset="0"/>
+              </a:rPr>
+              <a:t>Telesapiens</a:t>
+            </a:r>
+            <a:r>
+              <a:rPr lang="pt-BR" sz="1150" dirty="0">
+                <a:effectLst/>
+                <a:latin typeface="Times New Roman" panose="02020603050405020304" pitchFamily="18" charset="0"/>
+                <a:ea typeface="Times New Roman" panose="02020603050405020304" pitchFamily="18" charset="0"/>
+              </a:rPr>
+              <a:t>, c2022. </a:t>
+            </a:r>
+          </a:p>
+          <a:p>
+            <a:pPr>
+              <a:spcAft>
+                <a:spcPts val="600"/>
+              </a:spcAft>
+            </a:pPr>
+            <a:r>
+              <a:rPr lang="pt-BR" sz="1150" dirty="0">
+                <a:effectLst/>
+                <a:latin typeface="Times New Roman" panose="02020603050405020304" pitchFamily="18" charset="0"/>
+                <a:ea typeface="Times New Roman" panose="02020603050405020304" pitchFamily="18" charset="0"/>
+              </a:rPr>
+              <a:t>MAILY, Julia, Professora da Associação Blumenau de Karatê e faixa preta há mais de 10 anos. Karatê e Exames de Graduação. Entrevistadora: Nicole Bauchspiess. Blumenau, SC, 2024.</a:t>
+            </a:r>
+          </a:p>
+          <a:p>
+            <a:pPr>
+              <a:spcAft>
+                <a:spcPts val="600"/>
+              </a:spcAft>
+            </a:pPr>
+            <a:r>
+              <a:rPr lang="pt-BR" sz="1150" dirty="0">
+                <a:effectLst/>
+                <a:latin typeface="Times New Roman" panose="02020603050405020304" pitchFamily="18" charset="0"/>
+                <a:ea typeface="Times New Roman" panose="02020603050405020304" pitchFamily="18" charset="0"/>
+              </a:rPr>
+              <a:t>MICHAELIS. Dicionário Brasileiro da Língua Portuguesa. © 2024 Editora Melhoramentos Ltda. Disponível em: https://michaelis.uol.com.br/moderno-</a:t>
+            </a:r>
+            <a:r>
+              <a:rPr lang="pt-BR" sz="1150" dirty="0" err="1">
+                <a:effectLst/>
+                <a:latin typeface="Times New Roman" panose="02020603050405020304" pitchFamily="18" charset="0"/>
+                <a:ea typeface="Times New Roman" panose="02020603050405020304" pitchFamily="18" charset="0"/>
+              </a:rPr>
+              <a:t>portugues</a:t>
+            </a:r>
+            <a:r>
+              <a:rPr lang="pt-BR" sz="1150" dirty="0">
+                <a:effectLst/>
+                <a:latin typeface="Times New Roman" panose="02020603050405020304" pitchFamily="18" charset="0"/>
+                <a:ea typeface="Times New Roman" panose="02020603050405020304" pitchFamily="18" charset="0"/>
+              </a:rPr>
+              <a:t>/busca/</a:t>
+            </a:r>
+            <a:r>
+              <a:rPr lang="pt-BR" sz="1150" dirty="0" err="1">
+                <a:effectLst/>
+                <a:latin typeface="Times New Roman" panose="02020603050405020304" pitchFamily="18" charset="0"/>
+                <a:ea typeface="Times New Roman" panose="02020603050405020304" pitchFamily="18" charset="0"/>
+              </a:rPr>
+              <a:t>portugues</a:t>
+            </a:r>
+            <a:r>
+              <a:rPr lang="pt-BR" sz="1150" dirty="0">
+                <a:effectLst/>
+                <a:latin typeface="Times New Roman" panose="02020603050405020304" pitchFamily="18" charset="0"/>
+                <a:ea typeface="Times New Roman" panose="02020603050405020304" pitchFamily="18" charset="0"/>
+              </a:rPr>
+              <a:t>-brasileiro/administra%C3%A7%C3%A3o/. Acesso em: 5 set. 2024.</a:t>
+            </a:r>
+          </a:p>
+          <a:p>
+            <a:pPr>
+              <a:spcAft>
+                <a:spcPts val="600"/>
+              </a:spcAft>
+            </a:pPr>
+            <a:r>
+              <a:rPr lang="pt-BR" sz="1150" dirty="0">
+                <a:effectLst/>
+                <a:latin typeface="Times New Roman" panose="02020603050405020304" pitchFamily="18" charset="0"/>
+                <a:ea typeface="Times New Roman" panose="02020603050405020304" pitchFamily="18" charset="0"/>
+              </a:rPr>
+              <a:t>MINDBODY. Messenger[ai] | </a:t>
+            </a:r>
+            <a:r>
+              <a:rPr lang="pt-BR" sz="1150" dirty="0" err="1">
+                <a:effectLst/>
+                <a:latin typeface="Times New Roman" panose="02020603050405020304" pitchFamily="18" charset="0"/>
+                <a:ea typeface="Times New Roman" panose="02020603050405020304" pitchFamily="18" charset="0"/>
+              </a:rPr>
+              <a:t>Mindbody</a:t>
+            </a:r>
+            <a:r>
+              <a:rPr lang="pt-BR" sz="1150" dirty="0">
+                <a:effectLst/>
+                <a:latin typeface="Times New Roman" panose="02020603050405020304" pitchFamily="18" charset="0"/>
+                <a:ea typeface="Times New Roman" panose="02020603050405020304" pitchFamily="18" charset="0"/>
+              </a:rPr>
+              <a:t>. </a:t>
+            </a:r>
+            <a:r>
+              <a:rPr lang="pt-BR" sz="1150" dirty="0" err="1">
+                <a:effectLst/>
+                <a:latin typeface="Times New Roman" panose="02020603050405020304" pitchFamily="18" charset="0"/>
+                <a:ea typeface="Times New Roman" panose="02020603050405020304" pitchFamily="18" charset="0"/>
+              </a:rPr>
+              <a:t>MindBody</a:t>
+            </a:r>
+            <a:r>
+              <a:rPr lang="pt-BR" sz="1150" dirty="0">
+                <a:effectLst/>
+                <a:latin typeface="Times New Roman" panose="02020603050405020304" pitchFamily="18" charset="0"/>
+                <a:ea typeface="Times New Roman" panose="02020603050405020304" pitchFamily="18" charset="0"/>
+              </a:rPr>
+              <a:t>, c2020. Disponível em: https://www.mindbodyonline.com/business/</a:t>
+            </a:r>
+            <a:r>
+              <a:rPr lang="pt-BR" sz="1150" dirty="0" err="1">
+                <a:effectLst/>
+                <a:latin typeface="Times New Roman" panose="02020603050405020304" pitchFamily="18" charset="0"/>
+                <a:ea typeface="Times New Roman" panose="02020603050405020304" pitchFamily="18" charset="0"/>
+              </a:rPr>
+              <a:t>messenger</a:t>
+            </a:r>
+            <a:r>
+              <a:rPr lang="pt-BR" sz="1150" dirty="0">
+                <a:effectLst/>
+                <a:latin typeface="Times New Roman" panose="02020603050405020304" pitchFamily="18" charset="0"/>
+                <a:ea typeface="Times New Roman" panose="02020603050405020304" pitchFamily="18" charset="0"/>
+              </a:rPr>
+              <a:t>-ai. Acesso em: 15 ago. 2024.</a:t>
+            </a:r>
+          </a:p>
+          <a:p>
+            <a:pPr>
+              <a:spcAft>
+                <a:spcPts val="600"/>
+              </a:spcAft>
+            </a:pPr>
+            <a:r>
+              <a:rPr lang="pt-BR" sz="1150" dirty="0">
+                <a:effectLst/>
+                <a:latin typeface="Times New Roman" panose="02020603050405020304" pitchFamily="18" charset="0"/>
+                <a:ea typeface="Times New Roman" panose="02020603050405020304" pitchFamily="18" charset="0"/>
+              </a:rPr>
+              <a:t>NEXTFIT. </a:t>
+            </a:r>
+            <a:r>
+              <a:rPr lang="pt-BR" sz="1150" dirty="0" err="1">
+                <a:effectLst/>
+                <a:latin typeface="Times New Roman" panose="02020603050405020304" pitchFamily="18" charset="0"/>
+                <a:ea typeface="Times New Roman" panose="02020603050405020304" pitchFamily="18" charset="0"/>
+              </a:rPr>
+              <a:t>NextFit</a:t>
+            </a:r>
+            <a:r>
+              <a:rPr lang="pt-BR" sz="1150" dirty="0">
+                <a:effectLst/>
+                <a:latin typeface="Times New Roman" panose="02020603050405020304" pitchFamily="18" charset="0"/>
+                <a:ea typeface="Times New Roman" panose="02020603050405020304" pitchFamily="18" charset="0"/>
+              </a:rPr>
+              <a:t> Artes Marciais. </a:t>
+            </a:r>
+            <a:r>
+              <a:rPr lang="pt-BR" sz="1150" dirty="0" err="1">
+                <a:effectLst/>
+                <a:latin typeface="Times New Roman" panose="02020603050405020304" pitchFamily="18" charset="0"/>
+                <a:ea typeface="Times New Roman" panose="02020603050405020304" pitchFamily="18" charset="0"/>
+              </a:rPr>
+              <a:t>NextFit</a:t>
+            </a:r>
+            <a:r>
+              <a:rPr lang="pt-BR" sz="1150" dirty="0">
+                <a:effectLst/>
+                <a:latin typeface="Times New Roman" panose="02020603050405020304" pitchFamily="18" charset="0"/>
+                <a:ea typeface="Times New Roman" panose="02020603050405020304" pitchFamily="18" charset="0"/>
+              </a:rPr>
+              <a:t>, c2024. Disponível em: https://nextfit.com.br/</a:t>
+            </a:r>
+            <a:r>
+              <a:rPr lang="pt-BR" sz="1150" dirty="0" err="1">
+                <a:effectLst/>
+                <a:latin typeface="Times New Roman" panose="02020603050405020304" pitchFamily="18" charset="0"/>
+                <a:ea typeface="Times New Roman" panose="02020603050405020304" pitchFamily="18" charset="0"/>
+              </a:rPr>
+              <a:t>artesmarciais</a:t>
+            </a:r>
+            <a:r>
+              <a:rPr lang="pt-BR" sz="1150" dirty="0">
+                <a:effectLst/>
+                <a:latin typeface="Times New Roman" panose="02020603050405020304" pitchFamily="18" charset="0"/>
+                <a:ea typeface="Times New Roman" panose="02020603050405020304" pitchFamily="18" charset="0"/>
+              </a:rPr>
+              <a:t>. Acesso em: 13 ago. 2024.</a:t>
+            </a:r>
+          </a:p>
+          <a:p>
+            <a:pPr>
+              <a:spcAft>
+                <a:spcPts val="600"/>
+              </a:spcAft>
+            </a:pPr>
+            <a:r>
+              <a:rPr lang="pt-BR" sz="1150" dirty="0">
+                <a:effectLst/>
+                <a:latin typeface="Times New Roman" panose="02020603050405020304" pitchFamily="18" charset="0"/>
+                <a:ea typeface="Times New Roman" panose="02020603050405020304" pitchFamily="18" charset="0"/>
+              </a:rPr>
+              <a:t>OLIVEIRA, Vanderlei M. de. Professor da Associação Blumenau de Karatê e técnico da Seleção Brasileira de Karatê. Dificuldades na administração da associação. Entrevistadora: Nicole Bauchspiess. Blumenau, SC, 2024.</a:t>
+            </a:r>
+          </a:p>
+          <a:p>
+            <a:pPr>
+              <a:spcAft>
+                <a:spcPts val="600"/>
+              </a:spcAft>
+            </a:pPr>
+            <a:r>
+              <a:rPr lang="pt-BR" sz="1150" dirty="0">
+                <a:effectLst/>
+                <a:latin typeface="Times New Roman" panose="02020603050405020304" pitchFamily="18" charset="0"/>
+                <a:ea typeface="Times New Roman" panose="02020603050405020304" pitchFamily="18" charset="0"/>
+              </a:rPr>
+              <a:t>RIDHA, Mohammad; HAURA </a:t>
+            </a:r>
+            <a:r>
+              <a:rPr lang="pt-BR" sz="1150" dirty="0" err="1">
+                <a:effectLst/>
+                <a:latin typeface="Times New Roman" panose="02020603050405020304" pitchFamily="18" charset="0"/>
+                <a:ea typeface="Times New Roman" panose="02020603050405020304" pitchFamily="18" charset="0"/>
+              </a:rPr>
+              <a:t>Khansa</a:t>
+            </a:r>
+            <a:r>
+              <a:rPr lang="pt-BR" sz="1150" dirty="0">
+                <a:effectLst/>
+                <a:latin typeface="Times New Roman" panose="02020603050405020304" pitchFamily="18" charset="0"/>
+                <a:ea typeface="Times New Roman" panose="02020603050405020304" pitchFamily="18" charset="0"/>
+              </a:rPr>
+              <a:t> M. </a:t>
+            </a:r>
+            <a:r>
+              <a:rPr lang="pt-BR" sz="1150" dirty="0" err="1">
+                <a:effectLst/>
+                <a:latin typeface="Times New Roman" panose="02020603050405020304" pitchFamily="18" charset="0"/>
+                <a:ea typeface="Times New Roman" panose="02020603050405020304" pitchFamily="18" charset="0"/>
+              </a:rPr>
+              <a:t>Implementation</a:t>
+            </a:r>
+            <a:r>
+              <a:rPr lang="pt-BR" sz="1150" dirty="0">
+                <a:effectLst/>
+                <a:latin typeface="Times New Roman" panose="02020603050405020304" pitchFamily="18" charset="0"/>
+                <a:ea typeface="Times New Roman" panose="02020603050405020304" pitchFamily="18" charset="0"/>
+              </a:rPr>
+              <a:t> </a:t>
+            </a:r>
+            <a:r>
+              <a:rPr lang="pt-BR" sz="1150" dirty="0" err="1">
+                <a:effectLst/>
+                <a:latin typeface="Times New Roman" panose="02020603050405020304" pitchFamily="18" charset="0"/>
+                <a:ea typeface="Times New Roman" panose="02020603050405020304" pitchFamily="18" charset="0"/>
+              </a:rPr>
+              <a:t>of</a:t>
+            </a:r>
+            <a:r>
+              <a:rPr lang="pt-BR" sz="1150" dirty="0">
+                <a:effectLst/>
+                <a:latin typeface="Times New Roman" panose="02020603050405020304" pitchFamily="18" charset="0"/>
+                <a:ea typeface="Times New Roman" panose="02020603050405020304" pitchFamily="18" charset="0"/>
+              </a:rPr>
+              <a:t> Artificial </a:t>
+            </a:r>
+            <a:r>
+              <a:rPr lang="pt-BR" sz="1150" dirty="0" err="1">
+                <a:effectLst/>
+                <a:latin typeface="Times New Roman" panose="02020603050405020304" pitchFamily="18" charset="0"/>
+                <a:ea typeface="Times New Roman" panose="02020603050405020304" pitchFamily="18" charset="0"/>
+              </a:rPr>
+              <a:t>Intelligence</a:t>
+            </a:r>
+            <a:r>
+              <a:rPr lang="pt-BR" sz="1150" dirty="0">
+                <a:effectLst/>
+                <a:latin typeface="Times New Roman" panose="02020603050405020304" pitchFamily="18" charset="0"/>
+                <a:ea typeface="Times New Roman" panose="02020603050405020304" pitchFamily="18" charset="0"/>
+              </a:rPr>
+              <a:t> </a:t>
+            </a:r>
+            <a:r>
+              <a:rPr lang="pt-BR" sz="1150" dirty="0" err="1">
+                <a:effectLst/>
+                <a:latin typeface="Times New Roman" panose="02020603050405020304" pitchFamily="18" charset="0"/>
+                <a:ea typeface="Times New Roman" panose="02020603050405020304" pitchFamily="18" charset="0"/>
+              </a:rPr>
+              <a:t>chatbot</a:t>
+            </a:r>
+            <a:r>
+              <a:rPr lang="pt-BR" sz="1150" dirty="0">
+                <a:effectLst/>
+                <a:latin typeface="Times New Roman" panose="02020603050405020304" pitchFamily="18" charset="0"/>
+                <a:ea typeface="Times New Roman" panose="02020603050405020304" pitchFamily="18" charset="0"/>
+              </a:rPr>
+              <a:t> in </a:t>
+            </a:r>
+            <a:r>
+              <a:rPr lang="pt-BR" sz="1150" dirty="0" err="1">
+                <a:effectLst/>
+                <a:latin typeface="Times New Roman" panose="02020603050405020304" pitchFamily="18" charset="0"/>
+                <a:ea typeface="Times New Roman" panose="02020603050405020304" pitchFamily="18" charset="0"/>
+              </a:rPr>
+              <a:t>optimizing</a:t>
+            </a:r>
+            <a:r>
+              <a:rPr lang="pt-BR" sz="1150" dirty="0">
+                <a:effectLst/>
+                <a:latin typeface="Times New Roman" panose="02020603050405020304" pitchFamily="18" charset="0"/>
+                <a:ea typeface="Times New Roman" panose="02020603050405020304" pitchFamily="18" charset="0"/>
+              </a:rPr>
+              <a:t> </a:t>
+            </a:r>
+            <a:r>
+              <a:rPr lang="pt-BR" sz="1150" dirty="0" err="1">
+                <a:effectLst/>
+                <a:latin typeface="Times New Roman" panose="02020603050405020304" pitchFamily="18" charset="0"/>
+                <a:ea typeface="Times New Roman" panose="02020603050405020304" pitchFamily="18" charset="0"/>
+              </a:rPr>
+              <a:t>customer</a:t>
+            </a:r>
+            <a:r>
+              <a:rPr lang="pt-BR" sz="1150" dirty="0">
+                <a:effectLst/>
+                <a:latin typeface="Times New Roman" panose="02020603050405020304" pitchFamily="18" charset="0"/>
+                <a:ea typeface="Times New Roman" panose="02020603050405020304" pitchFamily="18" charset="0"/>
+              </a:rPr>
+              <a:t> </a:t>
+            </a:r>
+            <a:r>
+              <a:rPr lang="pt-BR" sz="1150" dirty="0" err="1">
+                <a:effectLst/>
+                <a:latin typeface="Times New Roman" panose="02020603050405020304" pitchFamily="18" charset="0"/>
+                <a:ea typeface="Times New Roman" panose="02020603050405020304" pitchFamily="18" charset="0"/>
+              </a:rPr>
+              <a:t>service</a:t>
+            </a:r>
+            <a:r>
+              <a:rPr lang="pt-BR" sz="1150" dirty="0">
+                <a:effectLst/>
+                <a:latin typeface="Times New Roman" panose="02020603050405020304" pitchFamily="18" charset="0"/>
+                <a:ea typeface="Times New Roman" panose="02020603050405020304" pitchFamily="18" charset="0"/>
+              </a:rPr>
+              <a:t> in financial </a:t>
+            </a:r>
+            <a:r>
+              <a:rPr lang="pt-BR" sz="1150" dirty="0" err="1">
+                <a:effectLst/>
+                <a:latin typeface="Times New Roman" panose="02020603050405020304" pitchFamily="18" charset="0"/>
+                <a:ea typeface="Times New Roman" panose="02020603050405020304" pitchFamily="18" charset="0"/>
+              </a:rPr>
+              <a:t>technology</a:t>
+            </a:r>
+            <a:r>
+              <a:rPr lang="pt-BR" sz="1150" dirty="0">
+                <a:effectLst/>
+                <a:latin typeface="Times New Roman" panose="02020603050405020304" pitchFamily="18" charset="0"/>
+                <a:ea typeface="Times New Roman" panose="02020603050405020304" pitchFamily="18" charset="0"/>
+              </a:rPr>
+              <a:t> </a:t>
+            </a:r>
+            <a:r>
+              <a:rPr lang="pt-BR" sz="1150" dirty="0" err="1">
+                <a:effectLst/>
+                <a:latin typeface="Times New Roman" panose="02020603050405020304" pitchFamily="18" charset="0"/>
+                <a:ea typeface="Times New Roman" panose="02020603050405020304" pitchFamily="18" charset="0"/>
+              </a:rPr>
+              <a:t>company</a:t>
+            </a:r>
+            <a:r>
+              <a:rPr lang="pt-BR" sz="1150" dirty="0">
+                <a:effectLst/>
+                <a:latin typeface="Times New Roman" panose="02020603050405020304" pitchFamily="18" charset="0"/>
+                <a:ea typeface="Times New Roman" panose="02020603050405020304" pitchFamily="18" charset="0"/>
+              </a:rPr>
+              <a:t> PT. </a:t>
+            </a:r>
+            <a:r>
+              <a:rPr lang="pt-BR" sz="1150" dirty="0" err="1">
+                <a:effectLst/>
+                <a:latin typeface="Times New Roman" panose="02020603050405020304" pitchFamily="18" charset="0"/>
+                <a:ea typeface="Times New Roman" panose="02020603050405020304" pitchFamily="18" charset="0"/>
+              </a:rPr>
+              <a:t>FinAccel</a:t>
+            </a:r>
+            <a:r>
+              <a:rPr lang="pt-BR" sz="1150" dirty="0">
+                <a:effectLst/>
+                <a:latin typeface="Times New Roman" panose="02020603050405020304" pitchFamily="18" charset="0"/>
+                <a:ea typeface="Times New Roman" panose="02020603050405020304" pitchFamily="18" charset="0"/>
+              </a:rPr>
+              <a:t> </a:t>
+            </a:r>
+            <a:r>
+              <a:rPr lang="pt-BR" sz="1150" dirty="0" err="1">
+                <a:effectLst/>
+                <a:latin typeface="Times New Roman" panose="02020603050405020304" pitchFamily="18" charset="0"/>
+                <a:ea typeface="Times New Roman" panose="02020603050405020304" pitchFamily="18" charset="0"/>
+              </a:rPr>
+              <a:t>Finance</a:t>
+            </a:r>
+            <a:r>
+              <a:rPr lang="pt-BR" sz="1150" dirty="0">
+                <a:effectLst/>
+                <a:latin typeface="Times New Roman" panose="02020603050405020304" pitchFamily="18" charset="0"/>
+                <a:ea typeface="Times New Roman" panose="02020603050405020304" pitchFamily="18" charset="0"/>
+              </a:rPr>
+              <a:t> </a:t>
+            </a:r>
+            <a:r>
+              <a:rPr lang="pt-BR" sz="1150" dirty="0" err="1">
+                <a:effectLst/>
+                <a:latin typeface="Times New Roman" panose="02020603050405020304" pitchFamily="18" charset="0"/>
+                <a:ea typeface="Times New Roman" panose="02020603050405020304" pitchFamily="18" charset="0"/>
+              </a:rPr>
+              <a:t>Indonesia</a:t>
+            </a:r>
+            <a:r>
+              <a:rPr lang="pt-BR" sz="1150" dirty="0">
+                <a:effectLst/>
+                <a:latin typeface="Times New Roman" panose="02020603050405020304" pitchFamily="18" charset="0"/>
+                <a:ea typeface="Times New Roman" panose="02020603050405020304" pitchFamily="18" charset="0"/>
+              </a:rPr>
+              <a:t>. In: </a:t>
+            </a:r>
+            <a:r>
+              <a:rPr lang="pt-BR" sz="1150" dirty="0" err="1">
+                <a:effectLst/>
+                <a:latin typeface="Times New Roman" panose="02020603050405020304" pitchFamily="18" charset="0"/>
+                <a:ea typeface="Times New Roman" panose="02020603050405020304" pitchFamily="18" charset="0"/>
+              </a:rPr>
+              <a:t>Proceedings</a:t>
+            </a:r>
+            <a:r>
+              <a:rPr lang="pt-BR" sz="1150" dirty="0">
+                <a:effectLst/>
+                <a:latin typeface="Times New Roman" panose="02020603050405020304" pitchFamily="18" charset="0"/>
+                <a:ea typeface="Times New Roman" panose="02020603050405020304" pitchFamily="18" charset="0"/>
+              </a:rPr>
+              <a:t>. MDPI, 2022. p. 21. Disponível em: https://www.mdpi.com/2504-3900/83/1/21. Acesso em: 10 set. 2024.</a:t>
+            </a:r>
+          </a:p>
+          <a:p>
+            <a:pPr>
+              <a:spcAft>
+                <a:spcPts val="600"/>
+              </a:spcAft>
+            </a:pPr>
+            <a:r>
+              <a:rPr lang="pt-BR" sz="1150" dirty="0">
+                <a:effectLst/>
+                <a:latin typeface="Times New Roman" panose="02020603050405020304" pitchFamily="18" charset="0"/>
+                <a:ea typeface="Times New Roman" panose="02020603050405020304" pitchFamily="18" charset="0"/>
+              </a:rPr>
+              <a:t>RUSSELL, Stuart J; NORVIG, Peter Coautor. Inteligência artificial: uma abordagem moderna.4. Rio de Janeiro: GEN LTC, 2022. 1 recurso online. Disponível em: https://integrada.minhabiblioteca.com.br/books/9788595159495. Acesso em: 4 set. 2024.</a:t>
+            </a:r>
+          </a:p>
+          <a:p>
+            <a:pPr>
+              <a:spcAft>
+                <a:spcPts val="600"/>
+              </a:spcAft>
+            </a:pPr>
+            <a:r>
+              <a:rPr lang="pt-BR" sz="1150" dirty="0">
+                <a:effectLst/>
+                <a:latin typeface="Times New Roman" panose="02020603050405020304" pitchFamily="18" charset="0"/>
+                <a:ea typeface="Times New Roman" panose="02020603050405020304" pitchFamily="18" charset="0"/>
+              </a:rPr>
+              <a:t>SANTOS, Gabriela Lima dos et al. A consultoria empresarial como instrumento de gestão financeira nas micro e pequenas empresas no município de Santana do Ipanema-AL. 2020. Trabalho de conclusão de curso (Graduação de Ciências Contábeis), Universidade Federal do Alagoas, Alagoas. </a:t>
+            </a:r>
+          </a:p>
+          <a:p>
+            <a:pPr>
+              <a:spcAft>
+                <a:spcPts val="600"/>
+              </a:spcAft>
+            </a:pPr>
+            <a:r>
+              <a:rPr lang="pt-BR" sz="1150" dirty="0">
+                <a:effectLst/>
+                <a:latin typeface="Times New Roman" panose="02020603050405020304" pitchFamily="18" charset="0"/>
+                <a:ea typeface="Times New Roman" panose="02020603050405020304" pitchFamily="18" charset="0"/>
+              </a:rPr>
+              <a:t>SIQUEIRA, Victor Augusto. O esporte karatê para a melhoria do desenvolvimento motor, cognitivo, afetivo social e das capacidades motoras de crianças e adolescentes. Goiânia. 2022.</a:t>
+            </a:r>
+          </a:p>
+          <a:p>
+            <a:pPr>
+              <a:spcAft>
+                <a:spcPts val="600"/>
+              </a:spcAft>
+            </a:pPr>
+            <a:r>
+              <a:rPr lang="pt-BR" sz="1150" dirty="0">
+                <a:effectLst/>
+                <a:latin typeface="Times New Roman" panose="02020603050405020304" pitchFamily="18" charset="0"/>
+                <a:ea typeface="Times New Roman" panose="02020603050405020304" pitchFamily="18" charset="0"/>
+              </a:rPr>
+              <a:t>WALGER, </a:t>
+            </a:r>
+            <a:r>
+              <a:rPr lang="pt-BR" sz="1150" dirty="0" err="1">
+                <a:effectLst/>
+                <a:latin typeface="Times New Roman" panose="02020603050405020304" pitchFamily="18" charset="0"/>
+                <a:ea typeface="Times New Roman" panose="02020603050405020304" pitchFamily="18" charset="0"/>
+              </a:rPr>
+              <a:t>Antonio</a:t>
+            </a:r>
+            <a:r>
+              <a:rPr lang="pt-BR" sz="1150" dirty="0">
+                <a:effectLst/>
+                <a:latin typeface="Times New Roman" panose="02020603050405020304" pitchFamily="18" charset="0"/>
+                <a:ea typeface="Times New Roman" panose="02020603050405020304" pitchFamily="18" charset="0"/>
+              </a:rPr>
+              <a:t> C. Silva. O Caminho para a Faixa Preta: Karatê-</a:t>
+            </a:r>
+            <a:r>
+              <a:rPr lang="pt-BR" sz="1150" dirty="0" err="1">
+                <a:effectLst/>
+                <a:latin typeface="Times New Roman" panose="02020603050405020304" pitchFamily="18" charset="0"/>
+                <a:ea typeface="Times New Roman" panose="02020603050405020304" pitchFamily="18" charset="0"/>
+              </a:rPr>
+              <a:t>Dô</a:t>
+            </a:r>
+            <a:r>
+              <a:rPr lang="pt-BR" sz="1150" dirty="0">
+                <a:effectLst/>
+                <a:latin typeface="Times New Roman" panose="02020603050405020304" pitchFamily="18" charset="0"/>
+                <a:ea typeface="Times New Roman" panose="02020603050405020304" pitchFamily="18" charset="0"/>
+              </a:rPr>
+              <a:t> Tradicional: Planos de Ensino e		              Exames de Graduação. Porto Alegre. 2004.</a:t>
+            </a:r>
+          </a:p>
+          <a:p>
+            <a:pPr>
+              <a:spcAft>
+                <a:spcPts val="600"/>
+              </a:spcAft>
+            </a:pPr>
+            <a:r>
+              <a:rPr lang="pt-BR" sz="1150" dirty="0">
+                <a:effectLst/>
+                <a:latin typeface="Times New Roman" panose="02020603050405020304" pitchFamily="18" charset="0"/>
+                <a:ea typeface="Times New Roman" panose="02020603050405020304" pitchFamily="18" charset="0"/>
+              </a:rPr>
+              <a:t>ZANCHIN, </a:t>
+            </a:r>
+            <a:r>
+              <a:rPr lang="pt-BR" sz="1150" dirty="0" err="1">
+                <a:effectLst/>
+                <a:latin typeface="Times New Roman" panose="02020603050405020304" pitchFamily="18" charset="0"/>
+                <a:ea typeface="Times New Roman" panose="02020603050405020304" pitchFamily="18" charset="0"/>
+              </a:rPr>
+              <a:t>Softtware</a:t>
+            </a:r>
+            <a:r>
+              <a:rPr lang="pt-BR" sz="1150" dirty="0">
+                <a:effectLst/>
+                <a:latin typeface="Times New Roman" panose="02020603050405020304" pitchFamily="18" charset="0"/>
+                <a:ea typeface="Times New Roman" panose="02020603050405020304" pitchFamily="18" charset="0"/>
+              </a:rPr>
+              <a:t>. </a:t>
+            </a:r>
+            <a:r>
+              <a:rPr lang="pt-BR" sz="1150" dirty="0" err="1">
+                <a:effectLst/>
+                <a:latin typeface="Times New Roman" panose="02020603050405020304" pitchFamily="18" charset="0"/>
+                <a:ea typeface="Times New Roman" panose="02020603050405020304" pitchFamily="18" charset="0"/>
+              </a:rPr>
+              <a:t>Dojoweb</a:t>
+            </a:r>
+            <a:r>
+              <a:rPr lang="pt-BR" sz="1150" dirty="0">
+                <a:effectLst/>
+                <a:latin typeface="Times New Roman" panose="02020603050405020304" pitchFamily="18" charset="0"/>
+                <a:ea typeface="Times New Roman" panose="02020603050405020304" pitchFamily="18" charset="0"/>
+              </a:rPr>
+              <a:t>. Teutônia, c2019. Disponível em: https://zanshinsoftware.com/. Acesso em: 13 set. 2024.</a:t>
+            </a:r>
+          </a:p>
+          <a:p>
+            <a:pPr>
+              <a:spcAft>
+                <a:spcPts val="600"/>
+              </a:spcAft>
+            </a:pPr>
+            <a:endParaRPr lang="pt-BR" sz="1150" dirty="0">
+              <a:effectLst/>
+              <a:latin typeface="Times New Roman" panose="02020603050405020304" pitchFamily="18" charset="0"/>
+              <a:ea typeface="Times New Roman" panose="02020603050405020304" pitchFamily="18" charset="0"/>
+            </a:endParaRPr>
+          </a:p>
+          <a:p>
+            <a:pPr>
+              <a:spcAft>
+                <a:spcPts val="600"/>
+              </a:spcAft>
+            </a:pPr>
+            <a:endParaRPr lang="pt-BR" sz="1150" dirty="0">
+              <a:effectLst/>
+              <a:latin typeface="Times New Roman" panose="02020603050405020304" pitchFamily="18" charset="0"/>
+              <a:ea typeface="Times New Roman" panose="02020603050405020304" pitchFamily="18" charset="0"/>
+            </a:endParaRPr>
+          </a:p>
+        </p:txBody>
+      </p:sp>
+    </p:spTree>
+    <p:extLst>
+      <p:ext uri="{BB962C8B-B14F-4D97-AF65-F5344CB8AC3E}">
+        <p14:creationId xmlns:p14="http://schemas.microsoft.com/office/powerpoint/2010/main" val="218844178"/>
+      </p:ext>
+    </p:extLst>
+  </p:cSld>
+  <p:clrMapOvr>
+    <a:masterClrMapping/>
+  </p:clrMapOvr>
+</p:sld>
+</file>
+
+<file path=ppt/slides/slide25.xml><?xml version="1.0" encoding="utf-8"?>
 <p:sld xmlns:a="http://schemas.openxmlformats.org/drawingml/2006/main" xmlns:r="http://schemas.openxmlformats.org/officeDocument/2006/relationships" xmlns:p="http://schemas.openxmlformats.org/presentationml/2006/main">
   <p:cSld>
     <p:spTree>
@@ -19213,7 +23130,7 @@
     </p:spTree>
     <p:extLst>
       <p:ext uri="{BB962C8B-B14F-4D97-AF65-F5344CB8AC3E}">
-        <p14:creationId xmlns:p14="http://schemas.microsoft.com/office/powerpoint/2010/main" val="2847982857"/>
+        <p14:creationId xmlns:p14="http://schemas.microsoft.com/office/powerpoint/2010/main" val="433804746"/>
       </p:ext>
     </p:extLst>
   </p:cSld>
@@ -20703,7 +24620,7 @@
             </a:pPr>
             <a:r>
               <a:rPr lang="pt-BR" sz="2800" dirty="0"/>
-              <a:t>Monitorar a periodicidade dos exames de graduação;</a:t>
+              <a:t>Monitorar a periodicidade dos exames de graduação</a:t>
             </a:r>
           </a:p>
           <a:p>
@@ -20714,7 +24631,7 @@
             </a:pPr>
             <a:r>
               <a:rPr lang="pt-BR" sz="2800" dirty="0"/>
-              <a:t>Controlar os pagamentos das mensalidades dos alunos de karatê, propiciando gerenciamento das atividades envolvidas;</a:t>
+              <a:t>Controlar os pagamentos das mensalidades dos alunos de karatê, propiciando gerenciamento das atividades envolvidas</a:t>
             </a:r>
           </a:p>
           <a:p>
@@ -20730,10 +24647,6 @@
             <a:r>
               <a:rPr lang="pt-BR" sz="2800" dirty="0" err="1"/>
               <a:t>chatbot</a:t>
-            </a:r>
-            <a:r>
-              <a:rPr lang="pt-BR" sz="2800" dirty="0"/>
-              <a:t>.</a:t>
             </a:r>
             <a:endParaRPr lang="pt-BR" altLang="pt-BR" sz="2800" dirty="0">
               <a:cs typeface="Arial"/>
@@ -22285,10 +26198,7 @@
               <a:rPr lang="pt-BR" altLang="pt-BR" sz="2000" dirty="0" err="1"/>
               <a:t>AppStore</a:t>
             </a:r>
-            <a:r>
-              <a:rPr lang="pt-BR" altLang="pt-BR" sz="2000" dirty="0"/>
-              <a:t>.</a:t>
-            </a:r>
+            <a:endParaRPr lang="pt-BR" altLang="pt-BR" sz="2000" dirty="0"/>
           </a:p>
           <a:p>
             <a:pPr lvl="1" eaLnBrk="1" hangingPunct="1"/>
@@ -22419,7 +26329,7 @@
                 </a:solidFill>
                 <a:latin typeface="Arial (Corpo)"/>
               </a:rPr>
-              <a:t>” AND (“Academia” OR “fitness” OR “Arte marcial” OR “Karatê). </a:t>
+              <a:t>” AND (“Academia” OR “fitness” OR “Arte marcial” OR “Karatê)</a:t>
             </a:r>
             <a:endParaRPr lang="pt-BR" altLang="pt-BR" sz="1600" dirty="0">
               <a:latin typeface="Arial (Corpo)"/>
